--- a/BackgroundInfo/MeetingSlides.pptx
+++ b/BackgroundInfo/MeetingSlides.pptx
@@ -2,7 +2,7 @@
 <file path=ppt/presentation.xml><?xml version="1.0" encoding="utf-8"?>
 <p:presentation xmlns:a="http://schemas.openxmlformats.org/drawingml/2006/main" xmlns:r="http://schemas.openxmlformats.org/officeDocument/2006/relationships" xmlns:p="http://schemas.openxmlformats.org/presentationml/2006/main" saveSubsetFonts="1">
   <p:sldMasterIdLst>
-    <p:sldMasterId id="2147483648" r:id="rId1"/>
+    <p:sldMasterId id="2147483660" r:id="rId1"/>
   </p:sldMasterIdLst>
   <p:sldIdLst>
     <p:sldId id="256" r:id="rId2"/>
@@ -115,6 +115,11 @@
       </a:defRPr>
     </a:lvl9pPr>
   </p:defaultTextStyle>
+  <p:extLst>
+    <p:ext uri="{EFAFB233-063F-42B5-8137-9DF3F51BA10A}">
+      <p15:sldGuideLst xmlns:p15="http://schemas.microsoft.com/office/powerpoint/2012/main"/>
+    </p:ext>
+  </p:extLst>
 </p:presentation>
 </file>
 
@@ -147,15 +152,15 @@
         </p:nvSpPr>
         <p:spPr>
           <a:xfrm>
-            <a:off x="1524000" y="1122363"/>
-            <a:ext cx="9144000" cy="2387600"/>
+            <a:off x="1154955" y="1447800"/>
+            <a:ext cx="8825658" cy="3329581"/>
           </a:xfrm>
         </p:spPr>
         <p:txBody>
           <a:bodyPr anchor="b"/>
           <a:lstStyle>
-            <a:lvl1pPr algn="ctr">
-              <a:defRPr sz="6000"/>
+            <a:lvl1pPr>
+              <a:defRPr sz="7200"/>
             </a:lvl1pPr>
           </a:lstStyle>
           <a:p>
@@ -163,7 +168,7 @@
               <a:rPr lang="en-US" smtClean="0"/>
               <a:t>Click to edit Master title style</a:t>
             </a:r>
-            <a:endParaRPr lang="en-AU"/>
+            <a:endParaRPr lang="en-US" dirty="0"/>
           </a:p>
         </p:txBody>
       </p:sp>
@@ -179,48 +184,103 @@
         </p:nvSpPr>
         <p:spPr>
           <a:xfrm>
-            <a:off x="1524000" y="3602038"/>
-            <a:ext cx="9144000" cy="1655762"/>
+            <a:off x="1154955" y="4777380"/>
+            <a:ext cx="8825658" cy="861420"/>
           </a:xfrm>
         </p:spPr>
         <p:txBody>
-          <a:bodyPr/>
+          <a:bodyPr anchor="t"/>
           <a:lstStyle>
-            <a:lvl1pPr marL="0" indent="0" algn="ctr">
-              <a:buNone/>
-              <a:defRPr sz="2400"/>
+            <a:lvl1pPr marL="0" indent="0" algn="l">
+              <a:buNone/>
+              <a:defRPr cap="all">
+                <a:solidFill>
+                  <a:schemeClr val="bg2">
+                    <a:lumMod val="40000"/>
+                    <a:lumOff val="60000"/>
+                  </a:schemeClr>
+                </a:solidFill>
+              </a:defRPr>
             </a:lvl1pPr>
             <a:lvl2pPr marL="457200" indent="0" algn="ctr">
               <a:buNone/>
-              <a:defRPr sz="2000"/>
+              <a:defRPr>
+                <a:solidFill>
+                  <a:schemeClr val="tx1">
+                    <a:tint val="75000"/>
+                  </a:schemeClr>
+                </a:solidFill>
+              </a:defRPr>
             </a:lvl2pPr>
             <a:lvl3pPr marL="914400" indent="0" algn="ctr">
               <a:buNone/>
-              <a:defRPr sz="1800"/>
+              <a:defRPr>
+                <a:solidFill>
+                  <a:schemeClr val="tx1">
+                    <a:tint val="75000"/>
+                  </a:schemeClr>
+                </a:solidFill>
+              </a:defRPr>
             </a:lvl3pPr>
             <a:lvl4pPr marL="1371600" indent="0" algn="ctr">
               <a:buNone/>
-              <a:defRPr sz="1600"/>
+              <a:defRPr>
+                <a:solidFill>
+                  <a:schemeClr val="tx1">
+                    <a:tint val="75000"/>
+                  </a:schemeClr>
+                </a:solidFill>
+              </a:defRPr>
             </a:lvl4pPr>
             <a:lvl5pPr marL="1828800" indent="0" algn="ctr">
               <a:buNone/>
-              <a:defRPr sz="1600"/>
+              <a:defRPr>
+                <a:solidFill>
+                  <a:schemeClr val="tx1">
+                    <a:tint val="75000"/>
+                  </a:schemeClr>
+                </a:solidFill>
+              </a:defRPr>
             </a:lvl5pPr>
             <a:lvl6pPr marL="2286000" indent="0" algn="ctr">
               <a:buNone/>
-              <a:defRPr sz="1600"/>
+              <a:defRPr>
+                <a:solidFill>
+                  <a:schemeClr val="tx1">
+                    <a:tint val="75000"/>
+                  </a:schemeClr>
+                </a:solidFill>
+              </a:defRPr>
             </a:lvl6pPr>
             <a:lvl7pPr marL="2743200" indent="0" algn="ctr">
               <a:buNone/>
-              <a:defRPr sz="1600"/>
+              <a:defRPr>
+                <a:solidFill>
+                  <a:schemeClr val="tx1">
+                    <a:tint val="75000"/>
+                  </a:schemeClr>
+                </a:solidFill>
+              </a:defRPr>
             </a:lvl7pPr>
             <a:lvl8pPr marL="3200400" indent="0" algn="ctr">
               <a:buNone/>
-              <a:defRPr sz="1600"/>
+              <a:defRPr>
+                <a:solidFill>
+                  <a:schemeClr val="tx1">
+                    <a:tint val="75000"/>
+                  </a:schemeClr>
+                </a:solidFill>
+              </a:defRPr>
             </a:lvl8pPr>
             <a:lvl9pPr marL="3657600" indent="0" algn="ctr">
               <a:buNone/>
-              <a:defRPr sz="1600"/>
+              <a:defRPr>
+                <a:solidFill>
+                  <a:schemeClr val="tx1">
+                    <a:tint val="75000"/>
+                  </a:schemeClr>
+                </a:solidFill>
+              </a:defRPr>
             </a:lvl9pPr>
           </a:lstStyle>
           <a:p>
@@ -228,7 +288,7 @@
               <a:rPr lang="en-US" smtClean="0"/>
               <a:t>Click to edit Master subtitle style</a:t>
             </a:r>
-            <a:endParaRPr lang="en-AU"/>
+            <a:endParaRPr lang="en-US" dirty="0"/>
           </a:p>
         </p:txBody>
       </p:sp>
@@ -249,7 +309,7 @@
           <a:p>
             <a:fld id="{B61F3786-CE44-4BCC-AFE0-DA4E5B49D7AC}" type="datetimeFigureOut">
               <a:rPr lang="en-AU" smtClean="0"/>
-              <a:t>7/06/2016</a:t>
+              <a:t>6/07/2016</a:t>
             </a:fld>
             <a:endParaRPr lang="en-AU"/>
           </a:p>
@@ -300,7 +360,7 @@
     </p:spTree>
     <p:extLst>
       <p:ext uri="{BB962C8B-B14F-4D97-AF65-F5344CB8AC3E}">
-        <p14:creationId xmlns:p14="http://schemas.microsoft.com/office/powerpoint/2010/main" val="959726224"/>
+        <p14:creationId xmlns:p14="http://schemas.microsoft.com/office/powerpoint/2010/main" val="2143383191"/>
       </p:ext>
     </p:extLst>
   </p:cSld>
@@ -311,6 +371,2572 @@
 </file>
 
 <file path=ppt/slideLayouts/slideLayout10.xml><?xml version="1.0" encoding="utf-8"?>
+<p:sldLayout xmlns:a="http://schemas.openxmlformats.org/drawingml/2006/main" xmlns:r="http://schemas.openxmlformats.org/officeDocument/2006/relationships" xmlns:p="http://schemas.openxmlformats.org/presentationml/2006/main" preserve="1">
+  <p:cSld name="Panoramic Picture with Caption">
+    <p:spTree>
+      <p:nvGrpSpPr>
+        <p:cNvPr id="1" name=""/>
+        <p:cNvGrpSpPr/>
+        <p:nvPr/>
+      </p:nvGrpSpPr>
+      <p:grpSpPr>
+        <a:xfrm>
+          <a:off x="0" y="0"/>
+          <a:ext cx="0" cy="0"/>
+          <a:chOff x="0" y="0"/>
+          <a:chExt cx="0" cy="0"/>
+        </a:xfrm>
+      </p:grpSpPr>
+      <p:sp>
+        <p:nvSpPr>
+          <p:cNvPr id="2" name="Title 1"/>
+          <p:cNvSpPr>
+            <a:spLocks noGrp="1"/>
+          </p:cNvSpPr>
+          <p:nvPr>
+            <p:ph type="title"/>
+          </p:nvPr>
+        </p:nvSpPr>
+        <p:spPr>
+          <a:xfrm>
+            <a:off x="1154956" y="4800587"/>
+            <a:ext cx="8825657" cy="566738"/>
+          </a:xfrm>
+        </p:spPr>
+        <p:txBody>
+          <a:bodyPr anchor="b">
+            <a:normAutofit/>
+          </a:bodyPr>
+          <a:lstStyle>
+            <a:lvl1pPr algn="l">
+              <a:defRPr sz="2400" b="0"/>
+            </a:lvl1pPr>
+          </a:lstStyle>
+          <a:p>
+            <a:r>
+              <a:rPr lang="en-US" smtClean="0"/>
+              <a:t>Click to edit Master title style</a:t>
+            </a:r>
+            <a:endParaRPr lang="en-US" dirty="0"/>
+          </a:p>
+        </p:txBody>
+      </p:sp>
+      <p:sp>
+        <p:nvSpPr>
+          <p:cNvPr id="3" name="Picture Placeholder 2"/>
+          <p:cNvSpPr>
+            <a:spLocks noGrp="1" noChangeAspect="1"/>
+          </p:cNvSpPr>
+          <p:nvPr>
+            <p:ph type="pic" idx="1"/>
+          </p:nvPr>
+        </p:nvSpPr>
+        <p:spPr>
+          <a:xfrm>
+            <a:off x="1154955" y="685800"/>
+            <a:ext cx="8825658" cy="3640666"/>
+          </a:xfrm>
+          <a:prstGeom prst="roundRect">
+            <a:avLst>
+              <a:gd name="adj" fmla="val 1858"/>
+            </a:avLst>
+          </a:prstGeom>
+          <a:effectLst>
+            <a:outerShdw blurRad="50800" dist="50800" dir="5400000" algn="tl" rotWithShape="0">
+              <a:srgbClr val="000000">
+                <a:alpha val="43000"/>
+              </a:srgbClr>
+            </a:outerShdw>
+          </a:effectLst>
+        </p:spPr>
+        <p:txBody>
+          <a:bodyPr anchor="t">
+            <a:normAutofit/>
+          </a:bodyPr>
+          <a:lstStyle>
+            <a:lvl1pPr marL="0" indent="0" algn="ctr">
+              <a:buNone/>
+              <a:defRPr sz="1600"/>
+            </a:lvl1pPr>
+            <a:lvl2pPr marL="457200" indent="0">
+              <a:buNone/>
+              <a:defRPr sz="1600"/>
+            </a:lvl2pPr>
+            <a:lvl3pPr marL="914400" indent="0">
+              <a:buNone/>
+              <a:defRPr sz="1600"/>
+            </a:lvl3pPr>
+            <a:lvl4pPr marL="1371600" indent="0">
+              <a:buNone/>
+              <a:defRPr sz="1600"/>
+            </a:lvl4pPr>
+            <a:lvl5pPr marL="1828800" indent="0">
+              <a:buNone/>
+              <a:defRPr sz="1600"/>
+            </a:lvl5pPr>
+            <a:lvl6pPr marL="2286000" indent="0">
+              <a:buNone/>
+              <a:defRPr sz="1600"/>
+            </a:lvl6pPr>
+            <a:lvl7pPr marL="2743200" indent="0">
+              <a:buNone/>
+              <a:defRPr sz="1600"/>
+            </a:lvl7pPr>
+            <a:lvl8pPr marL="3200400" indent="0">
+              <a:buNone/>
+              <a:defRPr sz="1600"/>
+            </a:lvl8pPr>
+            <a:lvl9pPr marL="3657600" indent="0">
+              <a:buNone/>
+              <a:defRPr sz="1600"/>
+            </a:lvl9pPr>
+          </a:lstStyle>
+          <a:p>
+            <a:r>
+              <a:rPr lang="en-US" smtClean="0"/>
+              <a:t>Click icon to add picture</a:t>
+            </a:r>
+            <a:endParaRPr lang="en-US" dirty="0"/>
+          </a:p>
+        </p:txBody>
+      </p:sp>
+      <p:sp>
+        <p:nvSpPr>
+          <p:cNvPr id="4" name="Text Placeholder 3"/>
+          <p:cNvSpPr>
+            <a:spLocks noGrp="1"/>
+          </p:cNvSpPr>
+          <p:nvPr>
+            <p:ph type="body" sz="half" idx="2"/>
+          </p:nvPr>
+        </p:nvSpPr>
+        <p:spPr>
+          <a:xfrm>
+            <a:off x="1154956" y="5367325"/>
+            <a:ext cx="8825656" cy="493712"/>
+          </a:xfrm>
+        </p:spPr>
+        <p:txBody>
+          <a:bodyPr>
+            <a:normAutofit/>
+          </a:bodyPr>
+          <a:lstStyle>
+            <a:lvl1pPr marL="0" indent="0">
+              <a:buNone/>
+              <a:defRPr sz="1200"/>
+            </a:lvl1pPr>
+            <a:lvl2pPr marL="457200" indent="0">
+              <a:buNone/>
+              <a:defRPr sz="1200"/>
+            </a:lvl2pPr>
+            <a:lvl3pPr marL="914400" indent="0">
+              <a:buNone/>
+              <a:defRPr sz="1000"/>
+            </a:lvl3pPr>
+            <a:lvl4pPr marL="1371600" indent="0">
+              <a:buNone/>
+              <a:defRPr sz="900"/>
+            </a:lvl4pPr>
+            <a:lvl5pPr marL="1828800" indent="0">
+              <a:buNone/>
+              <a:defRPr sz="900"/>
+            </a:lvl5pPr>
+            <a:lvl6pPr marL="2286000" indent="0">
+              <a:buNone/>
+              <a:defRPr sz="900"/>
+            </a:lvl6pPr>
+            <a:lvl7pPr marL="2743200" indent="0">
+              <a:buNone/>
+              <a:defRPr sz="900"/>
+            </a:lvl7pPr>
+            <a:lvl8pPr marL="3200400" indent="0">
+              <a:buNone/>
+              <a:defRPr sz="900"/>
+            </a:lvl8pPr>
+            <a:lvl9pPr marL="3657600" indent="0">
+              <a:buNone/>
+              <a:defRPr sz="900"/>
+            </a:lvl9pPr>
+          </a:lstStyle>
+          <a:p>
+            <a:pPr lvl="0"/>
+            <a:r>
+              <a:rPr lang="en-US" smtClean="0"/>
+              <a:t>Click to edit Master text styles</a:t>
+            </a:r>
+          </a:p>
+        </p:txBody>
+      </p:sp>
+      <p:sp>
+        <p:nvSpPr>
+          <p:cNvPr id="5" name="Date Placeholder 4"/>
+          <p:cNvSpPr>
+            <a:spLocks noGrp="1"/>
+          </p:cNvSpPr>
+          <p:nvPr>
+            <p:ph type="dt" sz="half" idx="10"/>
+          </p:nvPr>
+        </p:nvSpPr>
+        <p:spPr/>
+        <p:txBody>
+          <a:bodyPr/>
+          <a:lstStyle/>
+          <a:p>
+            <a:fld id="{B61F3786-CE44-4BCC-AFE0-DA4E5B49D7AC}" type="datetimeFigureOut">
+              <a:rPr lang="en-AU" smtClean="0"/>
+              <a:t>6/07/2016</a:t>
+            </a:fld>
+            <a:endParaRPr lang="en-AU"/>
+          </a:p>
+        </p:txBody>
+      </p:sp>
+      <p:sp>
+        <p:nvSpPr>
+          <p:cNvPr id="6" name="Footer Placeholder 5"/>
+          <p:cNvSpPr>
+            <a:spLocks noGrp="1"/>
+          </p:cNvSpPr>
+          <p:nvPr>
+            <p:ph type="ftr" sz="quarter" idx="11"/>
+          </p:nvPr>
+        </p:nvSpPr>
+        <p:spPr/>
+        <p:txBody>
+          <a:bodyPr/>
+          <a:lstStyle/>
+          <a:p>
+            <a:endParaRPr lang="en-AU"/>
+          </a:p>
+        </p:txBody>
+      </p:sp>
+      <p:sp>
+        <p:nvSpPr>
+          <p:cNvPr id="7" name="Slide Number Placeholder 6"/>
+          <p:cNvSpPr>
+            <a:spLocks noGrp="1"/>
+          </p:cNvSpPr>
+          <p:nvPr>
+            <p:ph type="sldNum" sz="quarter" idx="12"/>
+          </p:nvPr>
+        </p:nvSpPr>
+        <p:spPr/>
+        <p:txBody>
+          <a:bodyPr/>
+          <a:lstStyle/>
+          <a:p>
+            <a:fld id="{6F2C1ED3-0260-40A1-A7FF-99F4875748F2}" type="slidenum">
+              <a:rPr lang="en-AU" smtClean="0"/>
+              <a:t>‹#›</a:t>
+            </a:fld>
+            <a:endParaRPr lang="en-AU"/>
+          </a:p>
+        </p:txBody>
+      </p:sp>
+    </p:spTree>
+    <p:extLst>
+      <p:ext uri="{BB962C8B-B14F-4D97-AF65-F5344CB8AC3E}">
+        <p14:creationId xmlns:p14="http://schemas.microsoft.com/office/powerpoint/2010/main" val="3794299857"/>
+      </p:ext>
+    </p:extLst>
+  </p:cSld>
+  <p:clrMapOvr>
+    <a:masterClrMapping/>
+  </p:clrMapOvr>
+</p:sldLayout>
+</file>
+
+<file path=ppt/slideLayouts/slideLayout11.xml><?xml version="1.0" encoding="utf-8"?>
+<p:sldLayout xmlns:a="http://schemas.openxmlformats.org/drawingml/2006/main" xmlns:r="http://schemas.openxmlformats.org/officeDocument/2006/relationships" xmlns:p="http://schemas.openxmlformats.org/presentationml/2006/main" preserve="1">
+  <p:cSld name="Title and Caption">
+    <p:spTree>
+      <p:nvGrpSpPr>
+        <p:cNvPr id="1" name=""/>
+        <p:cNvGrpSpPr/>
+        <p:nvPr/>
+      </p:nvGrpSpPr>
+      <p:grpSpPr>
+        <a:xfrm>
+          <a:off x="0" y="0"/>
+          <a:ext cx="0" cy="0"/>
+          <a:chOff x="0" y="0"/>
+          <a:chExt cx="0" cy="0"/>
+        </a:xfrm>
+      </p:grpSpPr>
+      <p:sp>
+        <p:nvSpPr>
+          <p:cNvPr id="2" name="Title 1"/>
+          <p:cNvSpPr>
+            <a:spLocks noGrp="1"/>
+          </p:cNvSpPr>
+          <p:nvPr>
+            <p:ph type="title"/>
+          </p:nvPr>
+        </p:nvSpPr>
+        <p:spPr>
+          <a:xfrm>
+            <a:off x="1154954" y="1447800"/>
+            <a:ext cx="8825659" cy="1981200"/>
+          </a:xfrm>
+        </p:spPr>
+        <p:txBody>
+          <a:bodyPr/>
+          <a:lstStyle>
+            <a:lvl1pPr>
+              <a:defRPr sz="4800"/>
+            </a:lvl1pPr>
+          </a:lstStyle>
+          <a:p>
+            <a:r>
+              <a:rPr lang="en-US" smtClean="0"/>
+              <a:t>Click to edit Master title style</a:t>
+            </a:r>
+            <a:endParaRPr lang="en-US" dirty="0"/>
+          </a:p>
+        </p:txBody>
+      </p:sp>
+      <p:sp>
+        <p:nvSpPr>
+          <p:cNvPr id="8" name="Text Placeholder 3"/>
+          <p:cNvSpPr>
+            <a:spLocks noGrp="1"/>
+          </p:cNvSpPr>
+          <p:nvPr>
+            <p:ph type="body" sz="half" idx="2"/>
+          </p:nvPr>
+        </p:nvSpPr>
+        <p:spPr>
+          <a:xfrm>
+            <a:off x="1154954" y="3657600"/>
+            <a:ext cx="8825659" cy="2362200"/>
+          </a:xfrm>
+        </p:spPr>
+        <p:txBody>
+          <a:bodyPr anchor="ctr">
+            <a:normAutofit/>
+          </a:bodyPr>
+          <a:lstStyle>
+            <a:lvl1pPr marL="0" indent="0">
+              <a:buNone/>
+              <a:defRPr sz="1800"/>
+            </a:lvl1pPr>
+            <a:lvl2pPr marL="457200" indent="0">
+              <a:buNone/>
+              <a:defRPr sz="1200"/>
+            </a:lvl2pPr>
+            <a:lvl3pPr marL="914400" indent="0">
+              <a:buNone/>
+              <a:defRPr sz="1000"/>
+            </a:lvl3pPr>
+            <a:lvl4pPr marL="1371600" indent="0">
+              <a:buNone/>
+              <a:defRPr sz="900"/>
+            </a:lvl4pPr>
+            <a:lvl5pPr marL="1828800" indent="0">
+              <a:buNone/>
+              <a:defRPr sz="900"/>
+            </a:lvl5pPr>
+            <a:lvl6pPr marL="2286000" indent="0">
+              <a:buNone/>
+              <a:defRPr sz="900"/>
+            </a:lvl6pPr>
+            <a:lvl7pPr marL="2743200" indent="0">
+              <a:buNone/>
+              <a:defRPr sz="900"/>
+            </a:lvl7pPr>
+            <a:lvl8pPr marL="3200400" indent="0">
+              <a:buNone/>
+              <a:defRPr sz="900"/>
+            </a:lvl8pPr>
+            <a:lvl9pPr marL="3657600" indent="0">
+              <a:buNone/>
+              <a:defRPr sz="900"/>
+            </a:lvl9pPr>
+          </a:lstStyle>
+          <a:p>
+            <a:pPr lvl="0"/>
+            <a:r>
+              <a:rPr lang="en-US" smtClean="0"/>
+              <a:t>Click to edit Master text styles</a:t>
+            </a:r>
+          </a:p>
+        </p:txBody>
+      </p:sp>
+      <p:sp>
+        <p:nvSpPr>
+          <p:cNvPr id="4" name="Date Placeholder 3"/>
+          <p:cNvSpPr>
+            <a:spLocks noGrp="1"/>
+          </p:cNvSpPr>
+          <p:nvPr>
+            <p:ph type="dt" sz="half" idx="10"/>
+          </p:nvPr>
+        </p:nvSpPr>
+        <p:spPr/>
+        <p:txBody>
+          <a:bodyPr/>
+          <a:lstStyle/>
+          <a:p>
+            <a:fld id="{B61F3786-CE44-4BCC-AFE0-DA4E5B49D7AC}" type="datetimeFigureOut">
+              <a:rPr lang="en-AU" smtClean="0"/>
+              <a:t>6/07/2016</a:t>
+            </a:fld>
+            <a:endParaRPr lang="en-AU"/>
+          </a:p>
+        </p:txBody>
+      </p:sp>
+      <p:sp>
+        <p:nvSpPr>
+          <p:cNvPr id="5" name="Footer Placeholder 4"/>
+          <p:cNvSpPr>
+            <a:spLocks noGrp="1"/>
+          </p:cNvSpPr>
+          <p:nvPr>
+            <p:ph type="ftr" sz="quarter" idx="11"/>
+          </p:nvPr>
+        </p:nvSpPr>
+        <p:spPr/>
+        <p:txBody>
+          <a:bodyPr/>
+          <a:lstStyle/>
+          <a:p>
+            <a:endParaRPr lang="en-AU"/>
+          </a:p>
+        </p:txBody>
+      </p:sp>
+      <p:sp>
+        <p:nvSpPr>
+          <p:cNvPr id="6" name="Slide Number Placeholder 5"/>
+          <p:cNvSpPr>
+            <a:spLocks noGrp="1"/>
+          </p:cNvSpPr>
+          <p:nvPr>
+            <p:ph type="sldNum" sz="quarter" idx="12"/>
+          </p:nvPr>
+        </p:nvSpPr>
+        <p:spPr/>
+        <p:txBody>
+          <a:bodyPr/>
+          <a:lstStyle/>
+          <a:p>
+            <a:fld id="{6F2C1ED3-0260-40A1-A7FF-99F4875748F2}" type="slidenum">
+              <a:rPr lang="en-AU" smtClean="0"/>
+              <a:t>‹#›</a:t>
+            </a:fld>
+            <a:endParaRPr lang="en-AU"/>
+          </a:p>
+        </p:txBody>
+      </p:sp>
+    </p:spTree>
+    <p:extLst>
+      <p:ext uri="{BB962C8B-B14F-4D97-AF65-F5344CB8AC3E}">
+        <p14:creationId xmlns:p14="http://schemas.microsoft.com/office/powerpoint/2010/main" val="2962027438"/>
+      </p:ext>
+    </p:extLst>
+  </p:cSld>
+  <p:clrMapOvr>
+    <a:masterClrMapping/>
+  </p:clrMapOvr>
+</p:sldLayout>
+</file>
+
+<file path=ppt/slideLayouts/slideLayout12.xml><?xml version="1.0" encoding="utf-8"?>
+<p:sldLayout xmlns:a="http://schemas.openxmlformats.org/drawingml/2006/main" xmlns:r="http://schemas.openxmlformats.org/officeDocument/2006/relationships" xmlns:p="http://schemas.openxmlformats.org/presentationml/2006/main" preserve="1">
+  <p:cSld name="Quote with Caption">
+    <p:spTree>
+      <p:nvGrpSpPr>
+        <p:cNvPr id="1" name=""/>
+        <p:cNvGrpSpPr/>
+        <p:nvPr/>
+      </p:nvGrpSpPr>
+      <p:grpSpPr>
+        <a:xfrm>
+          <a:off x="0" y="0"/>
+          <a:ext cx="0" cy="0"/>
+          <a:chOff x="0" y="0"/>
+          <a:chExt cx="0" cy="0"/>
+        </a:xfrm>
+      </p:grpSpPr>
+      <p:sp>
+        <p:nvSpPr>
+          <p:cNvPr id="2" name="Title 1"/>
+          <p:cNvSpPr>
+            <a:spLocks noGrp="1"/>
+          </p:cNvSpPr>
+          <p:nvPr>
+            <p:ph type="title"/>
+          </p:nvPr>
+        </p:nvSpPr>
+        <p:spPr>
+          <a:xfrm>
+            <a:off x="1574801" y="1447800"/>
+            <a:ext cx="7999315" cy="2323374"/>
+          </a:xfrm>
+        </p:spPr>
+        <p:txBody>
+          <a:bodyPr/>
+          <a:lstStyle>
+            <a:lvl1pPr>
+              <a:defRPr sz="4800"/>
+            </a:lvl1pPr>
+          </a:lstStyle>
+          <a:p>
+            <a:r>
+              <a:rPr lang="en-US" smtClean="0"/>
+              <a:t>Click to edit Master title style</a:t>
+            </a:r>
+            <a:endParaRPr lang="en-US" dirty="0"/>
+          </a:p>
+        </p:txBody>
+      </p:sp>
+      <p:sp>
+        <p:nvSpPr>
+          <p:cNvPr id="11" name="Text Placeholder 3"/>
+          <p:cNvSpPr>
+            <a:spLocks noGrp="1"/>
+          </p:cNvSpPr>
+          <p:nvPr>
+            <p:ph type="body" sz="half" idx="14"/>
+          </p:nvPr>
+        </p:nvSpPr>
+        <p:spPr>
+          <a:xfrm>
+            <a:off x="1930400" y="3771174"/>
+            <a:ext cx="7279649" cy="342174"/>
+          </a:xfrm>
+        </p:spPr>
+        <p:txBody>
+          <a:bodyPr vert="horz" lIns="91440" tIns="45720" rIns="91440" bIns="45720" rtlCol="0" anchor="t">
+            <a:normAutofit/>
+          </a:bodyPr>
+          <a:lstStyle>
+            <a:lvl1pPr marL="0" indent="0">
+              <a:buNone/>
+              <a:defRPr lang="en-US" sz="1400" b="0" i="0" kern="1200" cap="small" dirty="0">
+                <a:solidFill>
+                  <a:schemeClr val="bg2">
+                    <a:lumMod val="40000"/>
+                    <a:lumOff val="60000"/>
+                  </a:schemeClr>
+                </a:solidFill>
+                <a:latin typeface="+mj-lt"/>
+                <a:ea typeface="+mj-ea"/>
+                <a:cs typeface="+mj-cs"/>
+              </a:defRPr>
+            </a:lvl1pPr>
+            <a:lvl2pPr marL="457200" indent="0">
+              <a:buNone/>
+              <a:defRPr sz="1200"/>
+            </a:lvl2pPr>
+            <a:lvl3pPr marL="914400" indent="0">
+              <a:buNone/>
+              <a:defRPr sz="1000"/>
+            </a:lvl3pPr>
+            <a:lvl4pPr marL="1371600" indent="0">
+              <a:buNone/>
+              <a:defRPr sz="900"/>
+            </a:lvl4pPr>
+            <a:lvl5pPr marL="1828800" indent="0">
+              <a:buNone/>
+              <a:defRPr sz="900"/>
+            </a:lvl5pPr>
+            <a:lvl6pPr marL="2286000" indent="0">
+              <a:buNone/>
+              <a:defRPr sz="900"/>
+            </a:lvl6pPr>
+            <a:lvl7pPr marL="2743200" indent="0">
+              <a:buNone/>
+              <a:defRPr sz="900"/>
+            </a:lvl7pPr>
+            <a:lvl8pPr marL="3200400" indent="0">
+              <a:buNone/>
+              <a:defRPr sz="900"/>
+            </a:lvl8pPr>
+            <a:lvl9pPr marL="3657600" indent="0">
+              <a:buNone/>
+              <a:defRPr sz="900"/>
+            </a:lvl9pPr>
+          </a:lstStyle>
+          <a:p>
+            <a:pPr marL="0" lvl="0" indent="0">
+              <a:buNone/>
+            </a:pPr>
+            <a:r>
+              <a:rPr lang="en-US" smtClean="0"/>
+              <a:t>Click to edit Master text styles</a:t>
+            </a:r>
+          </a:p>
+        </p:txBody>
+      </p:sp>
+      <p:sp>
+        <p:nvSpPr>
+          <p:cNvPr id="10" name="Text Placeholder 3"/>
+          <p:cNvSpPr>
+            <a:spLocks noGrp="1"/>
+          </p:cNvSpPr>
+          <p:nvPr>
+            <p:ph type="body" sz="half" idx="2"/>
+          </p:nvPr>
+        </p:nvSpPr>
+        <p:spPr>
+          <a:xfrm>
+            <a:off x="1154954" y="4350657"/>
+            <a:ext cx="8825659" cy="1676400"/>
+          </a:xfrm>
+        </p:spPr>
+        <p:txBody>
+          <a:bodyPr anchor="ctr">
+            <a:normAutofit/>
+          </a:bodyPr>
+          <a:lstStyle>
+            <a:lvl1pPr marL="0" indent="0">
+              <a:buNone/>
+              <a:defRPr sz="1800"/>
+            </a:lvl1pPr>
+            <a:lvl2pPr marL="457200" indent="0">
+              <a:buNone/>
+              <a:defRPr sz="1200"/>
+            </a:lvl2pPr>
+            <a:lvl3pPr marL="914400" indent="0">
+              <a:buNone/>
+              <a:defRPr sz="1000"/>
+            </a:lvl3pPr>
+            <a:lvl4pPr marL="1371600" indent="0">
+              <a:buNone/>
+              <a:defRPr sz="900"/>
+            </a:lvl4pPr>
+            <a:lvl5pPr marL="1828800" indent="0">
+              <a:buNone/>
+              <a:defRPr sz="900"/>
+            </a:lvl5pPr>
+            <a:lvl6pPr marL="2286000" indent="0">
+              <a:buNone/>
+              <a:defRPr sz="900"/>
+            </a:lvl6pPr>
+            <a:lvl7pPr marL="2743200" indent="0">
+              <a:buNone/>
+              <a:defRPr sz="900"/>
+            </a:lvl7pPr>
+            <a:lvl8pPr marL="3200400" indent="0">
+              <a:buNone/>
+              <a:defRPr sz="900"/>
+            </a:lvl8pPr>
+            <a:lvl9pPr marL="3657600" indent="0">
+              <a:buNone/>
+              <a:defRPr sz="900"/>
+            </a:lvl9pPr>
+          </a:lstStyle>
+          <a:p>
+            <a:pPr lvl="0"/>
+            <a:r>
+              <a:rPr lang="en-US" smtClean="0"/>
+              <a:t>Click to edit Master text styles</a:t>
+            </a:r>
+          </a:p>
+        </p:txBody>
+      </p:sp>
+      <p:sp>
+        <p:nvSpPr>
+          <p:cNvPr id="4" name="Date Placeholder 3"/>
+          <p:cNvSpPr>
+            <a:spLocks noGrp="1"/>
+          </p:cNvSpPr>
+          <p:nvPr>
+            <p:ph type="dt" sz="half" idx="10"/>
+          </p:nvPr>
+        </p:nvSpPr>
+        <p:spPr/>
+        <p:txBody>
+          <a:bodyPr/>
+          <a:lstStyle/>
+          <a:p>
+            <a:fld id="{B61F3786-CE44-4BCC-AFE0-DA4E5B49D7AC}" type="datetimeFigureOut">
+              <a:rPr lang="en-AU" smtClean="0"/>
+              <a:t>6/07/2016</a:t>
+            </a:fld>
+            <a:endParaRPr lang="en-AU"/>
+          </a:p>
+        </p:txBody>
+      </p:sp>
+      <p:sp>
+        <p:nvSpPr>
+          <p:cNvPr id="5" name="Footer Placeholder 4"/>
+          <p:cNvSpPr>
+            <a:spLocks noGrp="1"/>
+          </p:cNvSpPr>
+          <p:nvPr>
+            <p:ph type="ftr" sz="quarter" idx="11"/>
+          </p:nvPr>
+        </p:nvSpPr>
+        <p:spPr/>
+        <p:txBody>
+          <a:bodyPr/>
+          <a:lstStyle/>
+          <a:p>
+            <a:endParaRPr lang="en-AU"/>
+          </a:p>
+        </p:txBody>
+      </p:sp>
+      <p:sp>
+        <p:nvSpPr>
+          <p:cNvPr id="6" name="Slide Number Placeholder 5"/>
+          <p:cNvSpPr>
+            <a:spLocks noGrp="1"/>
+          </p:cNvSpPr>
+          <p:nvPr>
+            <p:ph type="sldNum" sz="quarter" idx="12"/>
+          </p:nvPr>
+        </p:nvSpPr>
+        <p:spPr/>
+        <p:txBody>
+          <a:bodyPr/>
+          <a:lstStyle/>
+          <a:p>
+            <a:fld id="{6F2C1ED3-0260-40A1-A7FF-99F4875748F2}" type="slidenum">
+              <a:rPr lang="en-AU" smtClean="0"/>
+              <a:t>‹#›</a:t>
+            </a:fld>
+            <a:endParaRPr lang="en-AU"/>
+          </a:p>
+        </p:txBody>
+      </p:sp>
+      <p:sp>
+        <p:nvSpPr>
+          <p:cNvPr id="12" name="TextBox 11"/>
+          <p:cNvSpPr txBox="1"/>
+          <p:nvPr/>
+        </p:nvSpPr>
+        <p:spPr>
+          <a:xfrm>
+            <a:off x="898295" y="971253"/>
+            <a:ext cx="801912" cy="1969770"/>
+          </a:xfrm>
+          <a:prstGeom prst="rect">
+            <a:avLst/>
+          </a:prstGeom>
+          <a:noFill/>
+        </p:spPr>
+        <p:txBody>
+          <a:bodyPr wrap="square" rtlCol="0">
+            <a:spAutoFit/>
+          </a:bodyPr>
+          <a:lstStyle>
+            <a:defPPr>
+              <a:defRPr lang="en-US"/>
+            </a:defPPr>
+            <a:lvl1pPr algn="r">
+              <a:defRPr sz="12200" b="0" i="0">
+                <a:solidFill>
+                  <a:schemeClr val="bg2">
+                    <a:lumMod val="40000"/>
+                    <a:lumOff val="60000"/>
+                  </a:schemeClr>
+                </a:solidFill>
+                <a:latin typeface="Arial"/>
+                <a:ea typeface="+mj-ea"/>
+                <a:cs typeface="+mj-cs"/>
+              </a:defRPr>
+            </a:lvl1pPr>
+          </a:lstStyle>
+          <a:p>
+            <a:pPr lvl="0"/>
+            <a:r>
+              <a:rPr lang="en-US" dirty="0"/>
+              <a:t>“</a:t>
+            </a:r>
+          </a:p>
+        </p:txBody>
+      </p:sp>
+      <p:sp>
+        <p:nvSpPr>
+          <p:cNvPr id="15" name="TextBox 14"/>
+          <p:cNvSpPr txBox="1"/>
+          <p:nvPr/>
+        </p:nvSpPr>
+        <p:spPr>
+          <a:xfrm>
+            <a:off x="9330490" y="2613787"/>
+            <a:ext cx="801912" cy="1969770"/>
+          </a:xfrm>
+          <a:prstGeom prst="rect">
+            <a:avLst/>
+          </a:prstGeom>
+          <a:noFill/>
+        </p:spPr>
+        <p:txBody>
+          <a:bodyPr wrap="square" rtlCol="0">
+            <a:spAutoFit/>
+          </a:bodyPr>
+          <a:lstStyle>
+            <a:defPPr>
+              <a:defRPr lang="en-US"/>
+            </a:defPPr>
+            <a:lvl1pPr algn="r">
+              <a:defRPr sz="12200" b="0" i="0">
+                <a:solidFill>
+                  <a:schemeClr val="bg2">
+                    <a:lumMod val="40000"/>
+                    <a:lumOff val="60000"/>
+                  </a:schemeClr>
+                </a:solidFill>
+                <a:latin typeface="Arial"/>
+                <a:ea typeface="+mj-ea"/>
+                <a:cs typeface="+mj-cs"/>
+              </a:defRPr>
+            </a:lvl1pPr>
+          </a:lstStyle>
+          <a:p>
+            <a:pPr lvl="0"/>
+            <a:r>
+              <a:rPr lang="en-US" dirty="0"/>
+              <a:t>”</a:t>
+            </a:r>
+          </a:p>
+        </p:txBody>
+      </p:sp>
+    </p:spTree>
+    <p:extLst>
+      <p:ext uri="{BB962C8B-B14F-4D97-AF65-F5344CB8AC3E}">
+        <p14:creationId xmlns:p14="http://schemas.microsoft.com/office/powerpoint/2010/main" val="2632752556"/>
+      </p:ext>
+    </p:extLst>
+  </p:cSld>
+  <p:clrMapOvr>
+    <a:masterClrMapping/>
+  </p:clrMapOvr>
+</p:sldLayout>
+</file>
+
+<file path=ppt/slideLayouts/slideLayout13.xml><?xml version="1.0" encoding="utf-8"?>
+<p:sldLayout xmlns:a="http://schemas.openxmlformats.org/drawingml/2006/main" xmlns:r="http://schemas.openxmlformats.org/officeDocument/2006/relationships" xmlns:p="http://schemas.openxmlformats.org/presentationml/2006/main" preserve="1">
+  <p:cSld name="Name Card">
+    <p:spTree>
+      <p:nvGrpSpPr>
+        <p:cNvPr id="1" name=""/>
+        <p:cNvGrpSpPr/>
+        <p:nvPr/>
+      </p:nvGrpSpPr>
+      <p:grpSpPr>
+        <a:xfrm>
+          <a:off x="0" y="0"/>
+          <a:ext cx="0" cy="0"/>
+          <a:chOff x="0" y="0"/>
+          <a:chExt cx="0" cy="0"/>
+        </a:xfrm>
+      </p:grpSpPr>
+      <p:sp>
+        <p:nvSpPr>
+          <p:cNvPr id="2" name="Title 1"/>
+          <p:cNvSpPr>
+            <a:spLocks noGrp="1"/>
+          </p:cNvSpPr>
+          <p:nvPr>
+            <p:ph type="title"/>
+          </p:nvPr>
+        </p:nvSpPr>
+        <p:spPr>
+          <a:xfrm>
+            <a:off x="1154954" y="3124201"/>
+            <a:ext cx="8825660" cy="1653180"/>
+          </a:xfrm>
+        </p:spPr>
+        <p:txBody>
+          <a:bodyPr anchor="b"/>
+          <a:lstStyle>
+            <a:lvl1pPr algn="l">
+              <a:defRPr sz="4000" b="0" cap="none"/>
+            </a:lvl1pPr>
+          </a:lstStyle>
+          <a:p>
+            <a:r>
+              <a:rPr lang="en-US" smtClean="0"/>
+              <a:t>Click to edit Master title style</a:t>
+            </a:r>
+            <a:endParaRPr lang="en-US" dirty="0"/>
+          </a:p>
+        </p:txBody>
+      </p:sp>
+      <p:sp>
+        <p:nvSpPr>
+          <p:cNvPr id="3" name="Text Placeholder 2"/>
+          <p:cNvSpPr>
+            <a:spLocks noGrp="1"/>
+          </p:cNvSpPr>
+          <p:nvPr>
+            <p:ph type="body" idx="1"/>
+          </p:nvPr>
+        </p:nvSpPr>
+        <p:spPr>
+          <a:xfrm>
+            <a:off x="1154954" y="4777381"/>
+            <a:ext cx="8825659" cy="860400"/>
+          </a:xfrm>
+        </p:spPr>
+        <p:txBody>
+          <a:bodyPr anchor="t"/>
+          <a:lstStyle>
+            <a:lvl1pPr marL="0" indent="0" algn="l">
+              <a:buNone/>
+              <a:defRPr sz="2000" cap="none">
+                <a:solidFill>
+                  <a:schemeClr val="bg2">
+                    <a:lumMod val="40000"/>
+                    <a:lumOff val="60000"/>
+                  </a:schemeClr>
+                </a:solidFill>
+              </a:defRPr>
+            </a:lvl1pPr>
+            <a:lvl2pPr marL="457200" indent="0">
+              <a:buNone/>
+              <a:defRPr sz="1800">
+                <a:solidFill>
+                  <a:schemeClr val="tx1">
+                    <a:tint val="75000"/>
+                  </a:schemeClr>
+                </a:solidFill>
+              </a:defRPr>
+            </a:lvl2pPr>
+            <a:lvl3pPr marL="914400" indent="0">
+              <a:buNone/>
+              <a:defRPr sz="1600">
+                <a:solidFill>
+                  <a:schemeClr val="tx1">
+                    <a:tint val="75000"/>
+                  </a:schemeClr>
+                </a:solidFill>
+              </a:defRPr>
+            </a:lvl3pPr>
+            <a:lvl4pPr marL="1371600" indent="0">
+              <a:buNone/>
+              <a:defRPr sz="1400">
+                <a:solidFill>
+                  <a:schemeClr val="tx1">
+                    <a:tint val="75000"/>
+                  </a:schemeClr>
+                </a:solidFill>
+              </a:defRPr>
+            </a:lvl4pPr>
+            <a:lvl5pPr marL="1828800" indent="0">
+              <a:buNone/>
+              <a:defRPr sz="1400">
+                <a:solidFill>
+                  <a:schemeClr val="tx1">
+                    <a:tint val="75000"/>
+                  </a:schemeClr>
+                </a:solidFill>
+              </a:defRPr>
+            </a:lvl5pPr>
+            <a:lvl6pPr marL="2286000" indent="0">
+              <a:buNone/>
+              <a:defRPr sz="1400">
+                <a:solidFill>
+                  <a:schemeClr val="tx1">
+                    <a:tint val="75000"/>
+                  </a:schemeClr>
+                </a:solidFill>
+              </a:defRPr>
+            </a:lvl6pPr>
+            <a:lvl7pPr marL="2743200" indent="0">
+              <a:buNone/>
+              <a:defRPr sz="1400">
+                <a:solidFill>
+                  <a:schemeClr val="tx1">
+                    <a:tint val="75000"/>
+                  </a:schemeClr>
+                </a:solidFill>
+              </a:defRPr>
+            </a:lvl7pPr>
+            <a:lvl8pPr marL="3200400" indent="0">
+              <a:buNone/>
+              <a:defRPr sz="1400">
+                <a:solidFill>
+                  <a:schemeClr val="tx1">
+                    <a:tint val="75000"/>
+                  </a:schemeClr>
+                </a:solidFill>
+              </a:defRPr>
+            </a:lvl8pPr>
+            <a:lvl9pPr marL="3657600" indent="0">
+              <a:buNone/>
+              <a:defRPr sz="1400">
+                <a:solidFill>
+                  <a:schemeClr val="tx1">
+                    <a:tint val="75000"/>
+                  </a:schemeClr>
+                </a:solidFill>
+              </a:defRPr>
+            </a:lvl9pPr>
+          </a:lstStyle>
+          <a:p>
+            <a:pPr lvl="0"/>
+            <a:r>
+              <a:rPr lang="en-US" smtClean="0"/>
+              <a:t>Click to edit Master text styles</a:t>
+            </a:r>
+          </a:p>
+        </p:txBody>
+      </p:sp>
+      <p:sp>
+        <p:nvSpPr>
+          <p:cNvPr id="4" name="Date Placeholder 3"/>
+          <p:cNvSpPr>
+            <a:spLocks noGrp="1"/>
+          </p:cNvSpPr>
+          <p:nvPr>
+            <p:ph type="dt" sz="half" idx="10"/>
+          </p:nvPr>
+        </p:nvSpPr>
+        <p:spPr/>
+        <p:txBody>
+          <a:bodyPr/>
+          <a:lstStyle/>
+          <a:p>
+            <a:fld id="{B61F3786-CE44-4BCC-AFE0-DA4E5B49D7AC}" type="datetimeFigureOut">
+              <a:rPr lang="en-AU" smtClean="0"/>
+              <a:t>6/07/2016</a:t>
+            </a:fld>
+            <a:endParaRPr lang="en-AU"/>
+          </a:p>
+        </p:txBody>
+      </p:sp>
+      <p:sp>
+        <p:nvSpPr>
+          <p:cNvPr id="5" name="Footer Placeholder 4"/>
+          <p:cNvSpPr>
+            <a:spLocks noGrp="1"/>
+          </p:cNvSpPr>
+          <p:nvPr>
+            <p:ph type="ftr" sz="quarter" idx="11"/>
+          </p:nvPr>
+        </p:nvSpPr>
+        <p:spPr/>
+        <p:txBody>
+          <a:bodyPr/>
+          <a:lstStyle/>
+          <a:p>
+            <a:endParaRPr lang="en-AU"/>
+          </a:p>
+        </p:txBody>
+      </p:sp>
+      <p:sp>
+        <p:nvSpPr>
+          <p:cNvPr id="6" name="Slide Number Placeholder 5"/>
+          <p:cNvSpPr>
+            <a:spLocks noGrp="1"/>
+          </p:cNvSpPr>
+          <p:nvPr>
+            <p:ph type="sldNum" sz="quarter" idx="12"/>
+          </p:nvPr>
+        </p:nvSpPr>
+        <p:spPr/>
+        <p:txBody>
+          <a:bodyPr/>
+          <a:lstStyle/>
+          <a:p>
+            <a:fld id="{6F2C1ED3-0260-40A1-A7FF-99F4875748F2}" type="slidenum">
+              <a:rPr lang="en-AU" smtClean="0"/>
+              <a:t>‹#›</a:t>
+            </a:fld>
+            <a:endParaRPr lang="en-AU"/>
+          </a:p>
+        </p:txBody>
+      </p:sp>
+    </p:spTree>
+    <p:extLst>
+      <p:ext uri="{BB962C8B-B14F-4D97-AF65-F5344CB8AC3E}">
+        <p14:creationId xmlns:p14="http://schemas.microsoft.com/office/powerpoint/2010/main" val="2740106943"/>
+      </p:ext>
+    </p:extLst>
+  </p:cSld>
+  <p:clrMapOvr>
+    <a:masterClrMapping/>
+  </p:clrMapOvr>
+</p:sldLayout>
+</file>
+
+<file path=ppt/slideLayouts/slideLayout14.xml><?xml version="1.0" encoding="utf-8"?>
+<p:sldLayout xmlns:a="http://schemas.openxmlformats.org/drawingml/2006/main" xmlns:r="http://schemas.openxmlformats.org/officeDocument/2006/relationships" xmlns:p="http://schemas.openxmlformats.org/presentationml/2006/main" preserve="1">
+  <p:cSld name="3 Column">
+    <p:spTree>
+      <p:nvGrpSpPr>
+        <p:cNvPr id="1" name=""/>
+        <p:cNvGrpSpPr/>
+        <p:nvPr/>
+      </p:nvGrpSpPr>
+      <p:grpSpPr>
+        <a:xfrm>
+          <a:off x="0" y="0"/>
+          <a:ext cx="0" cy="0"/>
+          <a:chOff x="0" y="0"/>
+          <a:chExt cx="0" cy="0"/>
+        </a:xfrm>
+      </p:grpSpPr>
+      <p:sp>
+        <p:nvSpPr>
+          <p:cNvPr id="2" name="Title 1"/>
+          <p:cNvSpPr>
+            <a:spLocks noGrp="1"/>
+          </p:cNvSpPr>
+          <p:nvPr>
+            <p:ph type="title"/>
+          </p:nvPr>
+        </p:nvSpPr>
+        <p:spPr/>
+        <p:txBody>
+          <a:bodyPr/>
+          <a:lstStyle>
+            <a:lvl1pPr>
+              <a:defRPr sz="4200"/>
+            </a:lvl1pPr>
+          </a:lstStyle>
+          <a:p>
+            <a:r>
+              <a:rPr lang="en-US" smtClean="0"/>
+              <a:t>Click to edit Master title style</a:t>
+            </a:r>
+            <a:endParaRPr lang="en-US" dirty="0"/>
+          </a:p>
+        </p:txBody>
+      </p:sp>
+      <p:sp>
+        <p:nvSpPr>
+          <p:cNvPr id="3" name="Text Placeholder 2"/>
+          <p:cNvSpPr>
+            <a:spLocks noGrp="1"/>
+          </p:cNvSpPr>
+          <p:nvPr>
+            <p:ph type="body" idx="1"/>
+          </p:nvPr>
+        </p:nvSpPr>
+        <p:spPr>
+          <a:xfrm>
+            <a:off x="632947" y="1981200"/>
+            <a:ext cx="2946866" cy="576262"/>
+          </a:xfrm>
+        </p:spPr>
+        <p:txBody>
+          <a:bodyPr anchor="b">
+            <a:noAutofit/>
+          </a:bodyPr>
+          <a:lstStyle>
+            <a:lvl1pPr marL="0" indent="0">
+              <a:buNone/>
+              <a:defRPr sz="2400" b="0">
+                <a:solidFill>
+                  <a:schemeClr val="bg2">
+                    <a:lumMod val="40000"/>
+                    <a:lumOff val="60000"/>
+                  </a:schemeClr>
+                </a:solidFill>
+              </a:defRPr>
+            </a:lvl1pPr>
+            <a:lvl2pPr marL="457200" indent="0">
+              <a:buNone/>
+              <a:defRPr sz="2000" b="1"/>
+            </a:lvl2pPr>
+            <a:lvl3pPr marL="914400" indent="0">
+              <a:buNone/>
+              <a:defRPr sz="1800" b="1"/>
+            </a:lvl3pPr>
+            <a:lvl4pPr marL="1371600" indent="0">
+              <a:buNone/>
+              <a:defRPr sz="1600" b="1"/>
+            </a:lvl4pPr>
+            <a:lvl5pPr marL="1828800" indent="0">
+              <a:buNone/>
+              <a:defRPr sz="1600" b="1"/>
+            </a:lvl5pPr>
+            <a:lvl6pPr marL="2286000" indent="0">
+              <a:buNone/>
+              <a:defRPr sz="1600" b="1"/>
+            </a:lvl6pPr>
+            <a:lvl7pPr marL="2743200" indent="0">
+              <a:buNone/>
+              <a:defRPr sz="1600" b="1"/>
+            </a:lvl7pPr>
+            <a:lvl8pPr marL="3200400" indent="0">
+              <a:buNone/>
+              <a:defRPr sz="1600" b="1"/>
+            </a:lvl8pPr>
+            <a:lvl9pPr marL="3657600" indent="0">
+              <a:buNone/>
+              <a:defRPr sz="1600" b="1"/>
+            </a:lvl9pPr>
+          </a:lstStyle>
+          <a:p>
+            <a:pPr lvl="0"/>
+            <a:r>
+              <a:rPr lang="en-US" smtClean="0"/>
+              <a:t>Click to edit Master text styles</a:t>
+            </a:r>
+          </a:p>
+        </p:txBody>
+      </p:sp>
+      <p:sp>
+        <p:nvSpPr>
+          <p:cNvPr id="16" name="Text Placeholder 3"/>
+          <p:cNvSpPr>
+            <a:spLocks noGrp="1"/>
+          </p:cNvSpPr>
+          <p:nvPr>
+            <p:ph type="body" sz="half" idx="15"/>
+          </p:nvPr>
+        </p:nvSpPr>
+        <p:spPr>
+          <a:xfrm>
+            <a:off x="652463" y="2667000"/>
+            <a:ext cx="2927350" cy="3589338"/>
+          </a:xfrm>
+        </p:spPr>
+        <p:txBody>
+          <a:bodyPr anchor="t">
+            <a:normAutofit/>
+          </a:bodyPr>
+          <a:lstStyle>
+            <a:lvl1pPr marL="0" indent="0">
+              <a:buNone/>
+              <a:defRPr sz="1400"/>
+            </a:lvl1pPr>
+            <a:lvl2pPr marL="457200" indent="0">
+              <a:buNone/>
+              <a:defRPr sz="1200"/>
+            </a:lvl2pPr>
+            <a:lvl3pPr marL="914400" indent="0">
+              <a:buNone/>
+              <a:defRPr sz="1000"/>
+            </a:lvl3pPr>
+            <a:lvl4pPr marL="1371600" indent="0">
+              <a:buNone/>
+              <a:defRPr sz="900"/>
+            </a:lvl4pPr>
+            <a:lvl5pPr marL="1828800" indent="0">
+              <a:buNone/>
+              <a:defRPr sz="900"/>
+            </a:lvl5pPr>
+            <a:lvl6pPr marL="2286000" indent="0">
+              <a:buNone/>
+              <a:defRPr sz="900"/>
+            </a:lvl6pPr>
+            <a:lvl7pPr marL="2743200" indent="0">
+              <a:buNone/>
+              <a:defRPr sz="900"/>
+            </a:lvl7pPr>
+            <a:lvl8pPr marL="3200400" indent="0">
+              <a:buNone/>
+              <a:defRPr sz="900"/>
+            </a:lvl8pPr>
+            <a:lvl9pPr marL="3657600" indent="0">
+              <a:buNone/>
+              <a:defRPr sz="900"/>
+            </a:lvl9pPr>
+          </a:lstStyle>
+          <a:p>
+            <a:pPr lvl="0"/>
+            <a:r>
+              <a:rPr lang="en-US" smtClean="0"/>
+              <a:t>Click to edit Master text styles</a:t>
+            </a:r>
+          </a:p>
+        </p:txBody>
+      </p:sp>
+      <p:sp>
+        <p:nvSpPr>
+          <p:cNvPr id="5" name="Text Placeholder 4"/>
+          <p:cNvSpPr>
+            <a:spLocks noGrp="1"/>
+          </p:cNvSpPr>
+          <p:nvPr>
+            <p:ph type="body" sz="quarter" idx="3"/>
+          </p:nvPr>
+        </p:nvSpPr>
+        <p:spPr>
+          <a:xfrm>
+            <a:off x="3883659" y="1981200"/>
+            <a:ext cx="2936241" cy="576262"/>
+          </a:xfrm>
+        </p:spPr>
+        <p:txBody>
+          <a:bodyPr anchor="b">
+            <a:noAutofit/>
+          </a:bodyPr>
+          <a:lstStyle>
+            <a:lvl1pPr marL="0" indent="0">
+              <a:buNone/>
+              <a:defRPr sz="2400" b="0">
+                <a:solidFill>
+                  <a:schemeClr val="bg2">
+                    <a:lumMod val="40000"/>
+                    <a:lumOff val="60000"/>
+                  </a:schemeClr>
+                </a:solidFill>
+              </a:defRPr>
+            </a:lvl1pPr>
+            <a:lvl2pPr marL="457200" indent="0">
+              <a:buNone/>
+              <a:defRPr sz="2000" b="1"/>
+            </a:lvl2pPr>
+            <a:lvl3pPr marL="914400" indent="0">
+              <a:buNone/>
+              <a:defRPr sz="1800" b="1"/>
+            </a:lvl3pPr>
+            <a:lvl4pPr marL="1371600" indent="0">
+              <a:buNone/>
+              <a:defRPr sz="1600" b="1"/>
+            </a:lvl4pPr>
+            <a:lvl5pPr marL="1828800" indent="0">
+              <a:buNone/>
+              <a:defRPr sz="1600" b="1"/>
+            </a:lvl5pPr>
+            <a:lvl6pPr marL="2286000" indent="0">
+              <a:buNone/>
+              <a:defRPr sz="1600" b="1"/>
+            </a:lvl6pPr>
+            <a:lvl7pPr marL="2743200" indent="0">
+              <a:buNone/>
+              <a:defRPr sz="1600" b="1"/>
+            </a:lvl7pPr>
+            <a:lvl8pPr marL="3200400" indent="0">
+              <a:buNone/>
+              <a:defRPr sz="1600" b="1"/>
+            </a:lvl8pPr>
+            <a:lvl9pPr marL="3657600" indent="0">
+              <a:buNone/>
+              <a:defRPr sz="1600" b="1"/>
+            </a:lvl9pPr>
+          </a:lstStyle>
+          <a:p>
+            <a:pPr lvl="0"/>
+            <a:r>
+              <a:rPr lang="en-US" smtClean="0"/>
+              <a:t>Click to edit Master text styles</a:t>
+            </a:r>
+          </a:p>
+        </p:txBody>
+      </p:sp>
+      <p:sp>
+        <p:nvSpPr>
+          <p:cNvPr id="19" name="Text Placeholder 3"/>
+          <p:cNvSpPr>
+            <a:spLocks noGrp="1"/>
+          </p:cNvSpPr>
+          <p:nvPr>
+            <p:ph type="body" sz="half" idx="16"/>
+          </p:nvPr>
+        </p:nvSpPr>
+        <p:spPr>
+          <a:xfrm>
+            <a:off x="3873106" y="2667000"/>
+            <a:ext cx="2946794" cy="3589338"/>
+          </a:xfrm>
+        </p:spPr>
+        <p:txBody>
+          <a:bodyPr anchor="t">
+            <a:normAutofit/>
+          </a:bodyPr>
+          <a:lstStyle>
+            <a:lvl1pPr marL="0" indent="0">
+              <a:buNone/>
+              <a:defRPr sz="1400"/>
+            </a:lvl1pPr>
+            <a:lvl2pPr marL="457200" indent="0">
+              <a:buNone/>
+              <a:defRPr sz="1200"/>
+            </a:lvl2pPr>
+            <a:lvl3pPr marL="914400" indent="0">
+              <a:buNone/>
+              <a:defRPr sz="1000"/>
+            </a:lvl3pPr>
+            <a:lvl4pPr marL="1371600" indent="0">
+              <a:buNone/>
+              <a:defRPr sz="900"/>
+            </a:lvl4pPr>
+            <a:lvl5pPr marL="1828800" indent="0">
+              <a:buNone/>
+              <a:defRPr sz="900"/>
+            </a:lvl5pPr>
+            <a:lvl6pPr marL="2286000" indent="0">
+              <a:buNone/>
+              <a:defRPr sz="900"/>
+            </a:lvl6pPr>
+            <a:lvl7pPr marL="2743200" indent="0">
+              <a:buNone/>
+              <a:defRPr sz="900"/>
+            </a:lvl7pPr>
+            <a:lvl8pPr marL="3200400" indent="0">
+              <a:buNone/>
+              <a:defRPr sz="900"/>
+            </a:lvl8pPr>
+            <a:lvl9pPr marL="3657600" indent="0">
+              <a:buNone/>
+              <a:defRPr sz="900"/>
+            </a:lvl9pPr>
+          </a:lstStyle>
+          <a:p>
+            <a:pPr lvl="0"/>
+            <a:r>
+              <a:rPr lang="en-US" smtClean="0"/>
+              <a:t>Click to edit Master text styles</a:t>
+            </a:r>
+          </a:p>
+        </p:txBody>
+      </p:sp>
+      <p:sp>
+        <p:nvSpPr>
+          <p:cNvPr id="14" name="Text Placeholder 4"/>
+          <p:cNvSpPr>
+            <a:spLocks noGrp="1"/>
+          </p:cNvSpPr>
+          <p:nvPr>
+            <p:ph type="body" sz="quarter" idx="13"/>
+          </p:nvPr>
+        </p:nvSpPr>
+        <p:spPr>
+          <a:xfrm>
+            <a:off x="7124700" y="1981200"/>
+            <a:ext cx="2932113" cy="576262"/>
+          </a:xfrm>
+        </p:spPr>
+        <p:txBody>
+          <a:bodyPr anchor="b">
+            <a:noAutofit/>
+          </a:bodyPr>
+          <a:lstStyle>
+            <a:lvl1pPr marL="0" indent="0">
+              <a:buNone/>
+              <a:defRPr sz="2400" b="0">
+                <a:solidFill>
+                  <a:schemeClr val="bg2">
+                    <a:lumMod val="40000"/>
+                    <a:lumOff val="60000"/>
+                  </a:schemeClr>
+                </a:solidFill>
+              </a:defRPr>
+            </a:lvl1pPr>
+            <a:lvl2pPr marL="457200" indent="0">
+              <a:buNone/>
+              <a:defRPr sz="2000" b="1"/>
+            </a:lvl2pPr>
+            <a:lvl3pPr marL="914400" indent="0">
+              <a:buNone/>
+              <a:defRPr sz="1800" b="1"/>
+            </a:lvl3pPr>
+            <a:lvl4pPr marL="1371600" indent="0">
+              <a:buNone/>
+              <a:defRPr sz="1600" b="1"/>
+            </a:lvl4pPr>
+            <a:lvl5pPr marL="1828800" indent="0">
+              <a:buNone/>
+              <a:defRPr sz="1600" b="1"/>
+            </a:lvl5pPr>
+            <a:lvl6pPr marL="2286000" indent="0">
+              <a:buNone/>
+              <a:defRPr sz="1600" b="1"/>
+            </a:lvl6pPr>
+            <a:lvl7pPr marL="2743200" indent="0">
+              <a:buNone/>
+              <a:defRPr sz="1600" b="1"/>
+            </a:lvl7pPr>
+            <a:lvl8pPr marL="3200400" indent="0">
+              <a:buNone/>
+              <a:defRPr sz="1600" b="1"/>
+            </a:lvl8pPr>
+            <a:lvl9pPr marL="3657600" indent="0">
+              <a:buNone/>
+              <a:defRPr sz="1600" b="1"/>
+            </a:lvl9pPr>
+          </a:lstStyle>
+          <a:p>
+            <a:pPr lvl="0"/>
+            <a:r>
+              <a:rPr lang="en-US" smtClean="0"/>
+              <a:t>Click to edit Master text styles</a:t>
+            </a:r>
+          </a:p>
+        </p:txBody>
+      </p:sp>
+      <p:sp>
+        <p:nvSpPr>
+          <p:cNvPr id="20" name="Text Placeholder 3"/>
+          <p:cNvSpPr>
+            <a:spLocks noGrp="1"/>
+          </p:cNvSpPr>
+          <p:nvPr>
+            <p:ph type="body" sz="half" idx="17"/>
+          </p:nvPr>
+        </p:nvSpPr>
+        <p:spPr>
+          <a:xfrm>
+            <a:off x="7124700" y="2667000"/>
+            <a:ext cx="2932113" cy="3589338"/>
+          </a:xfrm>
+        </p:spPr>
+        <p:txBody>
+          <a:bodyPr anchor="t">
+            <a:normAutofit/>
+          </a:bodyPr>
+          <a:lstStyle>
+            <a:lvl1pPr marL="0" indent="0">
+              <a:buNone/>
+              <a:defRPr sz="1400"/>
+            </a:lvl1pPr>
+            <a:lvl2pPr marL="457200" indent="0">
+              <a:buNone/>
+              <a:defRPr sz="1200"/>
+            </a:lvl2pPr>
+            <a:lvl3pPr marL="914400" indent="0">
+              <a:buNone/>
+              <a:defRPr sz="1000"/>
+            </a:lvl3pPr>
+            <a:lvl4pPr marL="1371600" indent="0">
+              <a:buNone/>
+              <a:defRPr sz="900"/>
+            </a:lvl4pPr>
+            <a:lvl5pPr marL="1828800" indent="0">
+              <a:buNone/>
+              <a:defRPr sz="900"/>
+            </a:lvl5pPr>
+            <a:lvl6pPr marL="2286000" indent="0">
+              <a:buNone/>
+              <a:defRPr sz="900"/>
+            </a:lvl6pPr>
+            <a:lvl7pPr marL="2743200" indent="0">
+              <a:buNone/>
+              <a:defRPr sz="900"/>
+            </a:lvl7pPr>
+            <a:lvl8pPr marL="3200400" indent="0">
+              <a:buNone/>
+              <a:defRPr sz="900"/>
+            </a:lvl8pPr>
+            <a:lvl9pPr marL="3657600" indent="0">
+              <a:buNone/>
+              <a:defRPr sz="900"/>
+            </a:lvl9pPr>
+          </a:lstStyle>
+          <a:p>
+            <a:pPr lvl="0"/>
+            <a:r>
+              <a:rPr lang="en-US" smtClean="0"/>
+              <a:t>Click to edit Master text styles</a:t>
+            </a:r>
+          </a:p>
+        </p:txBody>
+      </p:sp>
+      <p:cxnSp>
+        <p:nvCxnSpPr>
+          <p:cNvPr id="17" name="Straight Connector 16"/>
+          <p:cNvCxnSpPr/>
+          <p:nvPr/>
+        </p:nvCxnSpPr>
+        <p:spPr>
+          <a:xfrm>
+            <a:off x="3726142" y="2133600"/>
+            <a:ext cx="0" cy="3962400"/>
+          </a:xfrm>
+          <a:prstGeom prst="line">
+            <a:avLst/>
+          </a:prstGeom>
+          <a:ln w="12700" cmpd="sng">
+            <a:solidFill>
+              <a:schemeClr val="bg2">
+                <a:lumMod val="40000"/>
+                <a:lumOff val="60000"/>
+                <a:alpha val="40000"/>
+              </a:schemeClr>
+            </a:solidFill>
+          </a:ln>
+        </p:spPr>
+        <p:style>
+          <a:lnRef idx="2">
+            <a:schemeClr val="accent1"/>
+          </a:lnRef>
+          <a:fillRef idx="0">
+            <a:schemeClr val="accent1"/>
+          </a:fillRef>
+          <a:effectRef idx="1">
+            <a:schemeClr val="accent1"/>
+          </a:effectRef>
+          <a:fontRef idx="minor">
+            <a:schemeClr val="tx1"/>
+          </a:fontRef>
+        </p:style>
+      </p:cxnSp>
+      <p:cxnSp>
+        <p:nvCxnSpPr>
+          <p:cNvPr id="18" name="Straight Connector 17"/>
+          <p:cNvCxnSpPr/>
+          <p:nvPr/>
+        </p:nvCxnSpPr>
+        <p:spPr>
+          <a:xfrm>
+            <a:off x="6962227" y="2133600"/>
+            <a:ext cx="0" cy="3966882"/>
+          </a:xfrm>
+          <a:prstGeom prst="line">
+            <a:avLst/>
+          </a:prstGeom>
+          <a:ln w="12700" cmpd="sng">
+            <a:solidFill>
+              <a:schemeClr val="bg2">
+                <a:lumMod val="40000"/>
+                <a:lumOff val="60000"/>
+                <a:alpha val="40000"/>
+              </a:schemeClr>
+            </a:solidFill>
+          </a:ln>
+        </p:spPr>
+        <p:style>
+          <a:lnRef idx="2">
+            <a:schemeClr val="accent1"/>
+          </a:lnRef>
+          <a:fillRef idx="0">
+            <a:schemeClr val="accent1"/>
+          </a:fillRef>
+          <a:effectRef idx="1">
+            <a:schemeClr val="accent1"/>
+          </a:effectRef>
+          <a:fontRef idx="minor">
+            <a:schemeClr val="tx1"/>
+          </a:fontRef>
+        </p:style>
+      </p:cxnSp>
+      <p:sp>
+        <p:nvSpPr>
+          <p:cNvPr id="7" name="Date Placeholder 3"/>
+          <p:cNvSpPr>
+            <a:spLocks noGrp="1"/>
+          </p:cNvSpPr>
+          <p:nvPr>
+            <p:ph type="dt" sz="half" idx="10"/>
+          </p:nvPr>
+        </p:nvSpPr>
+        <p:spPr/>
+        <p:txBody>
+          <a:bodyPr/>
+          <a:lstStyle/>
+          <a:p>
+            <a:fld id="{B61F3786-CE44-4BCC-AFE0-DA4E5B49D7AC}" type="datetimeFigureOut">
+              <a:rPr lang="en-AU" smtClean="0"/>
+              <a:t>6/07/2016</a:t>
+            </a:fld>
+            <a:endParaRPr lang="en-AU"/>
+          </a:p>
+        </p:txBody>
+      </p:sp>
+      <p:sp>
+        <p:nvSpPr>
+          <p:cNvPr id="4" name="Footer Placeholder 4"/>
+          <p:cNvSpPr>
+            <a:spLocks noGrp="1"/>
+          </p:cNvSpPr>
+          <p:nvPr>
+            <p:ph type="ftr" sz="quarter" idx="11"/>
+          </p:nvPr>
+        </p:nvSpPr>
+        <p:spPr/>
+        <p:txBody>
+          <a:bodyPr/>
+          <a:lstStyle/>
+          <a:p>
+            <a:endParaRPr lang="en-AU"/>
+          </a:p>
+        </p:txBody>
+      </p:sp>
+      <p:sp>
+        <p:nvSpPr>
+          <p:cNvPr id="6" name="Slide Number Placeholder 5"/>
+          <p:cNvSpPr>
+            <a:spLocks noGrp="1"/>
+          </p:cNvSpPr>
+          <p:nvPr>
+            <p:ph type="sldNum" sz="quarter" idx="12"/>
+          </p:nvPr>
+        </p:nvSpPr>
+        <p:spPr/>
+        <p:txBody>
+          <a:bodyPr/>
+          <a:lstStyle/>
+          <a:p>
+            <a:fld id="{6F2C1ED3-0260-40A1-A7FF-99F4875748F2}" type="slidenum">
+              <a:rPr lang="en-AU" smtClean="0"/>
+              <a:t>‹#›</a:t>
+            </a:fld>
+            <a:endParaRPr lang="en-AU"/>
+          </a:p>
+        </p:txBody>
+      </p:sp>
+    </p:spTree>
+    <p:extLst>
+      <p:ext uri="{BB962C8B-B14F-4D97-AF65-F5344CB8AC3E}">
+        <p14:creationId xmlns:p14="http://schemas.microsoft.com/office/powerpoint/2010/main" val="1837914011"/>
+      </p:ext>
+    </p:extLst>
+  </p:cSld>
+  <p:clrMapOvr>
+    <a:masterClrMapping/>
+  </p:clrMapOvr>
+</p:sldLayout>
+</file>
+
+<file path=ppt/slideLayouts/slideLayout15.xml><?xml version="1.0" encoding="utf-8"?>
+<p:sldLayout xmlns:a="http://schemas.openxmlformats.org/drawingml/2006/main" xmlns:r="http://schemas.openxmlformats.org/officeDocument/2006/relationships" xmlns:p="http://schemas.openxmlformats.org/presentationml/2006/main" preserve="1">
+  <p:cSld name="3 Picture Column">
+    <p:spTree>
+      <p:nvGrpSpPr>
+        <p:cNvPr id="1" name=""/>
+        <p:cNvGrpSpPr/>
+        <p:nvPr/>
+      </p:nvGrpSpPr>
+      <p:grpSpPr>
+        <a:xfrm>
+          <a:off x="0" y="0"/>
+          <a:ext cx="0" cy="0"/>
+          <a:chOff x="0" y="0"/>
+          <a:chExt cx="0" cy="0"/>
+        </a:xfrm>
+      </p:grpSpPr>
+      <p:sp>
+        <p:nvSpPr>
+          <p:cNvPr id="2" name="Title 1"/>
+          <p:cNvSpPr>
+            <a:spLocks noGrp="1"/>
+          </p:cNvSpPr>
+          <p:nvPr>
+            <p:ph type="title"/>
+          </p:nvPr>
+        </p:nvSpPr>
+        <p:spPr/>
+        <p:txBody>
+          <a:bodyPr/>
+          <a:lstStyle>
+            <a:lvl1pPr>
+              <a:defRPr sz="4200"/>
+            </a:lvl1pPr>
+          </a:lstStyle>
+          <a:p>
+            <a:r>
+              <a:rPr lang="en-US" smtClean="0"/>
+              <a:t>Click to edit Master title style</a:t>
+            </a:r>
+            <a:endParaRPr lang="en-US" dirty="0"/>
+          </a:p>
+        </p:txBody>
+      </p:sp>
+      <p:sp>
+        <p:nvSpPr>
+          <p:cNvPr id="3" name="Text Placeholder 2"/>
+          <p:cNvSpPr>
+            <a:spLocks noGrp="1"/>
+          </p:cNvSpPr>
+          <p:nvPr>
+            <p:ph type="body" idx="1"/>
+          </p:nvPr>
+        </p:nvSpPr>
+        <p:spPr>
+          <a:xfrm>
+            <a:off x="652463" y="4250949"/>
+            <a:ext cx="2940050" cy="576262"/>
+          </a:xfrm>
+        </p:spPr>
+        <p:txBody>
+          <a:bodyPr anchor="b">
+            <a:noAutofit/>
+          </a:bodyPr>
+          <a:lstStyle>
+            <a:lvl1pPr marL="0" indent="0">
+              <a:buNone/>
+              <a:defRPr sz="2400" b="0">
+                <a:solidFill>
+                  <a:schemeClr val="bg2">
+                    <a:lumMod val="40000"/>
+                    <a:lumOff val="60000"/>
+                  </a:schemeClr>
+                </a:solidFill>
+              </a:defRPr>
+            </a:lvl1pPr>
+            <a:lvl2pPr marL="457200" indent="0">
+              <a:buNone/>
+              <a:defRPr sz="2000" b="1"/>
+            </a:lvl2pPr>
+            <a:lvl3pPr marL="914400" indent="0">
+              <a:buNone/>
+              <a:defRPr sz="1800" b="1"/>
+            </a:lvl3pPr>
+            <a:lvl4pPr marL="1371600" indent="0">
+              <a:buNone/>
+              <a:defRPr sz="1600" b="1"/>
+            </a:lvl4pPr>
+            <a:lvl5pPr marL="1828800" indent="0">
+              <a:buNone/>
+              <a:defRPr sz="1600" b="1"/>
+            </a:lvl5pPr>
+            <a:lvl6pPr marL="2286000" indent="0">
+              <a:buNone/>
+              <a:defRPr sz="1600" b="1"/>
+            </a:lvl6pPr>
+            <a:lvl7pPr marL="2743200" indent="0">
+              <a:buNone/>
+              <a:defRPr sz="1600" b="1"/>
+            </a:lvl7pPr>
+            <a:lvl8pPr marL="3200400" indent="0">
+              <a:buNone/>
+              <a:defRPr sz="1600" b="1"/>
+            </a:lvl8pPr>
+            <a:lvl9pPr marL="3657600" indent="0">
+              <a:buNone/>
+              <a:defRPr sz="1600" b="1"/>
+            </a:lvl9pPr>
+          </a:lstStyle>
+          <a:p>
+            <a:pPr lvl="0"/>
+            <a:r>
+              <a:rPr lang="en-US" smtClean="0"/>
+              <a:t>Click to edit Master text styles</a:t>
+            </a:r>
+          </a:p>
+        </p:txBody>
+      </p:sp>
+      <p:sp>
+        <p:nvSpPr>
+          <p:cNvPr id="29" name="Picture Placeholder 2"/>
+          <p:cNvSpPr>
+            <a:spLocks noGrp="1" noChangeAspect="1"/>
+          </p:cNvSpPr>
+          <p:nvPr>
+            <p:ph type="pic" idx="15"/>
+          </p:nvPr>
+        </p:nvSpPr>
+        <p:spPr>
+          <a:xfrm>
+            <a:off x="652463" y="2209800"/>
+            <a:ext cx="2940050" cy="1524000"/>
+          </a:xfrm>
+          <a:prstGeom prst="roundRect">
+            <a:avLst>
+              <a:gd name="adj" fmla="val 1858"/>
+            </a:avLst>
+          </a:prstGeom>
+          <a:effectLst>
+            <a:outerShdw blurRad="50800" dist="50800" dir="5400000" algn="tl" rotWithShape="0">
+              <a:srgbClr val="000000">
+                <a:alpha val="43000"/>
+              </a:srgbClr>
+            </a:outerShdw>
+          </a:effectLst>
+        </p:spPr>
+        <p:txBody>
+          <a:bodyPr anchor="t">
+            <a:normAutofit/>
+          </a:bodyPr>
+          <a:lstStyle>
+            <a:lvl1pPr marL="0" indent="0" algn="ctr">
+              <a:buNone/>
+              <a:defRPr sz="1600"/>
+            </a:lvl1pPr>
+            <a:lvl2pPr marL="457200" indent="0">
+              <a:buNone/>
+              <a:defRPr sz="1600"/>
+            </a:lvl2pPr>
+            <a:lvl3pPr marL="914400" indent="0">
+              <a:buNone/>
+              <a:defRPr sz="1600"/>
+            </a:lvl3pPr>
+            <a:lvl4pPr marL="1371600" indent="0">
+              <a:buNone/>
+              <a:defRPr sz="1600"/>
+            </a:lvl4pPr>
+            <a:lvl5pPr marL="1828800" indent="0">
+              <a:buNone/>
+              <a:defRPr sz="1600"/>
+            </a:lvl5pPr>
+            <a:lvl6pPr marL="2286000" indent="0">
+              <a:buNone/>
+              <a:defRPr sz="1600"/>
+            </a:lvl6pPr>
+            <a:lvl7pPr marL="2743200" indent="0">
+              <a:buNone/>
+              <a:defRPr sz="1600"/>
+            </a:lvl7pPr>
+            <a:lvl8pPr marL="3200400" indent="0">
+              <a:buNone/>
+              <a:defRPr sz="1600"/>
+            </a:lvl8pPr>
+            <a:lvl9pPr marL="3657600" indent="0">
+              <a:buNone/>
+              <a:defRPr sz="1600"/>
+            </a:lvl9pPr>
+          </a:lstStyle>
+          <a:p>
+            <a:r>
+              <a:rPr lang="en-US" smtClean="0"/>
+              <a:t>Click icon to add picture</a:t>
+            </a:r>
+            <a:endParaRPr lang="en-US" dirty="0"/>
+          </a:p>
+        </p:txBody>
+      </p:sp>
+      <p:sp>
+        <p:nvSpPr>
+          <p:cNvPr id="22" name="Text Placeholder 3"/>
+          <p:cNvSpPr>
+            <a:spLocks noGrp="1"/>
+          </p:cNvSpPr>
+          <p:nvPr>
+            <p:ph type="body" sz="half" idx="18"/>
+          </p:nvPr>
+        </p:nvSpPr>
+        <p:spPr>
+          <a:xfrm>
+            <a:off x="652463" y="4827211"/>
+            <a:ext cx="2940050" cy="659189"/>
+          </a:xfrm>
+        </p:spPr>
+        <p:txBody>
+          <a:bodyPr anchor="t">
+            <a:normAutofit/>
+          </a:bodyPr>
+          <a:lstStyle>
+            <a:lvl1pPr marL="0" indent="0">
+              <a:buNone/>
+              <a:defRPr sz="1400"/>
+            </a:lvl1pPr>
+            <a:lvl2pPr marL="457200" indent="0">
+              <a:buNone/>
+              <a:defRPr sz="1200"/>
+            </a:lvl2pPr>
+            <a:lvl3pPr marL="914400" indent="0">
+              <a:buNone/>
+              <a:defRPr sz="1000"/>
+            </a:lvl3pPr>
+            <a:lvl4pPr marL="1371600" indent="0">
+              <a:buNone/>
+              <a:defRPr sz="900"/>
+            </a:lvl4pPr>
+            <a:lvl5pPr marL="1828800" indent="0">
+              <a:buNone/>
+              <a:defRPr sz="900"/>
+            </a:lvl5pPr>
+            <a:lvl6pPr marL="2286000" indent="0">
+              <a:buNone/>
+              <a:defRPr sz="900"/>
+            </a:lvl6pPr>
+            <a:lvl7pPr marL="2743200" indent="0">
+              <a:buNone/>
+              <a:defRPr sz="900"/>
+            </a:lvl7pPr>
+            <a:lvl8pPr marL="3200400" indent="0">
+              <a:buNone/>
+              <a:defRPr sz="900"/>
+            </a:lvl8pPr>
+            <a:lvl9pPr marL="3657600" indent="0">
+              <a:buNone/>
+              <a:defRPr sz="900"/>
+            </a:lvl9pPr>
+          </a:lstStyle>
+          <a:p>
+            <a:pPr lvl="0"/>
+            <a:r>
+              <a:rPr lang="en-US" smtClean="0"/>
+              <a:t>Click to edit Master text styles</a:t>
+            </a:r>
+          </a:p>
+        </p:txBody>
+      </p:sp>
+      <p:sp>
+        <p:nvSpPr>
+          <p:cNvPr id="5" name="Text Placeholder 4"/>
+          <p:cNvSpPr>
+            <a:spLocks noGrp="1"/>
+          </p:cNvSpPr>
+          <p:nvPr>
+            <p:ph type="body" sz="quarter" idx="3"/>
+          </p:nvPr>
+        </p:nvSpPr>
+        <p:spPr>
+          <a:xfrm>
+            <a:off x="3889375" y="4250949"/>
+            <a:ext cx="2930525" cy="576262"/>
+          </a:xfrm>
+        </p:spPr>
+        <p:txBody>
+          <a:bodyPr anchor="b">
+            <a:noAutofit/>
+          </a:bodyPr>
+          <a:lstStyle>
+            <a:lvl1pPr marL="0" indent="0">
+              <a:buNone/>
+              <a:defRPr sz="2400" b="0">
+                <a:solidFill>
+                  <a:schemeClr val="bg2">
+                    <a:lumMod val="40000"/>
+                    <a:lumOff val="60000"/>
+                  </a:schemeClr>
+                </a:solidFill>
+              </a:defRPr>
+            </a:lvl1pPr>
+            <a:lvl2pPr marL="457200" indent="0">
+              <a:buNone/>
+              <a:defRPr sz="2000" b="1"/>
+            </a:lvl2pPr>
+            <a:lvl3pPr marL="914400" indent="0">
+              <a:buNone/>
+              <a:defRPr sz="1800" b="1"/>
+            </a:lvl3pPr>
+            <a:lvl4pPr marL="1371600" indent="0">
+              <a:buNone/>
+              <a:defRPr sz="1600" b="1"/>
+            </a:lvl4pPr>
+            <a:lvl5pPr marL="1828800" indent="0">
+              <a:buNone/>
+              <a:defRPr sz="1600" b="1"/>
+            </a:lvl5pPr>
+            <a:lvl6pPr marL="2286000" indent="0">
+              <a:buNone/>
+              <a:defRPr sz="1600" b="1"/>
+            </a:lvl6pPr>
+            <a:lvl7pPr marL="2743200" indent="0">
+              <a:buNone/>
+              <a:defRPr sz="1600" b="1"/>
+            </a:lvl7pPr>
+            <a:lvl8pPr marL="3200400" indent="0">
+              <a:buNone/>
+              <a:defRPr sz="1600" b="1"/>
+            </a:lvl8pPr>
+            <a:lvl9pPr marL="3657600" indent="0">
+              <a:buNone/>
+              <a:defRPr sz="1600" b="1"/>
+            </a:lvl9pPr>
+          </a:lstStyle>
+          <a:p>
+            <a:pPr lvl="0"/>
+            <a:r>
+              <a:rPr lang="en-US" smtClean="0"/>
+              <a:t>Click to edit Master text styles</a:t>
+            </a:r>
+          </a:p>
+        </p:txBody>
+      </p:sp>
+      <p:sp>
+        <p:nvSpPr>
+          <p:cNvPr id="30" name="Picture Placeholder 2"/>
+          <p:cNvSpPr>
+            <a:spLocks noGrp="1" noChangeAspect="1"/>
+          </p:cNvSpPr>
+          <p:nvPr>
+            <p:ph type="pic" idx="21"/>
+          </p:nvPr>
+        </p:nvSpPr>
+        <p:spPr>
+          <a:xfrm>
+            <a:off x="3889374" y="2209800"/>
+            <a:ext cx="2930525" cy="1524000"/>
+          </a:xfrm>
+          <a:prstGeom prst="roundRect">
+            <a:avLst>
+              <a:gd name="adj" fmla="val 1858"/>
+            </a:avLst>
+          </a:prstGeom>
+          <a:effectLst>
+            <a:outerShdw blurRad="50800" dist="50800" dir="5400000" algn="tl" rotWithShape="0">
+              <a:srgbClr val="000000">
+                <a:alpha val="43000"/>
+              </a:srgbClr>
+            </a:outerShdw>
+          </a:effectLst>
+        </p:spPr>
+        <p:txBody>
+          <a:bodyPr anchor="t">
+            <a:normAutofit/>
+          </a:bodyPr>
+          <a:lstStyle>
+            <a:lvl1pPr marL="0" indent="0" algn="ctr">
+              <a:buNone/>
+              <a:defRPr sz="1600"/>
+            </a:lvl1pPr>
+            <a:lvl2pPr marL="457200" indent="0">
+              <a:buNone/>
+              <a:defRPr sz="1600"/>
+            </a:lvl2pPr>
+            <a:lvl3pPr marL="914400" indent="0">
+              <a:buNone/>
+              <a:defRPr sz="1600"/>
+            </a:lvl3pPr>
+            <a:lvl4pPr marL="1371600" indent="0">
+              <a:buNone/>
+              <a:defRPr sz="1600"/>
+            </a:lvl4pPr>
+            <a:lvl5pPr marL="1828800" indent="0">
+              <a:buNone/>
+              <a:defRPr sz="1600"/>
+            </a:lvl5pPr>
+            <a:lvl6pPr marL="2286000" indent="0">
+              <a:buNone/>
+              <a:defRPr sz="1600"/>
+            </a:lvl6pPr>
+            <a:lvl7pPr marL="2743200" indent="0">
+              <a:buNone/>
+              <a:defRPr sz="1600"/>
+            </a:lvl7pPr>
+            <a:lvl8pPr marL="3200400" indent="0">
+              <a:buNone/>
+              <a:defRPr sz="1600"/>
+            </a:lvl8pPr>
+            <a:lvl9pPr marL="3657600" indent="0">
+              <a:buNone/>
+              <a:defRPr sz="1600"/>
+            </a:lvl9pPr>
+          </a:lstStyle>
+          <a:p>
+            <a:r>
+              <a:rPr lang="en-US" smtClean="0"/>
+              <a:t>Click icon to add picture</a:t>
+            </a:r>
+            <a:endParaRPr lang="en-US" dirty="0"/>
+          </a:p>
+        </p:txBody>
+      </p:sp>
+      <p:sp>
+        <p:nvSpPr>
+          <p:cNvPr id="23" name="Text Placeholder 3"/>
+          <p:cNvSpPr>
+            <a:spLocks noGrp="1"/>
+          </p:cNvSpPr>
+          <p:nvPr>
+            <p:ph type="body" sz="half" idx="19"/>
+          </p:nvPr>
+        </p:nvSpPr>
+        <p:spPr>
+          <a:xfrm>
+            <a:off x="3888022" y="4827210"/>
+            <a:ext cx="2934406" cy="659189"/>
+          </a:xfrm>
+        </p:spPr>
+        <p:txBody>
+          <a:bodyPr anchor="t">
+            <a:normAutofit/>
+          </a:bodyPr>
+          <a:lstStyle>
+            <a:lvl1pPr marL="0" indent="0">
+              <a:buNone/>
+              <a:defRPr sz="1400"/>
+            </a:lvl1pPr>
+            <a:lvl2pPr marL="457200" indent="0">
+              <a:buNone/>
+              <a:defRPr sz="1200"/>
+            </a:lvl2pPr>
+            <a:lvl3pPr marL="914400" indent="0">
+              <a:buNone/>
+              <a:defRPr sz="1000"/>
+            </a:lvl3pPr>
+            <a:lvl4pPr marL="1371600" indent="0">
+              <a:buNone/>
+              <a:defRPr sz="900"/>
+            </a:lvl4pPr>
+            <a:lvl5pPr marL="1828800" indent="0">
+              <a:buNone/>
+              <a:defRPr sz="900"/>
+            </a:lvl5pPr>
+            <a:lvl6pPr marL="2286000" indent="0">
+              <a:buNone/>
+              <a:defRPr sz="900"/>
+            </a:lvl6pPr>
+            <a:lvl7pPr marL="2743200" indent="0">
+              <a:buNone/>
+              <a:defRPr sz="900"/>
+            </a:lvl7pPr>
+            <a:lvl8pPr marL="3200400" indent="0">
+              <a:buNone/>
+              <a:defRPr sz="900"/>
+            </a:lvl8pPr>
+            <a:lvl9pPr marL="3657600" indent="0">
+              <a:buNone/>
+              <a:defRPr sz="900"/>
+            </a:lvl9pPr>
+          </a:lstStyle>
+          <a:p>
+            <a:pPr lvl="0"/>
+            <a:r>
+              <a:rPr lang="en-US" smtClean="0"/>
+              <a:t>Click to edit Master text styles</a:t>
+            </a:r>
+          </a:p>
+        </p:txBody>
+      </p:sp>
+      <p:sp>
+        <p:nvSpPr>
+          <p:cNvPr id="14" name="Text Placeholder 4"/>
+          <p:cNvSpPr>
+            <a:spLocks noGrp="1"/>
+          </p:cNvSpPr>
+          <p:nvPr>
+            <p:ph type="body" sz="quarter" idx="13"/>
+          </p:nvPr>
+        </p:nvSpPr>
+        <p:spPr>
+          <a:xfrm>
+            <a:off x="7124700" y="4250949"/>
+            <a:ext cx="2932113" cy="576262"/>
+          </a:xfrm>
+        </p:spPr>
+        <p:txBody>
+          <a:bodyPr anchor="b">
+            <a:noAutofit/>
+          </a:bodyPr>
+          <a:lstStyle>
+            <a:lvl1pPr marL="0" indent="0">
+              <a:buNone/>
+              <a:defRPr sz="2400" b="0">
+                <a:solidFill>
+                  <a:schemeClr val="bg2">
+                    <a:lumMod val="40000"/>
+                    <a:lumOff val="60000"/>
+                  </a:schemeClr>
+                </a:solidFill>
+              </a:defRPr>
+            </a:lvl1pPr>
+            <a:lvl2pPr marL="457200" indent="0">
+              <a:buNone/>
+              <a:defRPr sz="2000" b="1"/>
+            </a:lvl2pPr>
+            <a:lvl3pPr marL="914400" indent="0">
+              <a:buNone/>
+              <a:defRPr sz="1800" b="1"/>
+            </a:lvl3pPr>
+            <a:lvl4pPr marL="1371600" indent="0">
+              <a:buNone/>
+              <a:defRPr sz="1600" b="1"/>
+            </a:lvl4pPr>
+            <a:lvl5pPr marL="1828800" indent="0">
+              <a:buNone/>
+              <a:defRPr sz="1600" b="1"/>
+            </a:lvl5pPr>
+            <a:lvl6pPr marL="2286000" indent="0">
+              <a:buNone/>
+              <a:defRPr sz="1600" b="1"/>
+            </a:lvl6pPr>
+            <a:lvl7pPr marL="2743200" indent="0">
+              <a:buNone/>
+              <a:defRPr sz="1600" b="1"/>
+            </a:lvl7pPr>
+            <a:lvl8pPr marL="3200400" indent="0">
+              <a:buNone/>
+              <a:defRPr sz="1600" b="1"/>
+            </a:lvl8pPr>
+            <a:lvl9pPr marL="3657600" indent="0">
+              <a:buNone/>
+              <a:defRPr sz="1600" b="1"/>
+            </a:lvl9pPr>
+          </a:lstStyle>
+          <a:p>
+            <a:pPr lvl="0"/>
+            <a:r>
+              <a:rPr lang="en-US" smtClean="0"/>
+              <a:t>Click to edit Master text styles</a:t>
+            </a:r>
+          </a:p>
+        </p:txBody>
+      </p:sp>
+      <p:sp>
+        <p:nvSpPr>
+          <p:cNvPr id="31" name="Picture Placeholder 2"/>
+          <p:cNvSpPr>
+            <a:spLocks noGrp="1" noChangeAspect="1"/>
+          </p:cNvSpPr>
+          <p:nvPr>
+            <p:ph type="pic" idx="22"/>
+          </p:nvPr>
+        </p:nvSpPr>
+        <p:spPr>
+          <a:xfrm>
+            <a:off x="7124699" y="2209800"/>
+            <a:ext cx="2932113" cy="1524000"/>
+          </a:xfrm>
+          <a:prstGeom prst="roundRect">
+            <a:avLst>
+              <a:gd name="adj" fmla="val 1858"/>
+            </a:avLst>
+          </a:prstGeom>
+          <a:effectLst>
+            <a:outerShdw blurRad="50800" dist="50800" dir="5400000" algn="tl" rotWithShape="0">
+              <a:srgbClr val="000000">
+                <a:alpha val="43000"/>
+              </a:srgbClr>
+            </a:outerShdw>
+          </a:effectLst>
+        </p:spPr>
+        <p:txBody>
+          <a:bodyPr anchor="t">
+            <a:normAutofit/>
+          </a:bodyPr>
+          <a:lstStyle>
+            <a:lvl1pPr marL="0" indent="0" algn="ctr">
+              <a:buNone/>
+              <a:defRPr sz="1600"/>
+            </a:lvl1pPr>
+            <a:lvl2pPr marL="457200" indent="0">
+              <a:buNone/>
+              <a:defRPr sz="1600"/>
+            </a:lvl2pPr>
+            <a:lvl3pPr marL="914400" indent="0">
+              <a:buNone/>
+              <a:defRPr sz="1600"/>
+            </a:lvl3pPr>
+            <a:lvl4pPr marL="1371600" indent="0">
+              <a:buNone/>
+              <a:defRPr sz="1600"/>
+            </a:lvl4pPr>
+            <a:lvl5pPr marL="1828800" indent="0">
+              <a:buNone/>
+              <a:defRPr sz="1600"/>
+            </a:lvl5pPr>
+            <a:lvl6pPr marL="2286000" indent="0">
+              <a:buNone/>
+              <a:defRPr sz="1600"/>
+            </a:lvl6pPr>
+            <a:lvl7pPr marL="2743200" indent="0">
+              <a:buNone/>
+              <a:defRPr sz="1600"/>
+            </a:lvl7pPr>
+            <a:lvl8pPr marL="3200400" indent="0">
+              <a:buNone/>
+              <a:defRPr sz="1600"/>
+            </a:lvl8pPr>
+            <a:lvl9pPr marL="3657600" indent="0">
+              <a:buNone/>
+              <a:defRPr sz="1600"/>
+            </a:lvl9pPr>
+          </a:lstStyle>
+          <a:p>
+            <a:r>
+              <a:rPr lang="en-US" smtClean="0"/>
+              <a:t>Click icon to add picture</a:t>
+            </a:r>
+            <a:endParaRPr lang="en-US" dirty="0"/>
+          </a:p>
+        </p:txBody>
+      </p:sp>
+      <p:sp>
+        <p:nvSpPr>
+          <p:cNvPr id="24" name="Text Placeholder 3"/>
+          <p:cNvSpPr>
+            <a:spLocks noGrp="1"/>
+          </p:cNvSpPr>
+          <p:nvPr>
+            <p:ph type="body" sz="half" idx="20"/>
+          </p:nvPr>
+        </p:nvSpPr>
+        <p:spPr>
+          <a:xfrm>
+            <a:off x="7124575" y="4827208"/>
+            <a:ext cx="2935997" cy="659189"/>
+          </a:xfrm>
+        </p:spPr>
+        <p:txBody>
+          <a:bodyPr anchor="t">
+            <a:normAutofit/>
+          </a:bodyPr>
+          <a:lstStyle>
+            <a:lvl1pPr marL="0" indent="0">
+              <a:buNone/>
+              <a:defRPr sz="1400"/>
+            </a:lvl1pPr>
+            <a:lvl2pPr marL="457200" indent="0">
+              <a:buNone/>
+              <a:defRPr sz="1200"/>
+            </a:lvl2pPr>
+            <a:lvl3pPr marL="914400" indent="0">
+              <a:buNone/>
+              <a:defRPr sz="1000"/>
+            </a:lvl3pPr>
+            <a:lvl4pPr marL="1371600" indent="0">
+              <a:buNone/>
+              <a:defRPr sz="900"/>
+            </a:lvl4pPr>
+            <a:lvl5pPr marL="1828800" indent="0">
+              <a:buNone/>
+              <a:defRPr sz="900"/>
+            </a:lvl5pPr>
+            <a:lvl6pPr marL="2286000" indent="0">
+              <a:buNone/>
+              <a:defRPr sz="900"/>
+            </a:lvl6pPr>
+            <a:lvl7pPr marL="2743200" indent="0">
+              <a:buNone/>
+              <a:defRPr sz="900"/>
+            </a:lvl7pPr>
+            <a:lvl8pPr marL="3200400" indent="0">
+              <a:buNone/>
+              <a:defRPr sz="900"/>
+            </a:lvl8pPr>
+            <a:lvl9pPr marL="3657600" indent="0">
+              <a:buNone/>
+              <a:defRPr sz="900"/>
+            </a:lvl9pPr>
+          </a:lstStyle>
+          <a:p>
+            <a:pPr lvl="0"/>
+            <a:r>
+              <a:rPr lang="en-US" smtClean="0"/>
+              <a:t>Click to edit Master text styles</a:t>
+            </a:r>
+          </a:p>
+        </p:txBody>
+      </p:sp>
+      <p:cxnSp>
+        <p:nvCxnSpPr>
+          <p:cNvPr id="19" name="Straight Connector 18"/>
+          <p:cNvCxnSpPr/>
+          <p:nvPr/>
+        </p:nvCxnSpPr>
+        <p:spPr>
+          <a:xfrm>
+            <a:off x="3726142" y="2133600"/>
+            <a:ext cx="0" cy="3962400"/>
+          </a:xfrm>
+          <a:prstGeom prst="line">
+            <a:avLst/>
+          </a:prstGeom>
+          <a:ln w="12700" cmpd="sng">
+            <a:solidFill>
+              <a:schemeClr val="bg2">
+                <a:lumMod val="40000"/>
+                <a:lumOff val="60000"/>
+                <a:alpha val="40000"/>
+              </a:schemeClr>
+            </a:solidFill>
+          </a:ln>
+        </p:spPr>
+        <p:style>
+          <a:lnRef idx="2">
+            <a:schemeClr val="accent1"/>
+          </a:lnRef>
+          <a:fillRef idx="0">
+            <a:schemeClr val="accent1"/>
+          </a:fillRef>
+          <a:effectRef idx="1">
+            <a:schemeClr val="accent1"/>
+          </a:effectRef>
+          <a:fontRef idx="minor">
+            <a:schemeClr val="tx1"/>
+          </a:fontRef>
+        </p:style>
+      </p:cxnSp>
+      <p:cxnSp>
+        <p:nvCxnSpPr>
+          <p:cNvPr id="20" name="Straight Connector 19"/>
+          <p:cNvCxnSpPr/>
+          <p:nvPr/>
+        </p:nvCxnSpPr>
+        <p:spPr>
+          <a:xfrm>
+            <a:off x="6962227" y="2133600"/>
+            <a:ext cx="0" cy="3966882"/>
+          </a:xfrm>
+          <a:prstGeom prst="line">
+            <a:avLst/>
+          </a:prstGeom>
+          <a:ln w="12700" cmpd="sng">
+            <a:solidFill>
+              <a:schemeClr val="bg2">
+                <a:lumMod val="40000"/>
+                <a:lumOff val="60000"/>
+                <a:alpha val="40000"/>
+              </a:schemeClr>
+            </a:solidFill>
+          </a:ln>
+        </p:spPr>
+        <p:style>
+          <a:lnRef idx="2">
+            <a:schemeClr val="accent1"/>
+          </a:lnRef>
+          <a:fillRef idx="0">
+            <a:schemeClr val="accent1"/>
+          </a:fillRef>
+          <a:effectRef idx="1">
+            <a:schemeClr val="accent1"/>
+          </a:effectRef>
+          <a:fontRef idx="minor">
+            <a:schemeClr val="tx1"/>
+          </a:fontRef>
+        </p:style>
+      </p:cxnSp>
+      <p:sp>
+        <p:nvSpPr>
+          <p:cNvPr id="7" name="Date Placeholder 3"/>
+          <p:cNvSpPr>
+            <a:spLocks noGrp="1"/>
+          </p:cNvSpPr>
+          <p:nvPr>
+            <p:ph type="dt" sz="half" idx="10"/>
+          </p:nvPr>
+        </p:nvSpPr>
+        <p:spPr/>
+        <p:txBody>
+          <a:bodyPr/>
+          <a:lstStyle/>
+          <a:p>
+            <a:fld id="{B61F3786-CE44-4BCC-AFE0-DA4E5B49D7AC}" type="datetimeFigureOut">
+              <a:rPr lang="en-AU" smtClean="0"/>
+              <a:t>6/07/2016</a:t>
+            </a:fld>
+            <a:endParaRPr lang="en-AU"/>
+          </a:p>
+        </p:txBody>
+      </p:sp>
+      <p:sp>
+        <p:nvSpPr>
+          <p:cNvPr id="4" name="Footer Placeholder 4"/>
+          <p:cNvSpPr>
+            <a:spLocks noGrp="1"/>
+          </p:cNvSpPr>
+          <p:nvPr>
+            <p:ph type="ftr" sz="quarter" idx="11"/>
+          </p:nvPr>
+        </p:nvSpPr>
+        <p:spPr/>
+        <p:txBody>
+          <a:bodyPr/>
+          <a:lstStyle/>
+          <a:p>
+            <a:endParaRPr lang="en-AU"/>
+          </a:p>
+        </p:txBody>
+      </p:sp>
+      <p:sp>
+        <p:nvSpPr>
+          <p:cNvPr id="6" name="Slide Number Placeholder 5"/>
+          <p:cNvSpPr>
+            <a:spLocks noGrp="1"/>
+          </p:cNvSpPr>
+          <p:nvPr>
+            <p:ph type="sldNum" sz="quarter" idx="12"/>
+          </p:nvPr>
+        </p:nvSpPr>
+        <p:spPr/>
+        <p:txBody>
+          <a:bodyPr/>
+          <a:lstStyle/>
+          <a:p>
+            <a:fld id="{6F2C1ED3-0260-40A1-A7FF-99F4875748F2}" type="slidenum">
+              <a:rPr lang="en-AU" smtClean="0"/>
+              <a:t>‹#›</a:t>
+            </a:fld>
+            <a:endParaRPr lang="en-AU"/>
+          </a:p>
+        </p:txBody>
+      </p:sp>
+    </p:spTree>
+    <p:extLst>
+      <p:ext uri="{BB962C8B-B14F-4D97-AF65-F5344CB8AC3E}">
+        <p14:creationId xmlns:p14="http://schemas.microsoft.com/office/powerpoint/2010/main" val="1689234955"/>
+      </p:ext>
+    </p:extLst>
+  </p:cSld>
+  <p:clrMapOvr>
+    <a:masterClrMapping/>
+  </p:clrMapOvr>
+</p:sldLayout>
+</file>
+
+<file path=ppt/slideLayouts/slideLayout16.xml><?xml version="1.0" encoding="utf-8"?>
 <p:sldLayout xmlns:a="http://schemas.openxmlformats.org/drawingml/2006/main" xmlns:r="http://schemas.openxmlformats.org/officeDocument/2006/relationships" xmlns:p="http://schemas.openxmlformats.org/presentationml/2006/main" type="vertTx" preserve="1">
   <p:cSld name="Title and Vertical Text">
     <p:spTree>
@@ -346,7 +2972,7 @@
               <a:rPr lang="en-US" smtClean="0"/>
               <a:t>Click to edit Master title style</a:t>
             </a:r>
-            <a:endParaRPr lang="en-AU"/>
+            <a:endParaRPr lang="en-US" dirty="0"/>
           </a:p>
         </p:txBody>
       </p:sp>
@@ -362,7 +2988,7 @@
         </p:nvSpPr>
         <p:spPr/>
         <p:txBody>
-          <a:bodyPr vert="eaVert"/>
+          <a:bodyPr vert="eaVert" anchor="t" anchorCtr="0"/>
           <a:lstStyle/>
           <a:p>
             <a:pPr lvl="0"/>
@@ -398,7 +3024,7 @@
               <a:rPr lang="en-US" smtClean="0"/>
               <a:t>Fifth level</a:t>
             </a:r>
-            <a:endParaRPr lang="en-AU"/>
+            <a:endParaRPr lang="en-US" dirty="0"/>
           </a:p>
         </p:txBody>
       </p:sp>
@@ -419,7 +3045,7 @@
           <a:p>
             <a:fld id="{B61F3786-CE44-4BCC-AFE0-DA4E5B49D7AC}" type="datetimeFigureOut">
               <a:rPr lang="en-AU" smtClean="0"/>
-              <a:t>7/06/2016</a:t>
+              <a:t>6/07/2016</a:t>
             </a:fld>
             <a:endParaRPr lang="en-AU"/>
           </a:p>
@@ -470,7 +3096,7 @@
     </p:spTree>
     <p:extLst>
       <p:ext uri="{BB962C8B-B14F-4D97-AF65-F5344CB8AC3E}">
-        <p14:creationId xmlns:p14="http://schemas.microsoft.com/office/powerpoint/2010/main" val="2442441152"/>
+        <p14:creationId xmlns:p14="http://schemas.microsoft.com/office/powerpoint/2010/main" val="1090388867"/>
       </p:ext>
     </p:extLst>
   </p:cSld>
@@ -480,7 +3106,7 @@
 </p:sldLayout>
 </file>
 
-<file path=ppt/slideLayouts/slideLayout11.xml><?xml version="1.0" encoding="utf-8"?>
+<file path=ppt/slideLayouts/slideLayout17.xml><?xml version="1.0" encoding="utf-8"?>
 <p:sldLayout xmlns:a="http://schemas.openxmlformats.org/drawingml/2006/main" xmlns:r="http://schemas.openxmlformats.org/officeDocument/2006/relationships" xmlns:p="http://schemas.openxmlformats.org/presentationml/2006/main" type="vertTitleAndTx" preserve="1">
   <p:cSld name="Vertical Title and Text">
     <p:spTree>
@@ -509,19 +3135,19 @@
         </p:nvSpPr>
         <p:spPr>
           <a:xfrm>
-            <a:off x="8724900" y="365125"/>
-            <a:ext cx="2628900" cy="5811838"/>
+            <a:off x="8304212" y="430213"/>
+            <a:ext cx="1752601" cy="5826125"/>
           </a:xfrm>
         </p:spPr>
         <p:txBody>
-          <a:bodyPr vert="eaVert"/>
+          <a:bodyPr vert="eaVert" anchor="b" anchorCtr="0"/>
           <a:lstStyle/>
           <a:p>
             <a:r>
               <a:rPr lang="en-US" smtClean="0"/>
               <a:t>Click to edit Master title style</a:t>
             </a:r>
-            <a:endParaRPr lang="en-AU"/>
+            <a:endParaRPr lang="en-US" dirty="0"/>
           </a:p>
         </p:txBody>
       </p:sp>
@@ -537,8 +3163,8 @@
         </p:nvSpPr>
         <p:spPr>
           <a:xfrm>
-            <a:off x="838200" y="365125"/>
-            <a:ext cx="7734300" cy="5811838"/>
+            <a:off x="652463" y="887414"/>
+            <a:ext cx="7423149" cy="5368924"/>
           </a:xfrm>
         </p:spPr>
         <p:txBody>
@@ -578,7 +3204,7 @@
               <a:rPr lang="en-US" smtClean="0"/>
               <a:t>Fifth level</a:t>
             </a:r>
-            <a:endParaRPr lang="en-AU"/>
+            <a:endParaRPr lang="en-US" dirty="0"/>
           </a:p>
         </p:txBody>
       </p:sp>
@@ -599,7 +3225,7 @@
           <a:p>
             <a:fld id="{B61F3786-CE44-4BCC-AFE0-DA4E5B49D7AC}" type="datetimeFigureOut">
               <a:rPr lang="en-AU" smtClean="0"/>
-              <a:t>7/06/2016</a:t>
+              <a:t>6/07/2016</a:t>
             </a:fld>
             <a:endParaRPr lang="en-AU"/>
           </a:p>
@@ -650,7 +3276,7 @@
     </p:spTree>
     <p:extLst>
       <p:ext uri="{BB962C8B-B14F-4D97-AF65-F5344CB8AC3E}">
-        <p14:creationId xmlns:p14="http://schemas.microsoft.com/office/powerpoint/2010/main" val="700981490"/>
+        <p14:creationId xmlns:p14="http://schemas.microsoft.com/office/powerpoint/2010/main" val="2744225154"/>
       </p:ext>
     </p:extLst>
   </p:cSld>
@@ -696,7 +3322,7 @@
               <a:rPr lang="en-US" smtClean="0"/>
               <a:t>Click to edit Master title style</a:t>
             </a:r>
-            <a:endParaRPr lang="en-AU"/>
+            <a:endParaRPr lang="en-US" dirty="0"/>
           </a:p>
         </p:txBody>
       </p:sp>
@@ -748,13 +3374,13 @@
               <a:rPr lang="en-US" smtClean="0"/>
               <a:t>Fifth level</a:t>
             </a:r>
-            <a:endParaRPr lang="en-AU"/>
-          </a:p>
-        </p:txBody>
-      </p:sp>
-      <p:sp>
-        <p:nvSpPr>
-          <p:cNvPr id="4" name="Date Placeholder 3"/>
+            <a:endParaRPr lang="en-US" dirty="0"/>
+          </a:p>
+        </p:txBody>
+      </p:sp>
+      <p:sp>
+        <p:nvSpPr>
+          <p:cNvPr id="7" name="Date Placeholder 3"/>
           <p:cNvSpPr>
             <a:spLocks noGrp="1"/>
           </p:cNvSpPr>
@@ -769,7 +3395,7 @@
           <a:p>
             <a:fld id="{B61F3786-CE44-4BCC-AFE0-DA4E5B49D7AC}" type="datetimeFigureOut">
               <a:rPr lang="en-AU" smtClean="0"/>
-              <a:t>7/06/2016</a:t>
+              <a:t>6/07/2016</a:t>
             </a:fld>
             <a:endParaRPr lang="en-AU"/>
           </a:p>
@@ -820,7 +3446,7 @@
     </p:spTree>
     <p:extLst>
       <p:ext uri="{BB962C8B-B14F-4D97-AF65-F5344CB8AC3E}">
-        <p14:creationId xmlns:p14="http://schemas.microsoft.com/office/powerpoint/2010/main" val="1961628650"/>
+        <p14:creationId xmlns:p14="http://schemas.microsoft.com/office/powerpoint/2010/main" val="2324748479"/>
       </p:ext>
     </p:extLst>
   </p:cSld>
@@ -859,15 +3485,15 @@
         </p:nvSpPr>
         <p:spPr>
           <a:xfrm>
-            <a:off x="831850" y="1709738"/>
-            <a:ext cx="10515600" cy="2852737"/>
+            <a:off x="1154956" y="2861733"/>
+            <a:ext cx="8825657" cy="1915647"/>
           </a:xfrm>
         </p:spPr>
         <p:txBody>
           <a:bodyPr anchor="b"/>
           <a:lstStyle>
-            <a:lvl1pPr>
-              <a:defRPr sz="6000"/>
+            <a:lvl1pPr algn="l">
+              <a:defRPr sz="4000" b="0" cap="none"/>
             </a:lvl1pPr>
           </a:lstStyle>
           <a:p>
@@ -875,7 +3501,7 @@
               <a:rPr lang="en-US" smtClean="0"/>
               <a:t>Click to edit Master title style</a:t>
             </a:r>
-            <a:endParaRPr lang="en-AU"/>
+            <a:endParaRPr lang="en-US" dirty="0"/>
           </a:p>
         </p:txBody>
       </p:sp>
@@ -891,26 +3517,27 @@
         </p:nvSpPr>
         <p:spPr>
           <a:xfrm>
-            <a:off x="831850" y="4589463"/>
-            <a:ext cx="10515600" cy="1500187"/>
+            <a:off x="1154955" y="4777381"/>
+            <a:ext cx="8825658" cy="860400"/>
           </a:xfrm>
         </p:spPr>
         <p:txBody>
-          <a:bodyPr/>
+          <a:bodyPr anchor="t"/>
           <a:lstStyle>
-            <a:lvl1pPr marL="0" indent="0">
-              <a:buNone/>
-              <a:defRPr sz="2400">
+            <a:lvl1pPr marL="0" indent="0" algn="l">
+              <a:buNone/>
+              <a:defRPr sz="2000" cap="all">
                 <a:solidFill>
-                  <a:schemeClr val="tx1">
-                    <a:tint val="75000"/>
+                  <a:schemeClr val="bg2">
+                    <a:lumMod val="40000"/>
+                    <a:lumOff val="60000"/>
                   </a:schemeClr>
                 </a:solidFill>
               </a:defRPr>
             </a:lvl1pPr>
             <a:lvl2pPr marL="457200" indent="0">
               <a:buNone/>
-              <a:defRPr sz="2000">
+              <a:defRPr sz="1800">
                 <a:solidFill>
                   <a:schemeClr val="tx1">
                     <a:tint val="75000"/>
@@ -920,7 +3547,7 @@
             </a:lvl2pPr>
             <a:lvl3pPr marL="914400" indent="0">
               <a:buNone/>
-              <a:defRPr sz="1800">
+              <a:defRPr sz="1600">
                 <a:solidFill>
                   <a:schemeClr val="tx1">
                     <a:tint val="75000"/>
@@ -930,7 +3557,7 @@
             </a:lvl3pPr>
             <a:lvl4pPr marL="1371600" indent="0">
               <a:buNone/>
-              <a:defRPr sz="1600">
+              <a:defRPr sz="1400">
                 <a:solidFill>
                   <a:schemeClr val="tx1">
                     <a:tint val="75000"/>
@@ -940,7 +3567,7 @@
             </a:lvl4pPr>
             <a:lvl5pPr marL="1828800" indent="0">
               <a:buNone/>
-              <a:defRPr sz="1600">
+              <a:defRPr sz="1400">
                 <a:solidFill>
                   <a:schemeClr val="tx1">
                     <a:tint val="75000"/>
@@ -950,7 +3577,7 @@
             </a:lvl5pPr>
             <a:lvl6pPr marL="2286000" indent="0">
               <a:buNone/>
-              <a:defRPr sz="1600">
+              <a:defRPr sz="1400">
                 <a:solidFill>
                   <a:schemeClr val="tx1">
                     <a:tint val="75000"/>
@@ -960,7 +3587,7 @@
             </a:lvl6pPr>
             <a:lvl7pPr marL="2743200" indent="0">
               <a:buNone/>
-              <a:defRPr sz="1600">
+              <a:defRPr sz="1400">
                 <a:solidFill>
                   <a:schemeClr val="tx1">
                     <a:tint val="75000"/>
@@ -970,7 +3597,7 @@
             </a:lvl7pPr>
             <a:lvl8pPr marL="3200400" indent="0">
               <a:buNone/>
-              <a:defRPr sz="1600">
+              <a:defRPr sz="1400">
                 <a:solidFill>
                   <a:schemeClr val="tx1">
                     <a:tint val="75000"/>
@@ -980,7 +3607,7 @@
             </a:lvl8pPr>
             <a:lvl9pPr marL="3657600" indent="0">
               <a:buNone/>
-              <a:defRPr sz="1600">
+              <a:defRPr sz="1400">
                 <a:solidFill>
                   <a:schemeClr val="tx1">
                     <a:tint val="75000"/>
@@ -1015,7 +3642,7 @@
           <a:p>
             <a:fld id="{B61F3786-CE44-4BCC-AFE0-DA4E5B49D7AC}" type="datetimeFigureOut">
               <a:rPr lang="en-AU" smtClean="0"/>
-              <a:t>7/06/2016</a:t>
+              <a:t>6/07/2016</a:t>
             </a:fld>
             <a:endParaRPr lang="en-AU"/>
           </a:p>
@@ -1066,7 +3693,7 @@
     </p:spTree>
     <p:extLst>
       <p:ext uri="{BB962C8B-B14F-4D97-AF65-F5344CB8AC3E}">
-        <p14:creationId xmlns:p14="http://schemas.microsoft.com/office/powerpoint/2010/main" val="2612147736"/>
+        <p14:creationId xmlns:p14="http://schemas.microsoft.com/office/powerpoint/2010/main" val="1996053925"/>
       </p:ext>
     </p:extLst>
   </p:cSld>
@@ -1112,7 +3739,7 @@
               <a:rPr lang="en-US" smtClean="0"/>
               <a:t>Click to edit Master title style</a:t>
             </a:r>
-            <a:endParaRPr lang="en-AU"/>
+            <a:endParaRPr lang="en-US" dirty="0"/>
           </a:p>
         </p:txBody>
       </p:sp>
@@ -1128,13 +3755,43 @@
         </p:nvSpPr>
         <p:spPr>
           <a:xfrm>
-            <a:off x="838200" y="1825625"/>
-            <a:ext cx="5181600" cy="4351338"/>
+            <a:off x="1103312" y="2060575"/>
+            <a:ext cx="4396339" cy="4195763"/>
           </a:xfrm>
         </p:spPr>
         <p:txBody>
-          <a:bodyPr/>
-          <a:lstStyle/>
+          <a:bodyPr>
+            <a:normAutofit/>
+          </a:bodyPr>
+          <a:lstStyle>
+            <a:lvl1pPr>
+              <a:defRPr sz="1800"/>
+            </a:lvl1pPr>
+            <a:lvl2pPr>
+              <a:defRPr sz="1600"/>
+            </a:lvl2pPr>
+            <a:lvl3pPr>
+              <a:defRPr sz="1400"/>
+            </a:lvl3pPr>
+            <a:lvl4pPr>
+              <a:defRPr sz="1200"/>
+            </a:lvl4pPr>
+            <a:lvl5pPr>
+              <a:defRPr sz="1200"/>
+            </a:lvl5pPr>
+            <a:lvl6pPr>
+              <a:defRPr sz="1200"/>
+            </a:lvl6pPr>
+            <a:lvl7pPr>
+              <a:defRPr sz="1200"/>
+            </a:lvl7pPr>
+            <a:lvl8pPr>
+              <a:defRPr sz="1200"/>
+            </a:lvl8pPr>
+            <a:lvl9pPr>
+              <a:defRPr sz="1200"/>
+            </a:lvl9pPr>
+          </a:lstStyle>
           <a:p>
             <a:pPr lvl="0"/>
             <a:r>
@@ -1169,7 +3826,7 @@
               <a:rPr lang="en-US" smtClean="0"/>
               <a:t>Fifth level</a:t>
             </a:r>
-            <a:endParaRPr lang="en-AU"/>
+            <a:endParaRPr lang="en-US" dirty="0"/>
           </a:p>
         </p:txBody>
       </p:sp>
@@ -1185,13 +3842,43 @@
         </p:nvSpPr>
         <p:spPr>
           <a:xfrm>
-            <a:off x="6172200" y="1825625"/>
-            <a:ext cx="5181600" cy="4351338"/>
+            <a:off x="5654493" y="2056092"/>
+            <a:ext cx="4396341" cy="4200245"/>
           </a:xfrm>
         </p:spPr>
         <p:txBody>
-          <a:bodyPr/>
-          <a:lstStyle/>
+          <a:bodyPr>
+            <a:normAutofit/>
+          </a:bodyPr>
+          <a:lstStyle>
+            <a:lvl1pPr>
+              <a:defRPr sz="1800"/>
+            </a:lvl1pPr>
+            <a:lvl2pPr>
+              <a:defRPr sz="1600"/>
+            </a:lvl2pPr>
+            <a:lvl3pPr>
+              <a:defRPr sz="1400"/>
+            </a:lvl3pPr>
+            <a:lvl4pPr>
+              <a:defRPr sz="1200"/>
+            </a:lvl4pPr>
+            <a:lvl5pPr>
+              <a:defRPr sz="1200"/>
+            </a:lvl5pPr>
+            <a:lvl6pPr>
+              <a:defRPr sz="1200"/>
+            </a:lvl6pPr>
+            <a:lvl7pPr>
+              <a:defRPr sz="1200"/>
+            </a:lvl7pPr>
+            <a:lvl8pPr>
+              <a:defRPr sz="1200"/>
+            </a:lvl8pPr>
+            <a:lvl9pPr>
+              <a:defRPr sz="1200"/>
+            </a:lvl9pPr>
+          </a:lstStyle>
           <a:p>
             <a:pPr lvl="0"/>
             <a:r>
@@ -1226,7 +3913,7 @@
               <a:rPr lang="en-US" smtClean="0"/>
               <a:t>Fifth level</a:t>
             </a:r>
-            <a:endParaRPr lang="en-AU"/>
+            <a:endParaRPr lang="en-US" dirty="0"/>
           </a:p>
         </p:txBody>
       </p:sp>
@@ -1247,7 +3934,7 @@
           <a:p>
             <a:fld id="{B61F3786-CE44-4BCC-AFE0-DA4E5B49D7AC}" type="datetimeFigureOut">
               <a:rPr lang="en-AU" smtClean="0"/>
-              <a:t>7/06/2016</a:t>
+              <a:t>6/07/2016</a:t>
             </a:fld>
             <a:endParaRPr lang="en-AU"/>
           </a:p>
@@ -1298,7 +3985,7 @@
     </p:spTree>
     <p:extLst>
       <p:ext uri="{BB962C8B-B14F-4D97-AF65-F5344CB8AC3E}">
-        <p14:creationId xmlns:p14="http://schemas.microsoft.com/office/powerpoint/2010/main" val="4009357415"/>
+        <p14:creationId xmlns:p14="http://schemas.microsoft.com/office/powerpoint/2010/main" val="683425576"/>
       </p:ext>
     </p:extLst>
   </p:cSld>
@@ -1335,46 +4022,54 @@
             <p:ph type="title"/>
           </p:nvPr>
         </p:nvSpPr>
+        <p:spPr/>
+        <p:txBody>
+          <a:bodyPr/>
+          <a:lstStyle>
+            <a:lvl1pPr>
+              <a:defRPr/>
+            </a:lvl1pPr>
+          </a:lstStyle>
+          <a:p>
+            <a:r>
+              <a:rPr lang="en-US" smtClean="0"/>
+              <a:t>Click to edit Master title style</a:t>
+            </a:r>
+            <a:endParaRPr lang="en-US" dirty="0"/>
+          </a:p>
+        </p:txBody>
+      </p:sp>
+      <p:sp>
+        <p:nvSpPr>
+          <p:cNvPr id="3" name="Text Placeholder 2"/>
+          <p:cNvSpPr>
+            <a:spLocks noGrp="1"/>
+          </p:cNvSpPr>
+          <p:nvPr>
+            <p:ph type="body" idx="1"/>
+          </p:nvPr>
+        </p:nvSpPr>
         <p:spPr>
           <a:xfrm>
-            <a:off x="839788" y="365125"/>
-            <a:ext cx="10515600" cy="1325563"/>
+            <a:off x="1103313" y="1905000"/>
+            <a:ext cx="4396338" cy="576262"/>
           </a:xfrm>
         </p:spPr>
         <p:txBody>
-          <a:bodyPr/>
-          <a:lstStyle/>
-          <a:p>
-            <a:r>
-              <a:rPr lang="en-US" smtClean="0"/>
-              <a:t>Click to edit Master title style</a:t>
-            </a:r>
-            <a:endParaRPr lang="en-AU"/>
-          </a:p>
-        </p:txBody>
-      </p:sp>
-      <p:sp>
-        <p:nvSpPr>
-          <p:cNvPr id="3" name="Text Placeholder 2"/>
-          <p:cNvSpPr>
-            <a:spLocks noGrp="1"/>
-          </p:cNvSpPr>
-          <p:nvPr>
-            <p:ph type="body" idx="1"/>
-          </p:nvPr>
-        </p:nvSpPr>
-        <p:spPr>
-          <a:xfrm>
-            <a:off x="839788" y="1681163"/>
-            <a:ext cx="5157787" cy="823912"/>
-          </a:xfrm>
-        </p:spPr>
-        <p:txBody>
-          <a:bodyPr anchor="b"/>
+          <a:bodyPr anchor="b">
+            <a:noAutofit/>
+          </a:bodyPr>
           <a:lstStyle>
             <a:lvl1pPr marL="0" indent="0">
               <a:buNone/>
-              <a:defRPr sz="2400" b="1"/>
+              <a:defRPr sz="2400" b="0">
+                <a:solidFill>
+                  <a:schemeClr val="bg2">
+                    <a:lumMod val="40000"/>
+                    <a:lumOff val="60000"/>
+                  </a:schemeClr>
+                </a:solidFill>
+              </a:defRPr>
             </a:lvl1pPr>
             <a:lvl2pPr marL="457200" indent="0">
               <a:buNone/>
@@ -1430,13 +4125,43 @@
         </p:nvSpPr>
         <p:spPr>
           <a:xfrm>
-            <a:off x="839788" y="2505075"/>
-            <a:ext cx="5157787" cy="3684588"/>
+            <a:off x="1103312" y="2514600"/>
+            <a:ext cx="4396339" cy="3741738"/>
           </a:xfrm>
         </p:spPr>
         <p:txBody>
-          <a:bodyPr/>
-          <a:lstStyle/>
+          <a:bodyPr>
+            <a:normAutofit/>
+          </a:bodyPr>
+          <a:lstStyle>
+            <a:lvl1pPr>
+              <a:defRPr sz="1800"/>
+            </a:lvl1pPr>
+            <a:lvl2pPr>
+              <a:defRPr sz="1600"/>
+            </a:lvl2pPr>
+            <a:lvl3pPr>
+              <a:defRPr sz="1400"/>
+            </a:lvl3pPr>
+            <a:lvl4pPr>
+              <a:defRPr sz="1200"/>
+            </a:lvl4pPr>
+            <a:lvl5pPr>
+              <a:defRPr sz="1200"/>
+            </a:lvl5pPr>
+            <a:lvl6pPr>
+              <a:defRPr sz="1200"/>
+            </a:lvl6pPr>
+            <a:lvl7pPr>
+              <a:defRPr sz="1200"/>
+            </a:lvl7pPr>
+            <a:lvl8pPr>
+              <a:defRPr sz="1200"/>
+            </a:lvl8pPr>
+            <a:lvl9pPr>
+              <a:defRPr sz="1200"/>
+            </a:lvl9pPr>
+          </a:lstStyle>
           <a:p>
             <a:pPr lvl="0"/>
             <a:r>
@@ -1471,7 +4196,7 @@
               <a:rPr lang="en-US" smtClean="0"/>
               <a:t>Fifth level</a:t>
             </a:r>
-            <a:endParaRPr lang="en-AU"/>
+            <a:endParaRPr lang="en-US" dirty="0"/>
           </a:p>
         </p:txBody>
       </p:sp>
@@ -1487,16 +4212,25 @@
         </p:nvSpPr>
         <p:spPr>
           <a:xfrm>
-            <a:off x="6172200" y="1681163"/>
-            <a:ext cx="5183188" cy="823912"/>
+            <a:off x="5654495" y="1905000"/>
+            <a:ext cx="4396339" cy="576262"/>
           </a:xfrm>
         </p:spPr>
         <p:txBody>
-          <a:bodyPr anchor="b"/>
+          <a:bodyPr anchor="b">
+            <a:noAutofit/>
+          </a:bodyPr>
           <a:lstStyle>
             <a:lvl1pPr marL="0" indent="0">
               <a:buNone/>
-              <a:defRPr sz="2400" b="1"/>
+              <a:defRPr sz="2400" b="0">
+                <a:solidFill>
+                  <a:schemeClr val="bg2">
+                    <a:lumMod val="40000"/>
+                    <a:lumOff val="60000"/>
+                  </a:schemeClr>
+                </a:solidFill>
+              </a:defRPr>
             </a:lvl1pPr>
             <a:lvl2pPr marL="457200" indent="0">
               <a:buNone/>
@@ -1552,13 +4286,43 @@
         </p:nvSpPr>
         <p:spPr>
           <a:xfrm>
-            <a:off x="6172200" y="2505075"/>
-            <a:ext cx="5183188" cy="3684588"/>
+            <a:off x="5654495" y="2514600"/>
+            <a:ext cx="4396339" cy="3741738"/>
           </a:xfrm>
         </p:spPr>
         <p:txBody>
-          <a:bodyPr/>
-          <a:lstStyle/>
+          <a:bodyPr>
+            <a:normAutofit/>
+          </a:bodyPr>
+          <a:lstStyle>
+            <a:lvl1pPr>
+              <a:defRPr sz="1800"/>
+            </a:lvl1pPr>
+            <a:lvl2pPr>
+              <a:defRPr sz="1600"/>
+            </a:lvl2pPr>
+            <a:lvl3pPr>
+              <a:defRPr sz="1400"/>
+            </a:lvl3pPr>
+            <a:lvl4pPr>
+              <a:defRPr sz="1200"/>
+            </a:lvl4pPr>
+            <a:lvl5pPr>
+              <a:defRPr sz="1200"/>
+            </a:lvl5pPr>
+            <a:lvl6pPr>
+              <a:defRPr sz="1200"/>
+            </a:lvl6pPr>
+            <a:lvl7pPr>
+              <a:defRPr sz="1200"/>
+            </a:lvl7pPr>
+            <a:lvl8pPr>
+              <a:defRPr sz="1200"/>
+            </a:lvl8pPr>
+            <a:lvl9pPr>
+              <a:defRPr sz="1200"/>
+            </a:lvl9pPr>
+          </a:lstStyle>
           <a:p>
             <a:pPr lvl="0"/>
             <a:r>
@@ -1593,7 +4357,7 @@
               <a:rPr lang="en-US" smtClean="0"/>
               <a:t>Fifth level</a:t>
             </a:r>
-            <a:endParaRPr lang="en-AU"/>
+            <a:endParaRPr lang="en-US" dirty="0"/>
           </a:p>
         </p:txBody>
       </p:sp>
@@ -1614,7 +4378,7 @@
           <a:p>
             <a:fld id="{B61F3786-CE44-4BCC-AFE0-DA4E5B49D7AC}" type="datetimeFigureOut">
               <a:rPr lang="en-AU" smtClean="0"/>
-              <a:t>7/06/2016</a:t>
+              <a:t>6/07/2016</a:t>
             </a:fld>
             <a:endParaRPr lang="en-AU"/>
           </a:p>
@@ -1665,7 +4429,7 @@
     </p:spTree>
     <p:extLst>
       <p:ext uri="{BB962C8B-B14F-4D97-AF65-F5344CB8AC3E}">
-        <p14:creationId xmlns:p14="http://schemas.microsoft.com/office/powerpoint/2010/main" val="15373727"/>
+        <p14:creationId xmlns:p14="http://schemas.microsoft.com/office/powerpoint/2010/main" val="4013079465"/>
       </p:ext>
     </p:extLst>
   </p:cSld>
@@ -1711,13 +4475,13 @@
               <a:rPr lang="en-US" smtClean="0"/>
               <a:t>Click to edit Master title style</a:t>
             </a:r>
-            <a:endParaRPr lang="en-AU"/>
-          </a:p>
-        </p:txBody>
-      </p:sp>
-      <p:sp>
-        <p:nvSpPr>
-          <p:cNvPr id="3" name="Date Placeholder 2"/>
+            <a:endParaRPr lang="en-US" dirty="0"/>
+          </a:p>
+        </p:txBody>
+      </p:sp>
+      <p:sp>
+        <p:nvSpPr>
+          <p:cNvPr id="7" name="Date Placeholder 2"/>
           <p:cNvSpPr>
             <a:spLocks noGrp="1"/>
           </p:cNvSpPr>
@@ -1732,7 +4496,7 @@
           <a:p>
             <a:fld id="{B61F3786-CE44-4BCC-AFE0-DA4E5B49D7AC}" type="datetimeFigureOut">
               <a:rPr lang="en-AU" smtClean="0"/>
-              <a:t>7/06/2016</a:t>
+              <a:t>6/07/2016</a:t>
             </a:fld>
             <a:endParaRPr lang="en-AU"/>
           </a:p>
@@ -1740,7 +4504,7 @@
       </p:sp>
       <p:sp>
         <p:nvSpPr>
-          <p:cNvPr id="4" name="Footer Placeholder 3"/>
+          <p:cNvPr id="5" name="Footer Placeholder 3"/>
           <p:cNvSpPr>
             <a:spLocks noGrp="1"/>
           </p:cNvSpPr>
@@ -1759,7 +4523,7 @@
       </p:sp>
       <p:sp>
         <p:nvSpPr>
-          <p:cNvPr id="5" name="Slide Number Placeholder 4"/>
+          <p:cNvPr id="6" name="Slide Number Placeholder 4"/>
           <p:cNvSpPr>
             <a:spLocks noGrp="1"/>
           </p:cNvSpPr>
@@ -1783,7 +4547,7 @@
     </p:spTree>
     <p:extLst>
       <p:ext uri="{BB962C8B-B14F-4D97-AF65-F5344CB8AC3E}">
-        <p14:creationId xmlns:p14="http://schemas.microsoft.com/office/powerpoint/2010/main" val="2497246645"/>
+        <p14:creationId xmlns:p14="http://schemas.microsoft.com/office/powerpoint/2010/main" val="3654125234"/>
       </p:ext>
     </p:extLst>
   </p:cSld>
@@ -1812,7 +4576,7 @@
       </p:grpSpPr>
       <p:sp>
         <p:nvSpPr>
-          <p:cNvPr id="2" name="Date Placeholder 1"/>
+          <p:cNvPr id="7" name="Date Placeholder 1"/>
           <p:cNvSpPr>
             <a:spLocks noGrp="1"/>
           </p:cNvSpPr>
@@ -1827,7 +4591,7 @@
           <a:p>
             <a:fld id="{B61F3786-CE44-4BCC-AFE0-DA4E5B49D7AC}" type="datetimeFigureOut">
               <a:rPr lang="en-AU" smtClean="0"/>
-              <a:t>7/06/2016</a:t>
+              <a:t>6/07/2016</a:t>
             </a:fld>
             <a:endParaRPr lang="en-AU"/>
           </a:p>
@@ -1835,7 +4599,7 @@
       </p:sp>
       <p:sp>
         <p:nvSpPr>
-          <p:cNvPr id="3" name="Footer Placeholder 2"/>
+          <p:cNvPr id="5" name="Footer Placeholder 2"/>
           <p:cNvSpPr>
             <a:spLocks noGrp="1"/>
           </p:cNvSpPr>
@@ -1854,7 +4618,7 @@
       </p:sp>
       <p:sp>
         <p:nvSpPr>
-          <p:cNvPr id="4" name="Slide Number Placeholder 3"/>
+          <p:cNvPr id="6" name="Slide Number Placeholder 3"/>
           <p:cNvSpPr>
             <a:spLocks noGrp="1"/>
           </p:cNvSpPr>
@@ -1878,7 +4642,7 @@
     </p:spTree>
     <p:extLst>
       <p:ext uri="{BB962C8B-B14F-4D97-AF65-F5344CB8AC3E}">
-        <p14:creationId xmlns:p14="http://schemas.microsoft.com/office/powerpoint/2010/main" val="1818766737"/>
+        <p14:creationId xmlns:p14="http://schemas.microsoft.com/office/powerpoint/2010/main" val="2521172294"/>
       </p:ext>
     </p:extLst>
   </p:cSld>
@@ -1917,15 +4681,15 @@
         </p:nvSpPr>
         <p:spPr>
           <a:xfrm>
-            <a:off x="839788" y="457200"/>
-            <a:ext cx="3932237" cy="1600200"/>
+            <a:off x="1154953" y="1447800"/>
+            <a:ext cx="3401064" cy="1447800"/>
           </a:xfrm>
         </p:spPr>
         <p:txBody>
           <a:bodyPr anchor="b"/>
           <a:lstStyle>
-            <a:lvl1pPr>
-              <a:defRPr sz="3200"/>
+            <a:lvl1pPr algn="l">
+              <a:defRPr sz="2400" b="0"/>
             </a:lvl1pPr>
           </a:lstStyle>
           <a:p>
@@ -1933,7 +4697,7 @@
               <a:rPr lang="en-US" smtClean="0"/>
               <a:t>Click to edit Master title style</a:t>
             </a:r>
-            <a:endParaRPr lang="en-AU"/>
+            <a:endParaRPr lang="en-US" dirty="0"/>
           </a:p>
         </p:txBody>
       </p:sp>
@@ -1949,39 +4713,41 @@
         </p:nvSpPr>
         <p:spPr>
           <a:xfrm>
-            <a:off x="5183188" y="987425"/>
-            <a:ext cx="6172200" cy="4873625"/>
+            <a:off x="4784616" y="1447800"/>
+            <a:ext cx="5195997" cy="4572000"/>
           </a:xfrm>
         </p:spPr>
         <p:txBody>
-          <a:bodyPr/>
+          <a:bodyPr anchor="ctr">
+            <a:normAutofit/>
+          </a:bodyPr>
           <a:lstStyle>
             <a:lvl1pPr>
-              <a:defRPr sz="3200"/>
+              <a:defRPr sz="2000"/>
             </a:lvl1pPr>
             <a:lvl2pPr>
-              <a:defRPr sz="2800"/>
+              <a:defRPr sz="1800"/>
             </a:lvl2pPr>
             <a:lvl3pPr>
-              <a:defRPr sz="2400"/>
+              <a:defRPr sz="1600"/>
             </a:lvl3pPr>
             <a:lvl4pPr>
-              <a:defRPr sz="2000"/>
+              <a:defRPr sz="1400"/>
             </a:lvl4pPr>
             <a:lvl5pPr>
-              <a:defRPr sz="2000"/>
+              <a:defRPr sz="1400"/>
             </a:lvl5pPr>
             <a:lvl6pPr>
-              <a:defRPr sz="2000"/>
+              <a:defRPr sz="1400"/>
             </a:lvl6pPr>
             <a:lvl7pPr>
-              <a:defRPr sz="2000"/>
+              <a:defRPr sz="1400"/>
             </a:lvl7pPr>
             <a:lvl8pPr>
-              <a:defRPr sz="2000"/>
+              <a:defRPr sz="1400"/>
             </a:lvl8pPr>
             <a:lvl9pPr>
-              <a:defRPr sz="2000"/>
+              <a:defRPr sz="1400"/>
             </a:lvl9pPr>
           </a:lstStyle>
           <a:p>
@@ -2018,7 +4784,7 @@
               <a:rPr lang="en-US" smtClean="0"/>
               <a:t>Fifth level</a:t>
             </a:r>
-            <a:endParaRPr lang="en-AU"/>
+            <a:endParaRPr lang="en-US" dirty="0"/>
           </a:p>
         </p:txBody>
       </p:sp>
@@ -2034,8 +4800,8 @@
         </p:nvSpPr>
         <p:spPr>
           <a:xfrm>
-            <a:off x="839788" y="2057400"/>
-            <a:ext cx="3932237" cy="3811588"/>
+            <a:off x="1154953" y="3129280"/>
+            <a:ext cx="3401063" cy="2895599"/>
           </a:xfrm>
         </p:spPr>
         <p:txBody>
@@ -2043,39 +4809,39 @@
           <a:lstStyle>
             <a:lvl1pPr marL="0" indent="0">
               <a:buNone/>
-              <a:defRPr sz="1600"/>
+              <a:defRPr sz="1400"/>
             </a:lvl1pPr>
             <a:lvl2pPr marL="457200" indent="0">
               <a:buNone/>
-              <a:defRPr sz="1400"/>
+              <a:defRPr sz="1200"/>
             </a:lvl2pPr>
             <a:lvl3pPr marL="914400" indent="0">
               <a:buNone/>
-              <a:defRPr sz="1200"/>
+              <a:defRPr sz="1000"/>
             </a:lvl3pPr>
             <a:lvl4pPr marL="1371600" indent="0">
               <a:buNone/>
-              <a:defRPr sz="1000"/>
+              <a:defRPr sz="900"/>
             </a:lvl4pPr>
             <a:lvl5pPr marL="1828800" indent="0">
               <a:buNone/>
-              <a:defRPr sz="1000"/>
+              <a:defRPr sz="900"/>
             </a:lvl5pPr>
             <a:lvl6pPr marL="2286000" indent="0">
               <a:buNone/>
-              <a:defRPr sz="1000"/>
+              <a:defRPr sz="900"/>
             </a:lvl6pPr>
             <a:lvl7pPr marL="2743200" indent="0">
               <a:buNone/>
-              <a:defRPr sz="1000"/>
+              <a:defRPr sz="900"/>
             </a:lvl7pPr>
             <a:lvl8pPr marL="3200400" indent="0">
               <a:buNone/>
-              <a:defRPr sz="1000"/>
+              <a:defRPr sz="900"/>
             </a:lvl8pPr>
             <a:lvl9pPr marL="3657600" indent="0">
               <a:buNone/>
-              <a:defRPr sz="1000"/>
+              <a:defRPr sz="900"/>
             </a:lvl9pPr>
           </a:lstStyle>
           <a:p>
@@ -2089,7 +4855,7 @@
       </p:sp>
       <p:sp>
         <p:nvSpPr>
-          <p:cNvPr id="5" name="Date Placeholder 4"/>
+          <p:cNvPr id="7" name="Date Placeholder 4"/>
           <p:cNvSpPr>
             <a:spLocks noGrp="1"/>
           </p:cNvSpPr>
@@ -2104,7 +4870,7 @@
           <a:p>
             <a:fld id="{B61F3786-CE44-4BCC-AFE0-DA4E5B49D7AC}" type="datetimeFigureOut">
               <a:rPr lang="en-AU" smtClean="0"/>
-              <a:t>7/06/2016</a:t>
+              <a:t>6/07/2016</a:t>
             </a:fld>
             <a:endParaRPr lang="en-AU"/>
           </a:p>
@@ -2112,7 +4878,7 @@
       </p:sp>
       <p:sp>
         <p:nvSpPr>
-          <p:cNvPr id="6" name="Footer Placeholder 5"/>
+          <p:cNvPr id="5" name="Footer Placeholder 5"/>
           <p:cNvSpPr>
             <a:spLocks noGrp="1"/>
           </p:cNvSpPr>
@@ -2131,7 +4897,7 @@
       </p:sp>
       <p:sp>
         <p:nvSpPr>
-          <p:cNvPr id="7" name="Slide Number Placeholder 6"/>
+          <p:cNvPr id="6" name="Slide Number Placeholder 6"/>
           <p:cNvSpPr>
             <a:spLocks noGrp="1"/>
           </p:cNvSpPr>
@@ -2155,7 +4921,7 @@
     </p:spTree>
     <p:extLst>
       <p:ext uri="{BB962C8B-B14F-4D97-AF65-F5344CB8AC3E}">
-        <p14:creationId xmlns:p14="http://schemas.microsoft.com/office/powerpoint/2010/main" val="2175899631"/>
+        <p14:creationId xmlns:p14="http://schemas.microsoft.com/office/powerpoint/2010/main" val="2789899464"/>
       </p:ext>
     </p:extLst>
   </p:cSld>
@@ -2194,15 +4960,17 @@
         </p:nvSpPr>
         <p:spPr>
           <a:xfrm>
-            <a:off x="839788" y="457200"/>
-            <a:ext cx="3932237" cy="1600200"/>
+            <a:off x="1153907" y="1854192"/>
+            <a:ext cx="5092906" cy="1574808"/>
           </a:xfrm>
         </p:spPr>
         <p:txBody>
-          <a:bodyPr anchor="b"/>
+          <a:bodyPr anchor="b">
+            <a:normAutofit/>
+          </a:bodyPr>
           <a:lstStyle>
-            <a:lvl1pPr>
-              <a:defRPr sz="3200"/>
+            <a:lvl1pPr algn="l">
+              <a:defRPr sz="3600" b="0"/>
             </a:lvl1pPr>
           </a:lstStyle>
           <a:p>
@@ -2210,7 +4978,7 @@
               <a:rPr lang="en-US" smtClean="0"/>
               <a:t>Click to edit Master title style</a:t>
             </a:r>
-            <a:endParaRPr lang="en-AU"/>
+            <a:endParaRPr lang="en-US" dirty="0"/>
           </a:p>
         </p:txBody>
       </p:sp>
@@ -2218,7 +4986,7 @@
         <p:nvSpPr>
           <p:cNvPr id="3" name="Picture Placeholder 2"/>
           <p:cNvSpPr>
-            <a:spLocks noGrp="1"/>
+            <a:spLocks noGrp="1" noChangeAspect="1"/>
           </p:cNvSpPr>
           <p:nvPr>
             <p:ph type="pic" idx="1"/>
@@ -2226,112 +4994,132 @@
         </p:nvSpPr>
         <p:spPr>
           <a:xfrm>
-            <a:off x="5183188" y="987425"/>
-            <a:ext cx="6172200" cy="4873625"/>
+            <a:off x="6949546" y="1143000"/>
+            <a:ext cx="3200400" cy="4572000"/>
           </a:xfrm>
+          <a:prstGeom prst="roundRect">
+            <a:avLst>
+              <a:gd name="adj" fmla="val 1858"/>
+            </a:avLst>
+          </a:prstGeom>
+          <a:effectLst>
+            <a:outerShdw blurRad="50800" dist="50800" dir="5400000" algn="tl" rotWithShape="0">
+              <a:srgbClr val="000000">
+                <a:alpha val="43000"/>
+              </a:srgbClr>
+            </a:outerShdw>
+          </a:effectLst>
         </p:spPr>
         <p:txBody>
-          <a:bodyPr/>
+          <a:bodyPr anchor="t">
+            <a:normAutofit/>
+          </a:bodyPr>
           <a:lstStyle>
-            <a:lvl1pPr marL="0" indent="0">
-              <a:buNone/>
-              <a:defRPr sz="3200"/>
-            </a:lvl1pPr>
-            <a:lvl2pPr marL="457200" indent="0">
-              <a:buNone/>
-              <a:defRPr sz="2800"/>
-            </a:lvl2pPr>
-            <a:lvl3pPr marL="914400" indent="0">
-              <a:buNone/>
-              <a:defRPr sz="2400"/>
-            </a:lvl3pPr>
-            <a:lvl4pPr marL="1371600" indent="0">
-              <a:buNone/>
-              <a:defRPr sz="2000"/>
-            </a:lvl4pPr>
-            <a:lvl5pPr marL="1828800" indent="0">
-              <a:buNone/>
-              <a:defRPr sz="2000"/>
-            </a:lvl5pPr>
-            <a:lvl6pPr marL="2286000" indent="0">
-              <a:buNone/>
-              <a:defRPr sz="2000"/>
-            </a:lvl6pPr>
-            <a:lvl7pPr marL="2743200" indent="0">
-              <a:buNone/>
-              <a:defRPr sz="2000"/>
-            </a:lvl7pPr>
-            <a:lvl8pPr marL="3200400" indent="0">
-              <a:buNone/>
-              <a:defRPr sz="2000"/>
-            </a:lvl8pPr>
-            <a:lvl9pPr marL="3657600" indent="0">
-              <a:buNone/>
-              <a:defRPr sz="2000"/>
-            </a:lvl9pPr>
-          </a:lstStyle>
-          <a:p>
-            <a:endParaRPr lang="en-AU"/>
-          </a:p>
-        </p:txBody>
-      </p:sp>
-      <p:sp>
-        <p:nvSpPr>
-          <p:cNvPr id="4" name="Text Placeholder 3"/>
-          <p:cNvSpPr>
-            <a:spLocks noGrp="1"/>
-          </p:cNvSpPr>
-          <p:nvPr>
-            <p:ph type="body" sz="half" idx="2"/>
-          </p:nvPr>
-        </p:nvSpPr>
-        <p:spPr>
-          <a:xfrm>
-            <a:off x="839788" y="2057400"/>
-            <a:ext cx="3932237" cy="3811588"/>
-          </a:xfrm>
-        </p:spPr>
-        <p:txBody>
-          <a:bodyPr/>
-          <a:lstStyle>
-            <a:lvl1pPr marL="0" indent="0">
+            <a:lvl1pPr marL="0" indent="0" algn="ctr">
               <a:buNone/>
               <a:defRPr sz="1600"/>
             </a:lvl1pPr>
             <a:lvl2pPr marL="457200" indent="0">
               <a:buNone/>
-              <a:defRPr sz="1400"/>
+              <a:defRPr sz="1600"/>
             </a:lvl2pPr>
             <a:lvl3pPr marL="914400" indent="0">
               <a:buNone/>
-              <a:defRPr sz="1200"/>
+              <a:defRPr sz="1600"/>
             </a:lvl3pPr>
             <a:lvl4pPr marL="1371600" indent="0">
               <a:buNone/>
-              <a:defRPr sz="1000"/>
+              <a:defRPr sz="1600"/>
             </a:lvl4pPr>
             <a:lvl5pPr marL="1828800" indent="0">
               <a:buNone/>
-              <a:defRPr sz="1000"/>
+              <a:defRPr sz="1600"/>
             </a:lvl5pPr>
             <a:lvl6pPr marL="2286000" indent="0">
               <a:buNone/>
-              <a:defRPr sz="1000"/>
+              <a:defRPr sz="1600"/>
             </a:lvl6pPr>
             <a:lvl7pPr marL="2743200" indent="0">
               <a:buNone/>
-              <a:defRPr sz="1000"/>
+              <a:defRPr sz="1600"/>
             </a:lvl7pPr>
             <a:lvl8pPr marL="3200400" indent="0">
               <a:buNone/>
-              <a:defRPr sz="1000"/>
+              <a:defRPr sz="1600"/>
             </a:lvl8pPr>
             <a:lvl9pPr marL="3657600" indent="0">
               <a:buNone/>
-              <a:defRPr sz="1000"/>
+              <a:defRPr sz="1600"/>
             </a:lvl9pPr>
           </a:lstStyle>
           <a:p>
+            <a:r>
+              <a:rPr lang="en-US" smtClean="0"/>
+              <a:t>Click icon to add picture</a:t>
+            </a:r>
+            <a:endParaRPr lang="en-US" dirty="0"/>
+          </a:p>
+        </p:txBody>
+      </p:sp>
+      <p:sp>
+        <p:nvSpPr>
+          <p:cNvPr id="4" name="Text Placeholder 3"/>
+          <p:cNvSpPr>
+            <a:spLocks noGrp="1"/>
+          </p:cNvSpPr>
+          <p:nvPr>
+            <p:ph type="body" sz="half" idx="2"/>
+          </p:nvPr>
+        </p:nvSpPr>
+        <p:spPr>
+          <a:xfrm>
+            <a:off x="1154954" y="3657600"/>
+            <a:ext cx="5084979" cy="1371600"/>
+          </a:xfrm>
+        </p:spPr>
+        <p:txBody>
+          <a:bodyPr>
+            <a:normAutofit/>
+          </a:bodyPr>
+          <a:lstStyle>
+            <a:lvl1pPr marL="0" indent="0">
+              <a:buNone/>
+              <a:defRPr sz="1400"/>
+            </a:lvl1pPr>
+            <a:lvl2pPr marL="457200" indent="0">
+              <a:buNone/>
+              <a:defRPr sz="1200"/>
+            </a:lvl2pPr>
+            <a:lvl3pPr marL="914400" indent="0">
+              <a:buNone/>
+              <a:defRPr sz="1000"/>
+            </a:lvl3pPr>
+            <a:lvl4pPr marL="1371600" indent="0">
+              <a:buNone/>
+              <a:defRPr sz="900"/>
+            </a:lvl4pPr>
+            <a:lvl5pPr marL="1828800" indent="0">
+              <a:buNone/>
+              <a:defRPr sz="900"/>
+            </a:lvl5pPr>
+            <a:lvl6pPr marL="2286000" indent="0">
+              <a:buNone/>
+              <a:defRPr sz="900"/>
+            </a:lvl6pPr>
+            <a:lvl7pPr marL="2743200" indent="0">
+              <a:buNone/>
+              <a:defRPr sz="900"/>
+            </a:lvl7pPr>
+            <a:lvl8pPr marL="3200400" indent="0">
+              <a:buNone/>
+              <a:defRPr sz="900"/>
+            </a:lvl8pPr>
+            <a:lvl9pPr marL="3657600" indent="0">
+              <a:buNone/>
+              <a:defRPr sz="900"/>
+            </a:lvl9pPr>
+          </a:lstStyle>
+          <a:p>
             <a:pPr lvl="0"/>
             <a:r>
               <a:rPr lang="en-US" smtClean="0"/>
@@ -2357,7 +5145,7 @@
           <a:p>
             <a:fld id="{B61F3786-CE44-4BCC-AFE0-DA4E5B49D7AC}" type="datetimeFigureOut">
               <a:rPr lang="en-AU" smtClean="0"/>
-              <a:t>7/06/2016</a:t>
+              <a:t>6/07/2016</a:t>
             </a:fld>
             <a:endParaRPr lang="en-AU"/>
           </a:p>
@@ -2408,7 +5196,7 @@
     </p:spTree>
     <p:extLst>
       <p:ext uri="{BB962C8B-B14F-4D97-AF65-F5344CB8AC3E}">
-        <p14:creationId xmlns:p14="http://schemas.microsoft.com/office/powerpoint/2010/main" val="2937262522"/>
+        <p14:creationId xmlns:p14="http://schemas.microsoft.com/office/powerpoint/2010/main" val="1645962553"/>
       </p:ext>
     </p:extLst>
   </p:cSld>
@@ -2422,8 +5210,8 @@
 <p:sldMaster xmlns:a="http://schemas.openxmlformats.org/drawingml/2006/main" xmlns:r="http://schemas.openxmlformats.org/officeDocument/2006/relationships" xmlns:p="http://schemas.openxmlformats.org/presentationml/2006/main">
   <p:cSld>
     <p:bg>
-      <p:bgRef idx="1001">
-        <a:schemeClr val="bg1"/>
+      <p:bgRef idx="1003">
+        <a:schemeClr val="bg2"/>
       </p:bgRef>
     </p:bg>
     <p:spTree>
@@ -2440,125 +5228,420 @@
           <a:chExt cx="0" cy="0"/>
         </a:xfrm>
       </p:grpSpPr>
-      <p:sp>
-        <p:nvSpPr>
-          <p:cNvPr id="2" name="Title Placeholder 1"/>
-          <p:cNvSpPr>
-            <a:spLocks noGrp="1"/>
-          </p:cNvSpPr>
-          <p:nvPr>
-            <p:ph type="title"/>
-          </p:nvPr>
-        </p:nvSpPr>
+      <p:pic>
+        <p:nvPicPr>
+          <p:cNvPr id="8" name="Picture 7"/>
+          <p:cNvPicPr>
+            <a:picLocks noChangeAspect="1"/>
+          </p:cNvPicPr>
+          <p:nvPr/>
+        </p:nvPicPr>
+        <p:blipFill rotWithShape="1">
+          <a:blip r:embed="rId19">
+            <a:extLst>
+              <a:ext uri="{28A0092B-C50C-407E-A947-70E740481C1C}">
+                <a14:useLocalDpi xmlns:a14="http://schemas.microsoft.com/office/drawing/2010/main" val="0"/>
+              </a:ext>
+            </a:extLst>
+          </a:blip>
+          <a:srcRect l="3613"/>
+          <a:stretch/>
+        </p:blipFill>
         <p:spPr>
           <a:xfrm>
-            <a:off x="838200" y="365125"/>
-            <a:ext cx="10515600" cy="1325563"/>
+            <a:off x="0" y="2669685"/>
+            <a:ext cx="4037012" cy="4188315"/>
           </a:xfrm>
           <a:prstGeom prst="rect">
             <a:avLst/>
           </a:prstGeom>
         </p:spPr>
-        <p:txBody>
-          <a:bodyPr vert="horz" lIns="91440" tIns="45720" rIns="91440" bIns="45720" rtlCol="0" anchor="ctr">
-            <a:normAutofit/>
-          </a:bodyPr>
-          <a:lstStyle/>
-          <a:p>
-            <a:r>
-              <a:rPr lang="en-US" smtClean="0"/>
-              <a:t>Click to edit Master title style</a:t>
-            </a:r>
-            <a:endParaRPr lang="en-AU"/>
-          </a:p>
-        </p:txBody>
-      </p:sp>
-      <p:sp>
-        <p:nvSpPr>
-          <p:cNvPr id="3" name="Text Placeholder 2"/>
-          <p:cNvSpPr>
-            <a:spLocks noGrp="1"/>
-          </p:cNvSpPr>
-          <p:nvPr>
-            <p:ph type="body" idx="1"/>
-          </p:nvPr>
-        </p:nvSpPr>
+      </p:pic>
+      <p:pic>
+        <p:nvPicPr>
+          <p:cNvPr id="7" name="Picture 6"/>
+          <p:cNvPicPr>
+            <a:picLocks noChangeAspect="1"/>
+          </p:cNvPicPr>
+          <p:nvPr/>
+        </p:nvPicPr>
+        <p:blipFill rotWithShape="1">
+          <a:blip r:embed="rId20">
+            <a:extLst>
+              <a:ext uri="{28A0092B-C50C-407E-A947-70E740481C1C}">
+                <a14:useLocalDpi xmlns:a14="http://schemas.microsoft.com/office/drawing/2010/main" val="0"/>
+              </a:ext>
+            </a:extLst>
+          </a:blip>
+          <a:srcRect l="35640"/>
+          <a:stretch/>
+        </p:blipFill>
         <p:spPr>
           <a:xfrm>
-            <a:off x="838200" y="1825625"/>
-            <a:ext cx="10515600" cy="4351338"/>
+            <a:off x="0" y="2892347"/>
+            <a:ext cx="1522412" cy="2365453"/>
           </a:xfrm>
           <a:prstGeom prst="rect">
             <a:avLst/>
           </a:prstGeom>
         </p:spPr>
-        <p:txBody>
-          <a:bodyPr vert="horz" lIns="91440" tIns="45720" rIns="91440" bIns="45720" rtlCol="0">
-            <a:normAutofit/>
-          </a:bodyPr>
-          <a:lstStyle/>
-          <a:p>
-            <a:pPr lvl="0"/>
-            <a:r>
-              <a:rPr lang="en-US" smtClean="0"/>
-              <a:t>Click to edit Master text styles</a:t>
-            </a:r>
-          </a:p>
-          <a:p>
-            <a:pPr lvl="1"/>
-            <a:r>
-              <a:rPr lang="en-US" smtClean="0"/>
-              <a:t>Second level</a:t>
-            </a:r>
-          </a:p>
-          <a:p>
-            <a:pPr lvl="2"/>
-            <a:r>
-              <a:rPr lang="en-US" smtClean="0"/>
-              <a:t>Third level</a:t>
-            </a:r>
-          </a:p>
-          <a:p>
-            <a:pPr lvl="3"/>
-            <a:r>
-              <a:rPr lang="en-US" smtClean="0"/>
-              <a:t>Fourth level</a:t>
-            </a:r>
-          </a:p>
-          <a:p>
-            <a:pPr lvl="4"/>
-            <a:r>
-              <a:rPr lang="en-US" smtClean="0"/>
-              <a:t>Fifth level</a:t>
-            </a:r>
-            <a:endParaRPr lang="en-AU"/>
-          </a:p>
-        </p:txBody>
-      </p:sp>
-      <p:sp>
-        <p:nvSpPr>
-          <p:cNvPr id="4" name="Date Placeholder 3"/>
-          <p:cNvSpPr>
-            <a:spLocks noGrp="1"/>
-          </p:cNvSpPr>
-          <p:nvPr>
-            <p:ph type="dt" sz="half" idx="2"/>
-          </p:nvPr>
+      </p:pic>
+      <p:sp>
+        <p:nvSpPr>
+          <p:cNvPr id="16" name="Oval 15"/>
+          <p:cNvSpPr/>
+          <p:nvPr/>
         </p:nvSpPr>
         <p:spPr>
           <a:xfrm>
-            <a:off x="838200" y="6356350"/>
-            <a:ext cx="2743200" cy="365125"/>
+            <a:off x="8609012" y="1676400"/>
+            <a:ext cx="2819400" cy="2819400"/>
+          </a:xfrm>
+          <a:prstGeom prst="ellipse">
+            <a:avLst/>
+          </a:prstGeom>
+          <a:gradFill flip="none" rotWithShape="1">
+            <a:gsLst>
+              <a:gs pos="0">
+                <a:schemeClr val="bg2">
+                  <a:lumMod val="60000"/>
+                  <a:lumOff val="40000"/>
+                  <a:alpha val="7000"/>
+                </a:schemeClr>
+              </a:gs>
+              <a:gs pos="69000">
+                <a:schemeClr val="bg2">
+                  <a:lumMod val="60000"/>
+                  <a:lumOff val="40000"/>
+                  <a:alpha val="0"/>
+                </a:schemeClr>
+              </a:gs>
+              <a:gs pos="36000">
+                <a:schemeClr val="bg2">
+                  <a:lumMod val="60000"/>
+                  <a:lumOff val="40000"/>
+                  <a:alpha val="6000"/>
+                </a:schemeClr>
+              </a:gs>
+            </a:gsLst>
+            <a:path path="circle">
+              <a:fillToRect l="50000" t="50000" r="50000" b="50000"/>
+            </a:path>
+            <a:tileRect/>
+          </a:gradFill>
+          <a:ln>
+            <a:noFill/>
+          </a:ln>
+          <a:effectLst/>
+        </p:spPr>
+        <p:style>
+          <a:lnRef idx="1">
+            <a:schemeClr val="accent1"/>
+          </a:lnRef>
+          <a:fillRef idx="3">
+            <a:schemeClr val="accent1"/>
+          </a:fillRef>
+          <a:effectRef idx="2">
+            <a:schemeClr val="accent1"/>
+          </a:effectRef>
+          <a:fontRef idx="minor">
+            <a:schemeClr val="lt1"/>
+          </a:fontRef>
+        </p:style>
+      </p:sp>
+      <p:pic>
+        <p:nvPicPr>
+          <p:cNvPr id="9" name="Picture 8"/>
+          <p:cNvPicPr>
+            <a:picLocks noChangeAspect="1"/>
+          </p:cNvPicPr>
+          <p:nvPr/>
+        </p:nvPicPr>
+        <p:blipFill rotWithShape="1">
+          <a:blip r:embed="rId21">
+            <a:extLst>
+              <a:ext uri="{28A0092B-C50C-407E-A947-70E740481C1C}">
+                <a14:useLocalDpi xmlns:a14="http://schemas.microsoft.com/office/drawing/2010/main" val="0"/>
+              </a:ext>
+            </a:extLst>
+          </a:blip>
+          <a:srcRect t="28813"/>
+          <a:stretch/>
+        </p:blipFill>
+        <p:spPr>
+          <a:xfrm>
+            <a:off x="7999412" y="0"/>
+            <a:ext cx="1603387" cy="1141407"/>
           </a:xfrm>
           <a:prstGeom prst="rect">
             <a:avLst/>
           </a:prstGeom>
         </p:spPr>
-        <p:txBody>
-          <a:bodyPr vert="horz" lIns="91440" tIns="45720" rIns="91440" bIns="45720" rtlCol="0" anchor="ctr"/>
+      </p:pic>
+      <p:pic>
+        <p:nvPicPr>
+          <p:cNvPr id="10" name="Picture 9"/>
+          <p:cNvPicPr>
+            <a:picLocks noChangeAspect="1"/>
+          </p:cNvPicPr>
+          <p:nvPr/>
+        </p:nvPicPr>
+        <p:blipFill rotWithShape="1">
+          <a:blip r:embed="rId22">
+            <a:extLst>
+              <a:ext uri="{28A0092B-C50C-407E-A947-70E740481C1C}">
+                <a14:useLocalDpi xmlns:a14="http://schemas.microsoft.com/office/drawing/2010/main" val="0"/>
+              </a:ext>
+            </a:extLst>
+          </a:blip>
+          <a:srcRect b="23320"/>
+          <a:stretch/>
+        </p:blipFill>
+        <p:spPr>
+          <a:xfrm>
+            <a:off x="8605878" y="6096000"/>
+            <a:ext cx="993734" cy="762000"/>
+          </a:xfrm>
+          <a:prstGeom prst="rect">
+            <a:avLst/>
+          </a:prstGeom>
+        </p:spPr>
+      </p:pic>
+      <p:sp>
+        <p:nvSpPr>
+          <p:cNvPr id="14" name="Rectangle 13"/>
+          <p:cNvSpPr/>
+          <p:nvPr/>
+        </p:nvSpPr>
+        <p:spPr>
+          <a:xfrm>
+            <a:off x="10437812" y="0"/>
+            <a:ext cx="685800" cy="1143000"/>
+          </a:xfrm>
+          <a:prstGeom prst="rect">
+            <a:avLst/>
+          </a:prstGeom>
+          <a:solidFill>
+            <a:schemeClr val="accent1"/>
+          </a:solidFill>
+          <a:ln>
+            <a:noFill/>
+          </a:ln>
+        </p:spPr>
+        <p:style>
+          <a:lnRef idx="1">
+            <a:schemeClr val="accent1"/>
+          </a:lnRef>
+          <a:fillRef idx="3">
+            <a:schemeClr val="accent1"/>
+          </a:fillRef>
+          <a:effectRef idx="2">
+            <a:schemeClr val="accent1"/>
+          </a:effectRef>
+          <a:fontRef idx="minor">
+            <a:schemeClr val="lt1"/>
+          </a:fontRef>
+        </p:style>
+      </p:sp>
+      <p:sp>
+        <p:nvSpPr>
+          <p:cNvPr id="2" name="Title Placeholder 1"/>
+          <p:cNvSpPr>
+            <a:spLocks noGrp="1"/>
+          </p:cNvSpPr>
+          <p:nvPr>
+            <p:ph type="title"/>
+          </p:nvPr>
+        </p:nvSpPr>
+        <p:spPr>
+          <a:xfrm>
+            <a:off x="646111" y="452718"/>
+            <a:ext cx="9404723" cy="1400530"/>
+          </a:xfrm>
+          <a:prstGeom prst="rect">
+            <a:avLst/>
+          </a:prstGeom>
+        </p:spPr>
+        <p:txBody>
+          <a:bodyPr vert="horz" lIns="91440" tIns="45720" rIns="91440" bIns="45720" rtlCol="0" anchor="t">
+            <a:noAutofit/>
+          </a:bodyPr>
+          <a:lstStyle/>
+          <a:p>
+            <a:r>
+              <a:rPr lang="en-US" smtClean="0"/>
+              <a:t>Click to edit Master title style</a:t>
+            </a:r>
+            <a:endParaRPr lang="en-US" dirty="0"/>
+          </a:p>
+        </p:txBody>
+      </p:sp>
+      <p:sp>
+        <p:nvSpPr>
+          <p:cNvPr id="3" name="Text Placeholder 2"/>
+          <p:cNvSpPr>
+            <a:spLocks noGrp="1"/>
+          </p:cNvSpPr>
+          <p:nvPr>
+            <p:ph type="body" idx="1"/>
+          </p:nvPr>
+        </p:nvSpPr>
+        <p:spPr>
+          <a:xfrm>
+            <a:off x="1103312" y="2052918"/>
+            <a:ext cx="8946541" cy="4195481"/>
+          </a:xfrm>
+          <a:prstGeom prst="rect">
+            <a:avLst/>
+          </a:prstGeom>
+        </p:spPr>
+        <p:txBody>
+          <a:bodyPr vert="horz" lIns="91440" tIns="45720" rIns="91440" bIns="45720" rtlCol="0">
+            <a:normAutofit/>
+          </a:bodyPr>
+          <a:lstStyle/>
+          <a:p>
+            <a:pPr lvl="0"/>
+            <a:r>
+              <a:rPr lang="en-US" smtClean="0"/>
+              <a:t>Click to edit Master text styles</a:t>
+            </a:r>
+          </a:p>
+          <a:p>
+            <a:pPr lvl="1"/>
+            <a:r>
+              <a:rPr lang="en-US" smtClean="0"/>
+              <a:t>Second level</a:t>
+            </a:r>
+          </a:p>
+          <a:p>
+            <a:pPr lvl="2"/>
+            <a:r>
+              <a:rPr lang="en-US" smtClean="0"/>
+              <a:t>Third level</a:t>
+            </a:r>
+          </a:p>
+          <a:p>
+            <a:pPr lvl="3"/>
+            <a:r>
+              <a:rPr lang="en-US" smtClean="0"/>
+              <a:t>Fourth level</a:t>
+            </a:r>
+          </a:p>
+          <a:p>
+            <a:pPr lvl="4"/>
+            <a:r>
+              <a:rPr lang="en-US" smtClean="0"/>
+              <a:t>Fifth level</a:t>
+            </a:r>
+            <a:endParaRPr lang="en-US" dirty="0"/>
+          </a:p>
+        </p:txBody>
+      </p:sp>
+      <p:sp>
+        <p:nvSpPr>
+          <p:cNvPr id="4" name="Date Placeholder 3"/>
+          <p:cNvSpPr>
+            <a:spLocks noGrp="1"/>
+          </p:cNvSpPr>
+          <p:nvPr>
+            <p:ph type="dt" sz="half" idx="2"/>
+          </p:nvPr>
+        </p:nvSpPr>
+        <p:spPr>
+          <a:xfrm rot="5400000">
+            <a:off x="10155639" y="1790701"/>
+            <a:ext cx="990599" cy="304799"/>
+          </a:xfrm>
+          <a:prstGeom prst="rect">
+            <a:avLst/>
+          </a:prstGeom>
+        </p:spPr>
+        <p:txBody>
+          <a:bodyPr vert="horz" lIns="91440" tIns="45720" rIns="91440" bIns="45720" rtlCol="0" anchor="t"/>
           <a:lstStyle>
             <a:lvl1pPr algn="l">
-              <a:defRPr sz="1200">
+              <a:defRPr sz="1100" b="0" i="0">
+                <a:solidFill>
+                  <a:schemeClr val="tx1">
+                    <a:tint val="75000"/>
+                    <a:alpha val="60000"/>
+                  </a:schemeClr>
+                </a:solidFill>
+              </a:defRPr>
+            </a:lvl1pPr>
+          </a:lstStyle>
+          <a:p>
+            <a:fld id="{B61F3786-CE44-4BCC-AFE0-DA4E5B49D7AC}" type="datetimeFigureOut">
+              <a:rPr lang="en-AU" smtClean="0"/>
+              <a:t>6/07/2016</a:t>
+            </a:fld>
+            <a:endParaRPr lang="en-AU"/>
+          </a:p>
+        </p:txBody>
+      </p:sp>
+      <p:sp>
+        <p:nvSpPr>
+          <p:cNvPr id="5" name="Footer Placeholder 4"/>
+          <p:cNvSpPr>
+            <a:spLocks noGrp="1"/>
+          </p:cNvSpPr>
+          <p:nvPr>
+            <p:ph type="ftr" sz="quarter" idx="3"/>
+          </p:nvPr>
+        </p:nvSpPr>
+        <p:spPr>
+          <a:xfrm rot="5400000">
+            <a:off x="8951573" y="3225297"/>
+            <a:ext cx="3859795" cy="304801"/>
+          </a:xfrm>
+          <a:prstGeom prst="rect">
+            <a:avLst/>
+          </a:prstGeom>
+        </p:spPr>
+        <p:txBody>
+          <a:bodyPr vert="horz" lIns="91440" tIns="45720" rIns="91440" bIns="45720" rtlCol="0" anchor="b"/>
+          <a:lstStyle>
+            <a:lvl1pPr algn="l">
+              <a:defRPr sz="1100" b="0" i="0">
+                <a:solidFill>
+                  <a:schemeClr val="tx1">
+                    <a:tint val="75000"/>
+                    <a:alpha val="60000"/>
+                  </a:schemeClr>
+                </a:solidFill>
+              </a:defRPr>
+            </a:lvl1pPr>
+          </a:lstStyle>
+          <a:p>
+            <a:endParaRPr lang="en-AU"/>
+          </a:p>
+        </p:txBody>
+      </p:sp>
+      <p:sp>
+        <p:nvSpPr>
+          <p:cNvPr id="6" name="Slide Number Placeholder 5"/>
+          <p:cNvSpPr>
+            <a:spLocks noGrp="1"/>
+          </p:cNvSpPr>
+          <p:nvPr>
+            <p:ph type="sldNum" sz="quarter" idx="4"/>
+          </p:nvPr>
+        </p:nvSpPr>
+        <p:spPr bwMode="gray">
+          <a:xfrm>
+            <a:off x="10352540" y="295729"/>
+            <a:ext cx="838199" cy="767687"/>
+          </a:xfrm>
+          <a:prstGeom prst="rect">
+            <a:avLst/>
+          </a:prstGeom>
+        </p:spPr>
+        <p:txBody>
+          <a:bodyPr vert="horz" lIns="91440" tIns="45720" rIns="91440" bIns="45720" rtlCol="0" anchor="b"/>
+          <a:lstStyle>
+            <a:lvl1pPr algn="ctr">
+              <a:defRPr sz="2800" b="0" i="0">
                 <a:solidFill>
                   <a:schemeClr val="tx1">
                     <a:tint val="75000"/>
@@ -2568,84 +5651,6 @@
             </a:lvl1pPr>
           </a:lstStyle>
           <a:p>
-            <a:fld id="{B61F3786-CE44-4BCC-AFE0-DA4E5B49D7AC}" type="datetimeFigureOut">
-              <a:rPr lang="en-AU" smtClean="0"/>
-              <a:t>7/06/2016</a:t>
-            </a:fld>
-            <a:endParaRPr lang="en-AU"/>
-          </a:p>
-        </p:txBody>
-      </p:sp>
-      <p:sp>
-        <p:nvSpPr>
-          <p:cNvPr id="5" name="Footer Placeholder 4"/>
-          <p:cNvSpPr>
-            <a:spLocks noGrp="1"/>
-          </p:cNvSpPr>
-          <p:nvPr>
-            <p:ph type="ftr" sz="quarter" idx="3"/>
-          </p:nvPr>
-        </p:nvSpPr>
-        <p:spPr>
-          <a:xfrm>
-            <a:off x="4038600" y="6356350"/>
-            <a:ext cx="4114800" cy="365125"/>
-          </a:xfrm>
-          <a:prstGeom prst="rect">
-            <a:avLst/>
-          </a:prstGeom>
-        </p:spPr>
-        <p:txBody>
-          <a:bodyPr vert="horz" lIns="91440" tIns="45720" rIns="91440" bIns="45720" rtlCol="0" anchor="ctr"/>
-          <a:lstStyle>
-            <a:lvl1pPr algn="ctr">
-              <a:defRPr sz="1200">
-                <a:solidFill>
-                  <a:schemeClr val="tx1">
-                    <a:tint val="75000"/>
-                  </a:schemeClr>
-                </a:solidFill>
-              </a:defRPr>
-            </a:lvl1pPr>
-          </a:lstStyle>
-          <a:p>
-            <a:endParaRPr lang="en-AU"/>
-          </a:p>
-        </p:txBody>
-      </p:sp>
-      <p:sp>
-        <p:nvSpPr>
-          <p:cNvPr id="6" name="Slide Number Placeholder 5"/>
-          <p:cNvSpPr>
-            <a:spLocks noGrp="1"/>
-          </p:cNvSpPr>
-          <p:nvPr>
-            <p:ph type="sldNum" sz="quarter" idx="4"/>
-          </p:nvPr>
-        </p:nvSpPr>
-        <p:spPr>
-          <a:xfrm>
-            <a:off x="8610600" y="6356350"/>
-            <a:ext cx="2743200" cy="365125"/>
-          </a:xfrm>
-          <a:prstGeom prst="rect">
-            <a:avLst/>
-          </a:prstGeom>
-        </p:spPr>
-        <p:txBody>
-          <a:bodyPr vert="horz" lIns="91440" tIns="45720" rIns="91440" bIns="45720" rtlCol="0" anchor="ctr"/>
-          <a:lstStyle>
-            <a:lvl1pPr algn="r">
-              <a:defRPr sz="1200">
-                <a:solidFill>
-                  <a:schemeClr val="tx1">
-                    <a:tint val="75000"/>
-                  </a:schemeClr>
-                </a:solidFill>
-              </a:defRPr>
-            </a:lvl1pPr>
-          </a:lstStyle>
-          <a:p>
             <a:fld id="{6F2C1ED3-0260-40A1-A7FF-99F4875748F2}" type="slidenum">
               <a:rPr lang="en-AU" smtClean="0"/>
               <a:t>‹#›</a:t>
@@ -2657,35 +5662,121 @@
     </p:spTree>
     <p:extLst>
       <p:ext uri="{BB962C8B-B14F-4D97-AF65-F5344CB8AC3E}">
-        <p14:creationId xmlns:p14="http://schemas.microsoft.com/office/powerpoint/2010/main" val="2640029938"/>
+        <p14:creationId xmlns:p14="http://schemas.microsoft.com/office/powerpoint/2010/main" val="975460673"/>
       </p:ext>
     </p:extLst>
   </p:cSld>
-  <p:clrMap bg1="lt1" tx1="dk1" bg2="lt2" tx2="dk2" accent1="accent1" accent2="accent2" accent3="accent3" accent4="accent4" accent5="accent5" accent6="accent6" hlink="hlink" folHlink="folHlink"/>
+  <p:clrMap bg1="dk1" tx1="lt1" bg2="dk2" tx2="lt2" accent1="accent1" accent2="accent2" accent3="accent3" accent4="accent4" accent5="accent5" accent6="accent6" hlink="hlink" folHlink="folHlink"/>
   <p:sldLayoutIdLst>
-    <p:sldLayoutId id="2147483649" r:id="rId1"/>
-    <p:sldLayoutId id="2147483650" r:id="rId2"/>
-    <p:sldLayoutId id="2147483651" r:id="rId3"/>
-    <p:sldLayoutId id="2147483652" r:id="rId4"/>
-    <p:sldLayoutId id="2147483653" r:id="rId5"/>
-    <p:sldLayoutId id="2147483654" r:id="rId6"/>
-    <p:sldLayoutId id="2147483655" r:id="rId7"/>
-    <p:sldLayoutId id="2147483656" r:id="rId8"/>
-    <p:sldLayoutId id="2147483657" r:id="rId9"/>
-    <p:sldLayoutId id="2147483658" r:id="rId10"/>
-    <p:sldLayoutId id="2147483659" r:id="rId11"/>
+    <p:sldLayoutId id="2147483661" r:id="rId1"/>
+    <p:sldLayoutId id="2147483662" r:id="rId2"/>
+    <p:sldLayoutId id="2147483663" r:id="rId3"/>
+    <p:sldLayoutId id="2147483664" r:id="rId4"/>
+    <p:sldLayoutId id="2147483665" r:id="rId5"/>
+    <p:sldLayoutId id="2147483666" r:id="rId6"/>
+    <p:sldLayoutId id="2147483667" r:id="rId7"/>
+    <p:sldLayoutId id="2147483668" r:id="rId8"/>
+    <p:sldLayoutId id="2147483669" r:id="rId9"/>
+    <p:sldLayoutId id="2147483670" r:id="rId10"/>
+    <p:sldLayoutId id="2147483671" r:id="rId11"/>
+    <p:sldLayoutId id="2147483672" r:id="rId12"/>
+    <p:sldLayoutId id="2147483673" r:id="rId13"/>
+    <p:sldLayoutId id="2147483674" r:id="rId14"/>
+    <p:sldLayoutId id="2147483675" r:id="rId15"/>
+    <p:sldLayoutId id="2147483676" r:id="rId16"/>
+    <p:sldLayoutId id="2147483677" r:id="rId17"/>
   </p:sldLayoutIdLst>
   <p:txStyles>
     <p:titleStyle>
-      <a:lvl1pPr algn="l" defTabSz="914400" rtl="0" eaLnBrk="1" latinLnBrk="0" hangingPunct="1">
-        <a:lnSpc>
-          <a:spcPct val="90000"/>
-        </a:lnSpc>
+      <a:lvl1pPr algn="l" defTabSz="457200" rtl="0" eaLnBrk="1" latinLnBrk="0" hangingPunct="1">
         <a:spcBef>
           <a:spcPct val="0"/>
         </a:spcBef>
         <a:buNone/>
-        <a:defRPr sz="4400" kern="1200">
+        <a:defRPr sz="4200" b="0" i="0" kern="1200">
+          <a:solidFill>
+            <a:schemeClr val="tx2"/>
+          </a:solidFill>
+          <a:latin typeface="+mj-lt"/>
+          <a:ea typeface="+mj-ea"/>
+          <a:cs typeface="+mj-cs"/>
+        </a:defRPr>
+      </a:lvl1pPr>
+      <a:lvl2pPr eaLnBrk="1" hangingPunct="1">
+        <a:defRPr>
+          <a:solidFill>
+            <a:schemeClr val="tx2"/>
+          </a:solidFill>
+        </a:defRPr>
+      </a:lvl2pPr>
+      <a:lvl3pPr eaLnBrk="1" hangingPunct="1">
+        <a:defRPr>
+          <a:solidFill>
+            <a:schemeClr val="tx2"/>
+          </a:solidFill>
+        </a:defRPr>
+      </a:lvl3pPr>
+      <a:lvl4pPr eaLnBrk="1" hangingPunct="1">
+        <a:defRPr>
+          <a:solidFill>
+            <a:schemeClr val="tx2"/>
+          </a:solidFill>
+        </a:defRPr>
+      </a:lvl4pPr>
+      <a:lvl5pPr eaLnBrk="1" hangingPunct="1">
+        <a:defRPr>
+          <a:solidFill>
+            <a:schemeClr val="tx2"/>
+          </a:solidFill>
+        </a:defRPr>
+      </a:lvl5pPr>
+      <a:lvl6pPr eaLnBrk="1" hangingPunct="1">
+        <a:defRPr>
+          <a:solidFill>
+            <a:schemeClr val="tx2"/>
+          </a:solidFill>
+        </a:defRPr>
+      </a:lvl6pPr>
+      <a:lvl7pPr eaLnBrk="1" hangingPunct="1">
+        <a:defRPr>
+          <a:solidFill>
+            <a:schemeClr val="tx2"/>
+          </a:solidFill>
+        </a:defRPr>
+      </a:lvl7pPr>
+      <a:lvl8pPr eaLnBrk="1" hangingPunct="1">
+        <a:defRPr>
+          <a:solidFill>
+            <a:schemeClr val="tx2"/>
+          </a:solidFill>
+        </a:defRPr>
+      </a:lvl8pPr>
+      <a:lvl9pPr eaLnBrk="1" hangingPunct="1">
+        <a:defRPr>
+          <a:solidFill>
+            <a:schemeClr val="tx2"/>
+          </a:solidFill>
+        </a:defRPr>
+      </a:lvl9pPr>
+    </p:titleStyle>
+    <p:bodyStyle>
+      <a:lvl1pPr marL="342900" indent="-342900" algn="l" defTabSz="457200" rtl="0" eaLnBrk="1" latinLnBrk="0" hangingPunct="1">
+        <a:spcBef>
+          <a:spcPts val="1000"/>
+        </a:spcBef>
+        <a:spcAft>
+          <a:spcPts val="0"/>
+        </a:spcAft>
+        <a:buClr>
+          <a:schemeClr val="bg2">
+            <a:lumMod val="40000"/>
+            <a:lumOff val="60000"/>
+          </a:schemeClr>
+        </a:buClr>
+        <a:buSzPct val="80000"/>
+        <a:buFont typeface="Wingdings 3" charset="2"/>
+        <a:buChar char=""/>
+        <a:defRPr sz="2000" b="0" i="0" kern="1200">
           <a:solidFill>
             <a:schemeClr val="tx1"/>
           </a:solidFill>
@@ -2694,18 +5785,213 @@
           <a:cs typeface="+mj-cs"/>
         </a:defRPr>
       </a:lvl1pPr>
-    </p:titleStyle>
-    <p:bodyStyle>
-      <a:lvl1pPr marL="228600" indent="-228600" algn="l" defTabSz="914400" rtl="0" eaLnBrk="1" latinLnBrk="0" hangingPunct="1">
-        <a:lnSpc>
-          <a:spcPct val="90000"/>
-        </a:lnSpc>
+      <a:lvl2pPr marL="742950" indent="-285750" algn="l" defTabSz="457200" rtl="0" eaLnBrk="1" latinLnBrk="0" hangingPunct="1">
         <a:spcBef>
           <a:spcPts val="1000"/>
         </a:spcBef>
-        <a:buFont typeface="Arial" panose="020B0604020202020204" pitchFamily="34" charset="0"/>
-        <a:buChar char="•"/>
-        <a:defRPr sz="2800" kern="1200">
+        <a:spcAft>
+          <a:spcPts val="0"/>
+        </a:spcAft>
+        <a:buClr>
+          <a:schemeClr val="bg2">
+            <a:lumMod val="40000"/>
+            <a:lumOff val="60000"/>
+          </a:schemeClr>
+        </a:buClr>
+        <a:buSzPct val="80000"/>
+        <a:buFont typeface="Wingdings 3" charset="2"/>
+        <a:buChar char=""/>
+        <a:defRPr sz="1800" b="0" i="0" kern="1200">
+          <a:solidFill>
+            <a:schemeClr val="tx1"/>
+          </a:solidFill>
+          <a:latin typeface="+mj-lt"/>
+          <a:ea typeface="+mj-ea"/>
+          <a:cs typeface="+mj-cs"/>
+        </a:defRPr>
+      </a:lvl2pPr>
+      <a:lvl3pPr marL="1143000" indent="-228600" algn="l" defTabSz="457200" rtl="0" eaLnBrk="1" latinLnBrk="0" hangingPunct="1">
+        <a:spcBef>
+          <a:spcPts val="1000"/>
+        </a:spcBef>
+        <a:spcAft>
+          <a:spcPts val="0"/>
+        </a:spcAft>
+        <a:buClr>
+          <a:schemeClr val="bg2">
+            <a:lumMod val="40000"/>
+            <a:lumOff val="60000"/>
+          </a:schemeClr>
+        </a:buClr>
+        <a:buSzPct val="80000"/>
+        <a:buFont typeface="Wingdings 3" charset="2"/>
+        <a:buChar char=""/>
+        <a:defRPr sz="1600" b="0" i="0" kern="1200">
+          <a:solidFill>
+            <a:schemeClr val="tx1"/>
+          </a:solidFill>
+          <a:latin typeface="+mj-lt"/>
+          <a:ea typeface="+mj-ea"/>
+          <a:cs typeface="+mj-cs"/>
+        </a:defRPr>
+      </a:lvl3pPr>
+      <a:lvl4pPr marL="1600200" indent="-228600" algn="l" defTabSz="457200" rtl="0" eaLnBrk="1" latinLnBrk="0" hangingPunct="1">
+        <a:spcBef>
+          <a:spcPts val="1000"/>
+        </a:spcBef>
+        <a:spcAft>
+          <a:spcPts val="0"/>
+        </a:spcAft>
+        <a:buClr>
+          <a:schemeClr val="bg2">
+            <a:lumMod val="40000"/>
+            <a:lumOff val="60000"/>
+          </a:schemeClr>
+        </a:buClr>
+        <a:buSzPct val="80000"/>
+        <a:buFont typeface="Wingdings 3" charset="2"/>
+        <a:buChar char=""/>
+        <a:defRPr sz="1400" b="0" i="0" kern="1200">
+          <a:solidFill>
+            <a:schemeClr val="tx1"/>
+          </a:solidFill>
+          <a:latin typeface="+mj-lt"/>
+          <a:ea typeface="+mj-ea"/>
+          <a:cs typeface="+mj-cs"/>
+        </a:defRPr>
+      </a:lvl4pPr>
+      <a:lvl5pPr marL="2057400" indent="-228600" algn="l" defTabSz="457200" rtl="0" eaLnBrk="1" latinLnBrk="0" hangingPunct="1">
+        <a:spcBef>
+          <a:spcPts val="1000"/>
+        </a:spcBef>
+        <a:spcAft>
+          <a:spcPts val="0"/>
+        </a:spcAft>
+        <a:buClr>
+          <a:schemeClr val="bg2">
+            <a:lumMod val="40000"/>
+            <a:lumOff val="60000"/>
+          </a:schemeClr>
+        </a:buClr>
+        <a:buSzPct val="80000"/>
+        <a:buFont typeface="Wingdings 3" charset="2"/>
+        <a:buChar char=""/>
+        <a:defRPr sz="1400" b="0" i="0" kern="1200">
+          <a:solidFill>
+            <a:schemeClr val="tx1"/>
+          </a:solidFill>
+          <a:latin typeface="+mj-lt"/>
+          <a:ea typeface="+mj-ea"/>
+          <a:cs typeface="+mj-cs"/>
+        </a:defRPr>
+      </a:lvl5pPr>
+      <a:lvl6pPr marL="2506000" indent="-228600" algn="l" defTabSz="457200" rtl="0" eaLnBrk="1" latinLnBrk="0" hangingPunct="1">
+        <a:spcBef>
+          <a:spcPts val="1000"/>
+        </a:spcBef>
+        <a:spcAft>
+          <a:spcPts val="0"/>
+        </a:spcAft>
+        <a:buClr>
+          <a:schemeClr val="bg2">
+            <a:lumMod val="40000"/>
+            <a:lumOff val="60000"/>
+          </a:schemeClr>
+        </a:buClr>
+        <a:buSzPct val="80000"/>
+        <a:buFont typeface="Wingdings 3" charset="2"/>
+        <a:buChar char=""/>
+        <a:defRPr sz="1400" b="0" i="0" kern="1200">
+          <a:solidFill>
+            <a:schemeClr val="tx1"/>
+          </a:solidFill>
+          <a:latin typeface="+mj-lt"/>
+          <a:ea typeface="+mj-ea"/>
+          <a:cs typeface="+mj-cs"/>
+        </a:defRPr>
+      </a:lvl6pPr>
+      <a:lvl7pPr marL="2971800" indent="-228600" algn="l" defTabSz="457200" rtl="0" eaLnBrk="1" latinLnBrk="0" hangingPunct="1">
+        <a:spcBef>
+          <a:spcPts val="1000"/>
+        </a:spcBef>
+        <a:spcAft>
+          <a:spcPts val="0"/>
+        </a:spcAft>
+        <a:buClr>
+          <a:schemeClr val="bg2">
+            <a:lumMod val="40000"/>
+            <a:lumOff val="60000"/>
+          </a:schemeClr>
+        </a:buClr>
+        <a:buSzPct val="80000"/>
+        <a:buFont typeface="Wingdings 3" charset="2"/>
+        <a:buChar char=""/>
+        <a:defRPr sz="1400" b="0" i="0" kern="1200">
+          <a:solidFill>
+            <a:schemeClr val="tx1"/>
+          </a:solidFill>
+          <a:latin typeface="+mj-lt"/>
+          <a:ea typeface="+mj-ea"/>
+          <a:cs typeface="+mj-cs"/>
+        </a:defRPr>
+      </a:lvl7pPr>
+      <a:lvl8pPr marL="3429000" indent="-228600" algn="l" defTabSz="457200" rtl="0" eaLnBrk="1" latinLnBrk="0" hangingPunct="1">
+        <a:spcBef>
+          <a:spcPts val="1000"/>
+        </a:spcBef>
+        <a:spcAft>
+          <a:spcPts val="0"/>
+        </a:spcAft>
+        <a:buClr>
+          <a:schemeClr val="bg2">
+            <a:lumMod val="40000"/>
+            <a:lumOff val="60000"/>
+          </a:schemeClr>
+        </a:buClr>
+        <a:buSzPct val="80000"/>
+        <a:buFont typeface="Wingdings 3" charset="2"/>
+        <a:buChar char=""/>
+        <a:defRPr sz="1400" b="0" i="0" kern="1200">
+          <a:solidFill>
+            <a:schemeClr val="tx1"/>
+          </a:solidFill>
+          <a:latin typeface="+mj-lt"/>
+          <a:ea typeface="+mj-ea"/>
+          <a:cs typeface="+mj-cs"/>
+        </a:defRPr>
+      </a:lvl8pPr>
+      <a:lvl9pPr marL="3886200" indent="-228600" algn="l" defTabSz="457200" rtl="0" eaLnBrk="1" latinLnBrk="0" hangingPunct="1">
+        <a:spcBef>
+          <a:spcPts val="1000"/>
+        </a:spcBef>
+        <a:spcAft>
+          <a:spcPts val="0"/>
+        </a:spcAft>
+        <a:buClr>
+          <a:schemeClr val="bg2">
+            <a:lumMod val="40000"/>
+            <a:lumOff val="60000"/>
+          </a:schemeClr>
+        </a:buClr>
+        <a:buSzPct val="80000"/>
+        <a:buFont typeface="Wingdings 3" charset="2"/>
+        <a:buChar char=""/>
+        <a:defRPr sz="1400" b="0" i="0" kern="1200">
+          <a:solidFill>
+            <a:schemeClr val="tx1"/>
+          </a:solidFill>
+          <a:latin typeface="+mj-lt"/>
+          <a:ea typeface="+mj-ea"/>
+          <a:cs typeface="+mj-cs"/>
+        </a:defRPr>
+      </a:lvl9pPr>
+    </p:bodyStyle>
+    <p:otherStyle>
+      <a:defPPr>
+        <a:defRPr lang="en-US"/>
+      </a:defPPr>
+      <a:lvl1pPr marL="0" algn="l" defTabSz="457200" rtl="0" eaLnBrk="1" latinLnBrk="0" hangingPunct="1">
+        <a:defRPr sz="1800" kern="1200">
           <a:solidFill>
             <a:schemeClr val="tx1"/>
           </a:solidFill>
@@ -2714,16 +6000,8 @@
           <a:cs typeface="+mn-cs"/>
         </a:defRPr>
       </a:lvl1pPr>
-      <a:lvl2pPr marL="685800" indent="-228600" algn="l" defTabSz="914400" rtl="0" eaLnBrk="1" latinLnBrk="0" hangingPunct="1">
-        <a:lnSpc>
-          <a:spcPct val="90000"/>
-        </a:lnSpc>
-        <a:spcBef>
-          <a:spcPts val="500"/>
-        </a:spcBef>
-        <a:buFont typeface="Arial" panose="020B0604020202020204" pitchFamily="34" charset="0"/>
-        <a:buChar char="•"/>
-        <a:defRPr sz="2400" kern="1200">
+      <a:lvl2pPr marL="457200" algn="l" defTabSz="457200" rtl="0" eaLnBrk="1" latinLnBrk="0" hangingPunct="1">
+        <a:defRPr sz="1800" kern="1200">
           <a:solidFill>
             <a:schemeClr val="tx1"/>
           </a:solidFill>
@@ -2732,16 +6010,8 @@
           <a:cs typeface="+mn-cs"/>
         </a:defRPr>
       </a:lvl2pPr>
-      <a:lvl3pPr marL="1143000" indent="-228600" algn="l" defTabSz="914400" rtl="0" eaLnBrk="1" latinLnBrk="0" hangingPunct="1">
-        <a:lnSpc>
-          <a:spcPct val="90000"/>
-        </a:lnSpc>
-        <a:spcBef>
-          <a:spcPts val="500"/>
-        </a:spcBef>
-        <a:buFont typeface="Arial" panose="020B0604020202020204" pitchFamily="34" charset="0"/>
-        <a:buChar char="•"/>
-        <a:defRPr sz="2000" kern="1200">
+      <a:lvl3pPr marL="914400" algn="l" defTabSz="457200" rtl="0" eaLnBrk="1" latinLnBrk="0" hangingPunct="1">
+        <a:defRPr sz="1800" kern="1200">
           <a:solidFill>
             <a:schemeClr val="tx1"/>
           </a:solidFill>
@@ -2750,15 +6020,7 @@
           <a:cs typeface="+mn-cs"/>
         </a:defRPr>
       </a:lvl3pPr>
-      <a:lvl4pPr marL="1600200" indent="-228600" algn="l" defTabSz="914400" rtl="0" eaLnBrk="1" latinLnBrk="0" hangingPunct="1">
-        <a:lnSpc>
-          <a:spcPct val="90000"/>
-        </a:lnSpc>
-        <a:spcBef>
-          <a:spcPts val="500"/>
-        </a:spcBef>
-        <a:buFont typeface="Arial" panose="020B0604020202020204" pitchFamily="34" charset="0"/>
-        <a:buChar char="•"/>
+      <a:lvl4pPr marL="1371600" algn="l" defTabSz="457200" rtl="0" eaLnBrk="1" latinLnBrk="0" hangingPunct="1">
         <a:defRPr sz="1800" kern="1200">
           <a:solidFill>
             <a:schemeClr val="tx1"/>
@@ -2768,15 +6030,7 @@
           <a:cs typeface="+mn-cs"/>
         </a:defRPr>
       </a:lvl4pPr>
-      <a:lvl5pPr marL="2057400" indent="-228600" algn="l" defTabSz="914400" rtl="0" eaLnBrk="1" latinLnBrk="0" hangingPunct="1">
-        <a:lnSpc>
-          <a:spcPct val="90000"/>
-        </a:lnSpc>
-        <a:spcBef>
-          <a:spcPts val="500"/>
-        </a:spcBef>
-        <a:buFont typeface="Arial" panose="020B0604020202020204" pitchFamily="34" charset="0"/>
-        <a:buChar char="•"/>
+      <a:lvl5pPr marL="1828800" algn="l" defTabSz="457200" rtl="0" eaLnBrk="1" latinLnBrk="0" hangingPunct="1">
         <a:defRPr sz="1800" kern="1200">
           <a:solidFill>
             <a:schemeClr val="tx1"/>
@@ -2786,15 +6040,7 @@
           <a:cs typeface="+mn-cs"/>
         </a:defRPr>
       </a:lvl5pPr>
-      <a:lvl6pPr marL="2514600" indent="-228600" algn="l" defTabSz="914400" rtl="0" eaLnBrk="1" latinLnBrk="0" hangingPunct="1">
-        <a:lnSpc>
-          <a:spcPct val="90000"/>
-        </a:lnSpc>
-        <a:spcBef>
-          <a:spcPts val="500"/>
-        </a:spcBef>
-        <a:buFont typeface="Arial" panose="020B0604020202020204" pitchFamily="34" charset="0"/>
-        <a:buChar char="•"/>
+      <a:lvl6pPr marL="2286000" algn="l" defTabSz="457200" rtl="0" eaLnBrk="1" latinLnBrk="0" hangingPunct="1">
         <a:defRPr sz="1800" kern="1200">
           <a:solidFill>
             <a:schemeClr val="tx1"/>
@@ -2804,15 +6050,7 @@
           <a:cs typeface="+mn-cs"/>
         </a:defRPr>
       </a:lvl6pPr>
-      <a:lvl7pPr marL="2971800" indent="-228600" algn="l" defTabSz="914400" rtl="0" eaLnBrk="1" latinLnBrk="0" hangingPunct="1">
-        <a:lnSpc>
-          <a:spcPct val="90000"/>
-        </a:lnSpc>
-        <a:spcBef>
-          <a:spcPts val="500"/>
-        </a:spcBef>
-        <a:buFont typeface="Arial" panose="020B0604020202020204" pitchFamily="34" charset="0"/>
-        <a:buChar char="•"/>
+      <a:lvl7pPr marL="2743200" algn="l" defTabSz="457200" rtl="0" eaLnBrk="1" latinLnBrk="0" hangingPunct="1">
         <a:defRPr sz="1800" kern="1200">
           <a:solidFill>
             <a:schemeClr val="tx1"/>
@@ -2822,15 +6060,7 @@
           <a:cs typeface="+mn-cs"/>
         </a:defRPr>
       </a:lvl7pPr>
-      <a:lvl8pPr marL="3429000" indent="-228600" algn="l" defTabSz="914400" rtl="0" eaLnBrk="1" latinLnBrk="0" hangingPunct="1">
-        <a:lnSpc>
-          <a:spcPct val="90000"/>
-        </a:lnSpc>
-        <a:spcBef>
-          <a:spcPts val="500"/>
-        </a:spcBef>
-        <a:buFont typeface="Arial" panose="020B0604020202020204" pitchFamily="34" charset="0"/>
-        <a:buChar char="•"/>
+      <a:lvl8pPr marL="3200400" algn="l" defTabSz="457200" rtl="0" eaLnBrk="1" latinLnBrk="0" hangingPunct="1">
         <a:defRPr sz="1800" kern="1200">
           <a:solidFill>
             <a:schemeClr val="tx1"/>
@@ -2840,110 +6070,7 @@
           <a:cs typeface="+mn-cs"/>
         </a:defRPr>
       </a:lvl8pPr>
-      <a:lvl9pPr marL="3886200" indent="-228600" algn="l" defTabSz="914400" rtl="0" eaLnBrk="1" latinLnBrk="0" hangingPunct="1">
-        <a:lnSpc>
-          <a:spcPct val="90000"/>
-        </a:lnSpc>
-        <a:spcBef>
-          <a:spcPts val="500"/>
-        </a:spcBef>
-        <a:buFont typeface="Arial" panose="020B0604020202020204" pitchFamily="34" charset="0"/>
-        <a:buChar char="•"/>
-        <a:defRPr sz="1800" kern="1200">
-          <a:solidFill>
-            <a:schemeClr val="tx1"/>
-          </a:solidFill>
-          <a:latin typeface="+mn-lt"/>
-          <a:ea typeface="+mn-ea"/>
-          <a:cs typeface="+mn-cs"/>
-        </a:defRPr>
-      </a:lvl9pPr>
-    </p:bodyStyle>
-    <p:otherStyle>
-      <a:defPPr>
-        <a:defRPr lang="en-US"/>
-      </a:defPPr>
-      <a:lvl1pPr marL="0" algn="l" defTabSz="914400" rtl="0" eaLnBrk="1" latinLnBrk="0" hangingPunct="1">
-        <a:defRPr sz="1800" kern="1200">
-          <a:solidFill>
-            <a:schemeClr val="tx1"/>
-          </a:solidFill>
-          <a:latin typeface="+mn-lt"/>
-          <a:ea typeface="+mn-ea"/>
-          <a:cs typeface="+mn-cs"/>
-        </a:defRPr>
-      </a:lvl1pPr>
-      <a:lvl2pPr marL="457200" algn="l" defTabSz="914400" rtl="0" eaLnBrk="1" latinLnBrk="0" hangingPunct="1">
-        <a:defRPr sz="1800" kern="1200">
-          <a:solidFill>
-            <a:schemeClr val="tx1"/>
-          </a:solidFill>
-          <a:latin typeface="+mn-lt"/>
-          <a:ea typeface="+mn-ea"/>
-          <a:cs typeface="+mn-cs"/>
-        </a:defRPr>
-      </a:lvl2pPr>
-      <a:lvl3pPr marL="914400" algn="l" defTabSz="914400" rtl="0" eaLnBrk="1" latinLnBrk="0" hangingPunct="1">
-        <a:defRPr sz="1800" kern="1200">
-          <a:solidFill>
-            <a:schemeClr val="tx1"/>
-          </a:solidFill>
-          <a:latin typeface="+mn-lt"/>
-          <a:ea typeface="+mn-ea"/>
-          <a:cs typeface="+mn-cs"/>
-        </a:defRPr>
-      </a:lvl3pPr>
-      <a:lvl4pPr marL="1371600" algn="l" defTabSz="914400" rtl="0" eaLnBrk="1" latinLnBrk="0" hangingPunct="1">
-        <a:defRPr sz="1800" kern="1200">
-          <a:solidFill>
-            <a:schemeClr val="tx1"/>
-          </a:solidFill>
-          <a:latin typeface="+mn-lt"/>
-          <a:ea typeface="+mn-ea"/>
-          <a:cs typeface="+mn-cs"/>
-        </a:defRPr>
-      </a:lvl4pPr>
-      <a:lvl5pPr marL="1828800" algn="l" defTabSz="914400" rtl="0" eaLnBrk="1" latinLnBrk="0" hangingPunct="1">
-        <a:defRPr sz="1800" kern="1200">
-          <a:solidFill>
-            <a:schemeClr val="tx1"/>
-          </a:solidFill>
-          <a:latin typeface="+mn-lt"/>
-          <a:ea typeface="+mn-ea"/>
-          <a:cs typeface="+mn-cs"/>
-        </a:defRPr>
-      </a:lvl5pPr>
-      <a:lvl6pPr marL="2286000" algn="l" defTabSz="914400" rtl="0" eaLnBrk="1" latinLnBrk="0" hangingPunct="1">
-        <a:defRPr sz="1800" kern="1200">
-          <a:solidFill>
-            <a:schemeClr val="tx1"/>
-          </a:solidFill>
-          <a:latin typeface="+mn-lt"/>
-          <a:ea typeface="+mn-ea"/>
-          <a:cs typeface="+mn-cs"/>
-        </a:defRPr>
-      </a:lvl6pPr>
-      <a:lvl7pPr marL="2743200" algn="l" defTabSz="914400" rtl="0" eaLnBrk="1" latinLnBrk="0" hangingPunct="1">
-        <a:defRPr sz="1800" kern="1200">
-          <a:solidFill>
-            <a:schemeClr val="tx1"/>
-          </a:solidFill>
-          <a:latin typeface="+mn-lt"/>
-          <a:ea typeface="+mn-ea"/>
-          <a:cs typeface="+mn-cs"/>
-        </a:defRPr>
-      </a:lvl7pPr>
-      <a:lvl8pPr marL="3200400" algn="l" defTabSz="914400" rtl="0" eaLnBrk="1" latinLnBrk="0" hangingPunct="1">
-        <a:defRPr sz="1800" kern="1200">
-          <a:solidFill>
-            <a:schemeClr val="tx1"/>
-          </a:solidFill>
-          <a:latin typeface="+mn-lt"/>
-          <a:ea typeface="+mn-ea"/>
-          <a:cs typeface="+mn-cs"/>
-        </a:defRPr>
-      </a:lvl8pPr>
-      <a:lvl9pPr marL="3657600" algn="l" defTabSz="914400" rtl="0" eaLnBrk="1" latinLnBrk="0" hangingPunct="1">
+      <a:lvl9pPr marL="3657600" algn="l" defTabSz="457200" rtl="0" eaLnBrk="1" latinLnBrk="0" hangingPunct="1">
         <a:defRPr sz="1800" kern="1200">
           <a:solidFill>
             <a:schemeClr val="tx1"/>
@@ -3972,9 +7099,9 @@
 </file>
 
 <file path=ppt/theme/theme1.xml><?xml version="1.0" encoding="utf-8"?>
-<a:theme xmlns:a="http://schemas.openxmlformats.org/drawingml/2006/main" name="Office Theme">
+<a:theme xmlns:a="http://schemas.openxmlformats.org/drawingml/2006/main" name="Ion">
   <a:themeElements>
-    <a:clrScheme name="Office">
+    <a:clrScheme name="Grayscale">
       <a:dk1>
         <a:sysClr val="windowText" lastClr="000000"/>
       </a:dk1>
@@ -3982,42 +7109,42 @@
         <a:sysClr val="window" lastClr="FFFFFF"/>
       </a:lt1>
       <a:dk2>
-        <a:srgbClr val="44546A"/>
+        <a:srgbClr val="000000"/>
       </a:dk2>
       <a:lt2>
-        <a:srgbClr val="E7E6E6"/>
+        <a:srgbClr val="F8F8F8"/>
       </a:lt2>
       <a:accent1>
-        <a:srgbClr val="5B9BD5"/>
+        <a:srgbClr val="DDDDDD"/>
       </a:accent1>
       <a:accent2>
-        <a:srgbClr val="ED7D31"/>
+        <a:srgbClr val="B2B2B2"/>
       </a:accent2>
       <a:accent3>
-        <a:srgbClr val="A5A5A5"/>
+        <a:srgbClr val="969696"/>
       </a:accent3>
       <a:accent4>
-        <a:srgbClr val="FFC000"/>
+        <a:srgbClr val="808080"/>
       </a:accent4>
       <a:accent5>
-        <a:srgbClr val="4472C4"/>
+        <a:srgbClr val="5F5F5F"/>
       </a:accent5>
       <a:accent6>
-        <a:srgbClr val="70AD47"/>
+        <a:srgbClr val="4D4D4D"/>
       </a:accent6>
       <a:hlink>
-        <a:srgbClr val="0563C1"/>
+        <a:srgbClr val="5F5F5F"/>
       </a:hlink>
       <a:folHlink>
-        <a:srgbClr val="954F72"/>
+        <a:srgbClr val="919191"/>
       </a:folHlink>
     </a:clrScheme>
-    <a:fontScheme name="Office">
+    <a:fontScheme name="Ion">
       <a:majorFont>
-        <a:latin typeface="Calibri Light" panose="020F0302020204030204"/>
+        <a:latin typeface="Century Gothic" panose="020B0502020202020204"/>
         <a:ea typeface=""/>
         <a:cs typeface=""/>
-        <a:font script="Jpan" typeface="ＭＳ Ｐゴシック"/>
+        <a:font script="Jpan" typeface="メイリオ"/>
         <a:font script="Hang" typeface="맑은 고딕"/>
         <a:font script="Hans" typeface="宋体"/>
         <a:font script="Hant" typeface="新細明體"/>
@@ -4049,10 +7176,10 @@
         <a:font script="Geor" typeface="Sylfaen"/>
       </a:majorFont>
       <a:minorFont>
-        <a:latin typeface="Calibri" panose="020F0502020204030204"/>
+        <a:latin typeface="Century Gothic" panose="020B0502020202020204"/>
         <a:ea typeface=""/>
         <a:cs typeface=""/>
-        <a:font script="Jpan" typeface="ＭＳ Ｐゴシック"/>
+        <a:font script="Jpan" typeface="メイリオ"/>
         <a:font script="Hang" typeface="맑은 고딕"/>
         <a:font script="Hans" typeface="宋体"/>
         <a:font script="Hant" typeface="新細明體"/>
@@ -4084,7 +7211,7 @@
         <a:font script="Geor" typeface="Sylfaen"/>
       </a:minorFont>
     </a:fontScheme>
-    <a:fmtScheme name="Office">
+    <a:fmtScheme name="Ion">
       <a:fillStyleLst>
         <a:solidFill>
           <a:schemeClr val="phClr"/>
@@ -4093,23 +7220,15 @@
           <a:gsLst>
             <a:gs pos="0">
               <a:schemeClr val="phClr">
-                <a:lumMod val="110000"/>
-                <a:satMod val="105000"/>
-                <a:tint val="67000"/>
-              </a:schemeClr>
-            </a:gs>
-            <a:gs pos="50000">
-              <a:schemeClr val="phClr">
-                <a:lumMod val="105000"/>
-                <a:satMod val="103000"/>
-                <a:tint val="73000"/>
+                <a:tint val="64000"/>
+                <a:lumMod val="118000"/>
               </a:schemeClr>
             </a:gs>
             <a:gs pos="100000">
               <a:schemeClr val="phClr">
-                <a:lumMod val="105000"/>
-                <a:satMod val="109000"/>
-                <a:tint val="81000"/>
+                <a:tint val="92000"/>
+                <a:alpha val="100000"/>
+                <a:lumMod val="110000"/>
               </a:schemeClr>
             </a:gs>
           </a:gsLst>
@@ -4119,23 +7238,14 @@
           <a:gsLst>
             <a:gs pos="0">
               <a:schemeClr val="phClr">
-                <a:satMod val="103000"/>
-                <a:lumMod val="102000"/>
-                <a:tint val="94000"/>
-              </a:schemeClr>
-            </a:gs>
-            <a:gs pos="50000">
-              <a:schemeClr val="phClr">
-                <a:satMod val="110000"/>
-                <a:lumMod val="100000"/>
-                <a:shade val="100000"/>
+                <a:tint val="98000"/>
+                <a:lumMod val="114000"/>
               </a:schemeClr>
             </a:gs>
             <a:gs pos="100000">
               <a:schemeClr val="phClr">
-                <a:lumMod val="99000"/>
-                <a:satMod val="120000"/>
-                <a:shade val="78000"/>
+                <a:shade val="90000"/>
+                <a:lumMod val="84000"/>
               </a:schemeClr>
             </a:gs>
           </a:gsLst>
@@ -4143,26 +7253,23 @@
         </a:gradFill>
       </a:fillStyleLst>
       <a:lnStyleLst>
-        <a:ln w="6350" cap="flat" cmpd="sng" algn="ctr">
+        <a:ln w="9525" cap="rnd" cmpd="sng" algn="ctr">
           <a:solidFill>
             <a:schemeClr val="phClr"/>
           </a:solidFill>
           <a:prstDash val="solid"/>
-          <a:miter lim="800000"/>
         </a:ln>
-        <a:ln w="12700" cap="flat" cmpd="sng" algn="ctr">
+        <a:ln w="19050" cap="rnd" cmpd="sng" algn="ctr">
           <a:solidFill>
             <a:schemeClr val="phClr"/>
           </a:solidFill>
           <a:prstDash val="solid"/>
-          <a:miter lim="800000"/>
         </a:ln>
-        <a:ln w="19050" cap="flat" cmpd="sng" algn="ctr">
+        <a:ln w="28575" cap="rnd" cmpd="sng" algn="ctr">
           <a:solidFill>
             <a:schemeClr val="phClr"/>
           </a:solidFill>
           <a:prstDash val="solid"/>
-          <a:miter lim="800000"/>
         </a:ln>
       </a:lnStyleLst>
       <a:effectStyleLst>
@@ -4170,55 +7277,80 @@
           <a:effectLst/>
         </a:effectStyle>
         <a:effectStyle>
-          <a:effectLst/>
+          <a:effectLst>
+            <a:outerShdw blurRad="38100" dist="25400" dir="5400000" rotWithShape="0">
+              <a:srgbClr val="000000">
+                <a:alpha val="45000"/>
+              </a:srgbClr>
+            </a:outerShdw>
+          </a:effectLst>
         </a:effectStyle>
         <a:effectStyle>
           <a:effectLst>
-            <a:outerShdw blurRad="57150" dist="19050" dir="5400000" algn="ctr" rotWithShape="0">
+            <a:outerShdw blurRad="63500" dist="38100" dir="5400000" rotWithShape="0">
               <a:srgbClr val="000000">
-                <a:alpha val="63000"/>
+                <a:alpha val="60000"/>
               </a:srgbClr>
             </a:outerShdw>
           </a:effectLst>
+          <a:scene3d>
+            <a:camera prst="orthographicFront">
+              <a:rot lat="0" lon="0" rev="0"/>
+            </a:camera>
+            <a:lightRig rig="threePt" dir="tl"/>
+          </a:scene3d>
+          <a:sp3d prstMaterial="plastic">
+            <a:bevelT w="0" h="0"/>
+          </a:sp3d>
         </a:effectStyle>
       </a:effectStyleLst>
       <a:bgFillStyleLst>
         <a:solidFill>
           <a:schemeClr val="phClr"/>
         </a:solidFill>
-        <a:solidFill>
-          <a:schemeClr val="phClr">
-            <a:tint val="95000"/>
-            <a:satMod val="170000"/>
-          </a:schemeClr>
-        </a:solidFill>
         <a:gradFill rotWithShape="1">
           <a:gsLst>
             <a:gs pos="0">
               <a:schemeClr val="phClr">
-                <a:tint val="93000"/>
-                <a:satMod val="150000"/>
-                <a:shade val="98000"/>
-                <a:lumMod val="102000"/>
-              </a:schemeClr>
-            </a:gs>
-            <a:gs pos="50000">
-              <a:schemeClr val="phClr">
-                <a:tint val="98000"/>
+                <a:tint val="97000"/>
+                <a:hueMod val="88000"/>
                 <a:satMod val="130000"/>
-                <a:shade val="90000"/>
-                <a:lumMod val="103000"/>
+                <a:lumMod val="124000"/>
               </a:schemeClr>
             </a:gs>
             <a:gs pos="100000">
               <a:schemeClr val="phClr">
-                <a:shade val="63000"/>
-                <a:satMod val="120000"/>
+                <a:tint val="96000"/>
+                <a:shade val="88000"/>
+                <a:hueMod val="108000"/>
+                <a:satMod val="164000"/>
+                <a:lumMod val="76000"/>
               </a:schemeClr>
             </a:gs>
           </a:gsLst>
-          <a:lin ang="5400000" scaled="0"/>
+          <a:path path="circle">
+            <a:fillToRect l="45000" t="65000" r="125000" b="100000"/>
+          </a:path>
         </a:gradFill>
+        <a:blipFill rotWithShape="1">
+          <a:blip xmlns:r="http://schemas.openxmlformats.org/officeDocument/2006/relationships" r:embed="rId1">
+            <a:duotone>
+              <a:schemeClr val="phClr">
+                <a:shade val="69000"/>
+                <a:hueMod val="108000"/>
+                <a:satMod val="164000"/>
+                <a:lumMod val="74000"/>
+              </a:schemeClr>
+              <a:schemeClr val="phClr">
+                <a:tint val="96000"/>
+                <a:hueMod val="88000"/>
+                <a:satMod val="140000"/>
+                <a:lumMod val="132000"/>
+              </a:schemeClr>
+            </a:duotone>
+          </a:blip>
+          <a:stretch/>
+        </a:blipFill>
       </a:bgFillStyleLst>
     </a:fmtScheme>
   </a:themeElements>
@@ -4226,7 +7358,7 @@
   <a:extraClrSchemeLst/>
   <a:extLst>
     <a:ext uri="{05A4C25C-085E-4340-85A3-A5531E510DB2}">
-      <thm15:themeFamily xmlns:thm15="http://schemas.microsoft.com/office/thememl/2012/main" name="Office Theme" id="{62F939B6-93AF-4DB8-9C6B-D6C7DFDC589F}" vid="{4A3C46E8-61CC-4603-A589-7422A47A8E4A}"/>
+      <thm15:themeFamily xmlns:thm15="http://schemas.microsoft.com/office/thememl/2012/main" name="Ion" id="{B8441ADB-2E43-4AF7-B97A-BD870242C6A8}" vid="{292E63A9-BB86-4E3D-B92A-7223C6510D2E}"/>
     </a:ext>
   </a:extLst>
 </a:theme>

--- a/BackgroundInfo/MeetingSlides.pptx
+++ b/BackgroundInfo/MeetingSlides.pptx
@@ -17,6 +17,8 @@
     <p:sldId id="265" r:id="rId11"/>
     <p:sldId id="266" r:id="rId12"/>
     <p:sldId id="268" r:id="rId13"/>
+    <p:sldId id="269" r:id="rId14"/>
+    <p:sldId id="270" r:id="rId15"/>
   </p:sldIdLst>
   <p:sldSz cx="12192000" cy="6858000"/>
   <p:notesSz cx="6858000" cy="9144000"/>
@@ -309,7 +311,7 @@
           <a:p>
             <a:fld id="{B61F3786-CE44-4BCC-AFE0-DA4E5B49D7AC}" type="datetimeFigureOut">
               <a:rPr lang="en-AU" smtClean="0"/>
-              <a:t>6/07/2016</a:t>
+              <a:t>8/07/2016</a:t>
             </a:fld>
             <a:endParaRPr lang="en-AU"/>
           </a:p>
@@ -584,7 +586,7 @@
           <a:p>
             <a:fld id="{B61F3786-CE44-4BCC-AFE0-DA4E5B49D7AC}" type="datetimeFigureOut">
               <a:rPr lang="en-AU" smtClean="0"/>
-              <a:t>6/07/2016</a:t>
+              <a:t>8/07/2016</a:t>
             </a:fld>
             <a:endParaRPr lang="en-AU"/>
           </a:p>
@@ -778,7 +780,7 @@
           <a:p>
             <a:fld id="{B61F3786-CE44-4BCC-AFE0-DA4E5B49D7AC}" type="datetimeFigureOut">
               <a:rPr lang="en-AU" smtClean="0"/>
-              <a:t>6/07/2016</a:t>
+              <a:t>8/07/2016</a:t>
             </a:fld>
             <a:endParaRPr lang="en-AU"/>
           </a:p>
@@ -1051,7 +1053,7 @@
           <a:p>
             <a:fld id="{B61F3786-CE44-4BCC-AFE0-DA4E5B49D7AC}" type="datetimeFigureOut">
               <a:rPr lang="en-AU" smtClean="0"/>
-              <a:t>6/07/2016</a:t>
+              <a:t>8/07/2016</a:t>
             </a:fld>
             <a:endParaRPr lang="en-AU"/>
           </a:p>
@@ -1392,7 +1394,7 @@
           <a:p>
             <a:fld id="{B61F3786-CE44-4BCC-AFE0-DA4E5B49D7AC}" type="datetimeFigureOut">
               <a:rPr lang="en-AU" smtClean="0"/>
-              <a:t>6/07/2016</a:t>
+              <a:t>8/07/2016</a:t>
             </a:fld>
             <a:endParaRPr lang="en-AU"/>
           </a:p>
@@ -2015,7 +2017,7 @@
           <a:p>
             <a:fld id="{B61F3786-CE44-4BCC-AFE0-DA4E5B49D7AC}" type="datetimeFigureOut">
               <a:rPr lang="en-AU" smtClean="0"/>
-              <a:t>6/07/2016</a:t>
+              <a:t>8/07/2016</a:t>
             </a:fld>
             <a:endParaRPr lang="en-AU"/>
           </a:p>
@@ -2875,7 +2877,7 @@
           <a:p>
             <a:fld id="{B61F3786-CE44-4BCC-AFE0-DA4E5B49D7AC}" type="datetimeFigureOut">
               <a:rPr lang="en-AU" smtClean="0"/>
-              <a:t>6/07/2016</a:t>
+              <a:t>8/07/2016</a:t>
             </a:fld>
             <a:endParaRPr lang="en-AU"/>
           </a:p>
@@ -3045,7 +3047,7 @@
           <a:p>
             <a:fld id="{B61F3786-CE44-4BCC-AFE0-DA4E5B49D7AC}" type="datetimeFigureOut">
               <a:rPr lang="en-AU" smtClean="0"/>
-              <a:t>6/07/2016</a:t>
+              <a:t>8/07/2016</a:t>
             </a:fld>
             <a:endParaRPr lang="en-AU"/>
           </a:p>
@@ -3225,7 +3227,7 @@
           <a:p>
             <a:fld id="{B61F3786-CE44-4BCC-AFE0-DA4E5B49D7AC}" type="datetimeFigureOut">
               <a:rPr lang="en-AU" smtClean="0"/>
-              <a:t>6/07/2016</a:t>
+              <a:t>8/07/2016</a:t>
             </a:fld>
             <a:endParaRPr lang="en-AU"/>
           </a:p>
@@ -3395,7 +3397,7 @@
           <a:p>
             <a:fld id="{B61F3786-CE44-4BCC-AFE0-DA4E5B49D7AC}" type="datetimeFigureOut">
               <a:rPr lang="en-AU" smtClean="0"/>
-              <a:t>6/07/2016</a:t>
+              <a:t>8/07/2016</a:t>
             </a:fld>
             <a:endParaRPr lang="en-AU"/>
           </a:p>
@@ -3642,7 +3644,7 @@
           <a:p>
             <a:fld id="{B61F3786-CE44-4BCC-AFE0-DA4E5B49D7AC}" type="datetimeFigureOut">
               <a:rPr lang="en-AU" smtClean="0"/>
-              <a:t>6/07/2016</a:t>
+              <a:t>8/07/2016</a:t>
             </a:fld>
             <a:endParaRPr lang="en-AU"/>
           </a:p>
@@ -3934,7 +3936,7 @@
           <a:p>
             <a:fld id="{B61F3786-CE44-4BCC-AFE0-DA4E5B49D7AC}" type="datetimeFigureOut">
               <a:rPr lang="en-AU" smtClean="0"/>
-              <a:t>6/07/2016</a:t>
+              <a:t>8/07/2016</a:t>
             </a:fld>
             <a:endParaRPr lang="en-AU"/>
           </a:p>
@@ -4378,7 +4380,7 @@
           <a:p>
             <a:fld id="{B61F3786-CE44-4BCC-AFE0-DA4E5B49D7AC}" type="datetimeFigureOut">
               <a:rPr lang="en-AU" smtClean="0"/>
-              <a:t>6/07/2016</a:t>
+              <a:t>8/07/2016</a:t>
             </a:fld>
             <a:endParaRPr lang="en-AU"/>
           </a:p>
@@ -4496,7 +4498,7 @@
           <a:p>
             <a:fld id="{B61F3786-CE44-4BCC-AFE0-DA4E5B49D7AC}" type="datetimeFigureOut">
               <a:rPr lang="en-AU" smtClean="0"/>
-              <a:t>6/07/2016</a:t>
+              <a:t>8/07/2016</a:t>
             </a:fld>
             <a:endParaRPr lang="en-AU"/>
           </a:p>
@@ -4591,7 +4593,7 @@
           <a:p>
             <a:fld id="{B61F3786-CE44-4BCC-AFE0-DA4E5B49D7AC}" type="datetimeFigureOut">
               <a:rPr lang="en-AU" smtClean="0"/>
-              <a:t>6/07/2016</a:t>
+              <a:t>8/07/2016</a:t>
             </a:fld>
             <a:endParaRPr lang="en-AU"/>
           </a:p>
@@ -4870,7 +4872,7 @@
           <a:p>
             <a:fld id="{B61F3786-CE44-4BCC-AFE0-DA4E5B49D7AC}" type="datetimeFigureOut">
               <a:rPr lang="en-AU" smtClean="0"/>
-              <a:t>6/07/2016</a:t>
+              <a:t>8/07/2016</a:t>
             </a:fld>
             <a:endParaRPr lang="en-AU"/>
           </a:p>
@@ -5145,7 +5147,7 @@
           <a:p>
             <a:fld id="{B61F3786-CE44-4BCC-AFE0-DA4E5B49D7AC}" type="datetimeFigureOut">
               <a:rPr lang="en-AU" smtClean="0"/>
-              <a:t>6/07/2016</a:t>
+              <a:t>8/07/2016</a:t>
             </a:fld>
             <a:endParaRPr lang="en-AU"/>
           </a:p>
@@ -5574,7 +5576,7 @@
           <a:p>
             <a:fld id="{B61F3786-CE44-4BCC-AFE0-DA4E5B49D7AC}" type="datetimeFigureOut">
               <a:rPr lang="en-AU" smtClean="0"/>
-              <a:t>6/07/2016</a:t>
+              <a:t>8/07/2016</a:t>
             </a:fld>
             <a:endParaRPr lang="en-AU"/>
           </a:p>
@@ -6419,6 +6421,205 @@
 </p:sld>
 </file>
 
+<file path=ppt/slides/slide13.xml><?xml version="1.0" encoding="utf-8"?>
+<p:sld xmlns:a="http://schemas.openxmlformats.org/drawingml/2006/main" xmlns:r="http://schemas.openxmlformats.org/officeDocument/2006/relationships" xmlns:p="http://schemas.openxmlformats.org/presentationml/2006/main">
+  <p:cSld>
+    <p:spTree>
+      <p:nvGrpSpPr>
+        <p:cNvPr id="1" name=""/>
+        <p:cNvGrpSpPr/>
+        <p:nvPr/>
+      </p:nvGrpSpPr>
+      <p:grpSpPr>
+        <a:xfrm>
+          <a:off x="0" y="0"/>
+          <a:ext cx="0" cy="0"/>
+          <a:chOff x="0" y="0"/>
+          <a:chExt cx="0" cy="0"/>
+        </a:xfrm>
+      </p:grpSpPr>
+      <p:sp>
+        <p:nvSpPr>
+          <p:cNvPr id="2" name="Title 1"/>
+          <p:cNvSpPr>
+            <a:spLocks noGrp="1"/>
+          </p:cNvSpPr>
+          <p:nvPr>
+            <p:ph type="title"/>
+          </p:nvPr>
+        </p:nvSpPr>
+        <p:spPr>
+          <a:xfrm>
+            <a:off x="646111" y="452718"/>
+            <a:ext cx="9552966" cy="1400530"/>
+          </a:xfrm>
+        </p:spPr>
+        <p:txBody>
+          <a:bodyPr/>
+          <a:lstStyle/>
+          <a:p>
+            <a:r>
+              <a:rPr lang="en-US" dirty="0" smtClean="0"/>
+              <a:t>Westerns and Immunofluorescence: </a:t>
+            </a:r>
+            <a:endParaRPr lang="en-AU" dirty="0"/>
+          </a:p>
+        </p:txBody>
+      </p:sp>
+      <p:sp>
+        <p:nvSpPr>
+          <p:cNvPr id="3" name="Content Placeholder 2"/>
+          <p:cNvSpPr>
+            <a:spLocks noGrp="1"/>
+          </p:cNvSpPr>
+          <p:nvPr>
+            <p:ph idx="1"/>
+          </p:nvPr>
+        </p:nvSpPr>
+        <p:spPr/>
+        <p:txBody>
+          <a:bodyPr/>
+          <a:lstStyle/>
+          <a:p>
+            <a:endParaRPr lang="en-AU" dirty="0"/>
+          </a:p>
+        </p:txBody>
+      </p:sp>
+    </p:spTree>
+    <p:extLst>
+      <p:ext uri="{BB962C8B-B14F-4D97-AF65-F5344CB8AC3E}">
+        <p14:creationId xmlns:p14="http://schemas.microsoft.com/office/powerpoint/2010/main" val="359516748"/>
+      </p:ext>
+    </p:extLst>
+  </p:cSld>
+  <p:clrMapOvr>
+    <a:masterClrMapping/>
+  </p:clrMapOvr>
+</p:sld>
+</file>
+
+<file path=ppt/slides/slide14.xml><?xml version="1.0" encoding="utf-8"?>
+<p:sld xmlns:a="http://schemas.openxmlformats.org/drawingml/2006/main" xmlns:r="http://schemas.openxmlformats.org/officeDocument/2006/relationships" xmlns:p="http://schemas.openxmlformats.org/presentationml/2006/main">
+  <p:cSld>
+    <p:spTree>
+      <p:nvGrpSpPr>
+        <p:cNvPr id="1" name=""/>
+        <p:cNvGrpSpPr/>
+        <p:nvPr/>
+      </p:nvGrpSpPr>
+      <p:grpSpPr>
+        <a:xfrm>
+          <a:off x="0" y="0"/>
+          <a:ext cx="0" cy="0"/>
+          <a:chOff x="0" y="0"/>
+          <a:chExt cx="0" cy="0"/>
+        </a:xfrm>
+      </p:grpSpPr>
+      <p:sp>
+        <p:nvSpPr>
+          <p:cNvPr id="2" name="Title 1"/>
+          <p:cNvSpPr>
+            <a:spLocks noGrp="1"/>
+          </p:cNvSpPr>
+          <p:nvPr>
+            <p:ph type="title"/>
+          </p:nvPr>
+        </p:nvSpPr>
+        <p:spPr/>
+        <p:txBody>
+          <a:bodyPr/>
+          <a:lstStyle/>
+          <a:p>
+            <a:r>
+              <a:rPr lang="en-US" dirty="0" smtClean="0"/>
+              <a:t>To Do: </a:t>
+            </a:r>
+            <a:endParaRPr lang="en-AU" dirty="0"/>
+          </a:p>
+        </p:txBody>
+      </p:sp>
+      <p:sp>
+        <p:nvSpPr>
+          <p:cNvPr id="3" name="Content Placeholder 2"/>
+          <p:cNvSpPr>
+            <a:spLocks noGrp="1"/>
+          </p:cNvSpPr>
+          <p:nvPr>
+            <p:ph idx="1"/>
+          </p:nvPr>
+        </p:nvSpPr>
+        <p:spPr/>
+        <p:txBody>
+          <a:bodyPr/>
+          <a:lstStyle/>
+          <a:p>
+            <a:r>
+              <a:rPr lang="en-US" dirty="0" smtClean="0"/>
+              <a:t>Confirm miRNA-Protein interaction via pull down/Western/MS</a:t>
+            </a:r>
+          </a:p>
+          <a:p>
+            <a:r>
+              <a:rPr lang="en-US" dirty="0" smtClean="0"/>
+              <a:t>Determine importance of </a:t>
+            </a:r>
+            <a:r>
+              <a:rPr lang="en-US" dirty="0" err="1" smtClean="0"/>
+              <a:t>Sumoylation</a:t>
+            </a:r>
+            <a:r>
+              <a:rPr lang="en-US" dirty="0"/>
+              <a:t> </a:t>
+            </a:r>
+            <a:r>
+              <a:rPr lang="en-US" dirty="0" smtClean="0"/>
+              <a:t>on the proteins. </a:t>
+            </a:r>
+          </a:p>
+          <a:p>
+            <a:r>
+              <a:rPr lang="en-US" dirty="0" smtClean="0"/>
+              <a:t>In vitro </a:t>
+            </a:r>
+            <a:r>
+              <a:rPr lang="en-US" dirty="0" err="1" smtClean="0"/>
+              <a:t>colocalization</a:t>
+            </a:r>
+            <a:r>
+              <a:rPr lang="en-US" dirty="0" smtClean="0"/>
+              <a:t> between protein and miRNA (using Cy5-oglio)</a:t>
+            </a:r>
+          </a:p>
+          <a:p>
+            <a:r>
+              <a:rPr lang="en-US" dirty="0" smtClean="0"/>
+              <a:t>Figure out how cavin-1 </a:t>
+            </a:r>
+            <a:r>
+              <a:rPr lang="en-US" smtClean="0"/>
+              <a:t>is enduing </a:t>
+            </a:r>
+            <a:r>
+              <a:rPr lang="en-US" dirty="0" smtClean="0"/>
+              <a:t>its effects? </a:t>
+            </a:r>
+            <a:endParaRPr lang="en-AU" dirty="0"/>
+          </a:p>
+        </p:txBody>
+      </p:sp>
+    </p:spTree>
+    <p:extLst>
+      <p:ext uri="{BB962C8B-B14F-4D97-AF65-F5344CB8AC3E}">
+        <p14:creationId xmlns:p14="http://schemas.microsoft.com/office/powerpoint/2010/main" val="947801794"/>
+      </p:ext>
+    </p:extLst>
+  </p:cSld>
+  <p:clrMapOvr>
+    <a:masterClrMapping/>
+  </p:clrMapOvr>
+</p:sld>
+</file>
+
 <file path=ppt/slides/slide2.xml><?xml version="1.0" encoding="utf-8"?>
 <p:sld xmlns:a="http://schemas.openxmlformats.org/drawingml/2006/main" xmlns:r="http://schemas.openxmlformats.org/officeDocument/2006/relationships" xmlns:p="http://schemas.openxmlformats.org/presentationml/2006/main">
   <p:cSld>
@@ -6459,25 +6660,32 @@
           </a:p>
         </p:txBody>
       </p:sp>
-      <p:sp>
-        <p:nvSpPr>
-          <p:cNvPr id="3" name="Content Placeholder 2"/>
-          <p:cNvSpPr>
-            <a:spLocks noGrp="1"/>
-          </p:cNvSpPr>
+      <p:pic>
+        <p:nvPicPr>
+          <p:cNvPr id="4" name="Content Placeholder 3"/>
+          <p:cNvPicPr>
+            <a:picLocks noGrp="1" noChangeAspect="1"/>
+          </p:cNvPicPr>
           <p:nvPr>
             <p:ph idx="1"/>
           </p:nvPr>
-        </p:nvSpPr>
-        <p:spPr/>
-        <p:txBody>
-          <a:bodyPr/>
-          <a:lstStyle/>
-          <a:p>
-            <a:endParaRPr lang="en-AU"/>
-          </a:p>
-        </p:txBody>
-      </p:sp>
+        </p:nvPicPr>
+        <p:blipFill>
+          <a:blip r:embed="rId2"/>
+          <a:stretch>
+            <a:fillRect/>
+          </a:stretch>
+        </p:blipFill>
+        <p:spPr>
+          <a:xfrm>
+            <a:off x="4778498" y="1503152"/>
+            <a:ext cx="6545995" cy="4711548"/>
+          </a:xfrm>
+          <a:prstGeom prst="rect">
+            <a:avLst/>
+          </a:prstGeom>
+        </p:spPr>
+      </p:pic>
     </p:spTree>
     <p:extLst>
       <p:ext uri="{BB962C8B-B14F-4D97-AF65-F5344CB8AC3E}">
@@ -6525,7 +6733,7 @@
           <a:p>
             <a:r>
               <a:rPr lang="en-US" dirty="0" smtClean="0"/>
-              <a:t>Lipid Rafts and EV sorting</a:t>
+              <a:t>PC3 cell line. </a:t>
             </a:r>
             <a:endParaRPr lang="en-AU" dirty="0"/>
           </a:p>
@@ -6546,7 +6754,7 @@
           <a:bodyPr/>
           <a:lstStyle/>
           <a:p>
-            <a:endParaRPr lang="en-AU"/>
+            <a:endParaRPr lang="en-AU" dirty="0"/>
           </a:p>
         </p:txBody>
       </p:sp>

--- a/BackgroundInfo/MeetingSlides.pptx
+++ b/BackgroundInfo/MeetingSlides.pptx
@@ -8,17 +8,18 @@
     <p:sldId id="256" r:id="rId2"/>
     <p:sldId id="257" r:id="rId3"/>
     <p:sldId id="258" r:id="rId4"/>
-    <p:sldId id="259" r:id="rId5"/>
-    <p:sldId id="260" r:id="rId6"/>
-    <p:sldId id="261" r:id="rId7"/>
-    <p:sldId id="262" r:id="rId8"/>
-    <p:sldId id="264" r:id="rId9"/>
-    <p:sldId id="263" r:id="rId10"/>
-    <p:sldId id="265" r:id="rId11"/>
-    <p:sldId id="266" r:id="rId12"/>
-    <p:sldId id="268" r:id="rId13"/>
-    <p:sldId id="269" r:id="rId14"/>
-    <p:sldId id="270" r:id="rId15"/>
+    <p:sldId id="271" r:id="rId5"/>
+    <p:sldId id="259" r:id="rId6"/>
+    <p:sldId id="260" r:id="rId7"/>
+    <p:sldId id="261" r:id="rId8"/>
+    <p:sldId id="262" r:id="rId9"/>
+    <p:sldId id="264" r:id="rId10"/>
+    <p:sldId id="263" r:id="rId11"/>
+    <p:sldId id="265" r:id="rId12"/>
+    <p:sldId id="266" r:id="rId13"/>
+    <p:sldId id="268" r:id="rId14"/>
+    <p:sldId id="269" r:id="rId15"/>
+    <p:sldId id="270" r:id="rId16"/>
   </p:sldIdLst>
   <p:sldSz cx="12192000" cy="6858000"/>
   <p:notesSz cx="6858000" cy="9144000"/>
@@ -311,7 +312,7 @@
           <a:p>
             <a:fld id="{B61F3786-CE44-4BCC-AFE0-DA4E5B49D7AC}" type="datetimeFigureOut">
               <a:rPr lang="en-AU" smtClean="0"/>
-              <a:t>8/07/2016</a:t>
+              <a:t>10/07/2016</a:t>
             </a:fld>
             <a:endParaRPr lang="en-AU"/>
           </a:p>
@@ -586,7 +587,7 @@
           <a:p>
             <a:fld id="{B61F3786-CE44-4BCC-AFE0-DA4E5B49D7AC}" type="datetimeFigureOut">
               <a:rPr lang="en-AU" smtClean="0"/>
-              <a:t>8/07/2016</a:t>
+              <a:t>10/07/2016</a:t>
             </a:fld>
             <a:endParaRPr lang="en-AU"/>
           </a:p>
@@ -780,7 +781,7 @@
           <a:p>
             <a:fld id="{B61F3786-CE44-4BCC-AFE0-DA4E5B49D7AC}" type="datetimeFigureOut">
               <a:rPr lang="en-AU" smtClean="0"/>
-              <a:t>8/07/2016</a:t>
+              <a:t>10/07/2016</a:t>
             </a:fld>
             <a:endParaRPr lang="en-AU"/>
           </a:p>
@@ -1053,7 +1054,7 @@
           <a:p>
             <a:fld id="{B61F3786-CE44-4BCC-AFE0-DA4E5B49D7AC}" type="datetimeFigureOut">
               <a:rPr lang="en-AU" smtClean="0"/>
-              <a:t>8/07/2016</a:t>
+              <a:t>10/07/2016</a:t>
             </a:fld>
             <a:endParaRPr lang="en-AU"/>
           </a:p>
@@ -1394,7 +1395,7 @@
           <a:p>
             <a:fld id="{B61F3786-CE44-4BCC-AFE0-DA4E5B49D7AC}" type="datetimeFigureOut">
               <a:rPr lang="en-AU" smtClean="0"/>
-              <a:t>8/07/2016</a:t>
+              <a:t>10/07/2016</a:t>
             </a:fld>
             <a:endParaRPr lang="en-AU"/>
           </a:p>
@@ -2017,7 +2018,7 @@
           <a:p>
             <a:fld id="{B61F3786-CE44-4BCC-AFE0-DA4E5B49D7AC}" type="datetimeFigureOut">
               <a:rPr lang="en-AU" smtClean="0"/>
-              <a:t>8/07/2016</a:t>
+              <a:t>10/07/2016</a:t>
             </a:fld>
             <a:endParaRPr lang="en-AU"/>
           </a:p>
@@ -2877,7 +2878,7 @@
           <a:p>
             <a:fld id="{B61F3786-CE44-4BCC-AFE0-DA4E5B49D7AC}" type="datetimeFigureOut">
               <a:rPr lang="en-AU" smtClean="0"/>
-              <a:t>8/07/2016</a:t>
+              <a:t>10/07/2016</a:t>
             </a:fld>
             <a:endParaRPr lang="en-AU"/>
           </a:p>
@@ -3047,7 +3048,7 @@
           <a:p>
             <a:fld id="{B61F3786-CE44-4BCC-AFE0-DA4E5B49D7AC}" type="datetimeFigureOut">
               <a:rPr lang="en-AU" smtClean="0"/>
-              <a:t>8/07/2016</a:t>
+              <a:t>10/07/2016</a:t>
             </a:fld>
             <a:endParaRPr lang="en-AU"/>
           </a:p>
@@ -3227,7 +3228,7 @@
           <a:p>
             <a:fld id="{B61F3786-CE44-4BCC-AFE0-DA4E5B49D7AC}" type="datetimeFigureOut">
               <a:rPr lang="en-AU" smtClean="0"/>
-              <a:t>8/07/2016</a:t>
+              <a:t>10/07/2016</a:t>
             </a:fld>
             <a:endParaRPr lang="en-AU"/>
           </a:p>
@@ -3397,7 +3398,7 @@
           <a:p>
             <a:fld id="{B61F3786-CE44-4BCC-AFE0-DA4E5B49D7AC}" type="datetimeFigureOut">
               <a:rPr lang="en-AU" smtClean="0"/>
-              <a:t>8/07/2016</a:t>
+              <a:t>10/07/2016</a:t>
             </a:fld>
             <a:endParaRPr lang="en-AU"/>
           </a:p>
@@ -3644,7 +3645,7 @@
           <a:p>
             <a:fld id="{B61F3786-CE44-4BCC-AFE0-DA4E5B49D7AC}" type="datetimeFigureOut">
               <a:rPr lang="en-AU" smtClean="0"/>
-              <a:t>8/07/2016</a:t>
+              <a:t>10/07/2016</a:t>
             </a:fld>
             <a:endParaRPr lang="en-AU"/>
           </a:p>
@@ -3936,7 +3937,7 @@
           <a:p>
             <a:fld id="{B61F3786-CE44-4BCC-AFE0-DA4E5B49D7AC}" type="datetimeFigureOut">
               <a:rPr lang="en-AU" smtClean="0"/>
-              <a:t>8/07/2016</a:t>
+              <a:t>10/07/2016</a:t>
             </a:fld>
             <a:endParaRPr lang="en-AU"/>
           </a:p>
@@ -4380,7 +4381,7 @@
           <a:p>
             <a:fld id="{B61F3786-CE44-4BCC-AFE0-DA4E5B49D7AC}" type="datetimeFigureOut">
               <a:rPr lang="en-AU" smtClean="0"/>
-              <a:t>8/07/2016</a:t>
+              <a:t>10/07/2016</a:t>
             </a:fld>
             <a:endParaRPr lang="en-AU"/>
           </a:p>
@@ -4498,7 +4499,7 @@
           <a:p>
             <a:fld id="{B61F3786-CE44-4BCC-AFE0-DA4E5B49D7AC}" type="datetimeFigureOut">
               <a:rPr lang="en-AU" smtClean="0"/>
-              <a:t>8/07/2016</a:t>
+              <a:t>10/07/2016</a:t>
             </a:fld>
             <a:endParaRPr lang="en-AU"/>
           </a:p>
@@ -4593,7 +4594,7 @@
           <a:p>
             <a:fld id="{B61F3786-CE44-4BCC-AFE0-DA4E5B49D7AC}" type="datetimeFigureOut">
               <a:rPr lang="en-AU" smtClean="0"/>
-              <a:t>8/07/2016</a:t>
+              <a:t>10/07/2016</a:t>
             </a:fld>
             <a:endParaRPr lang="en-AU"/>
           </a:p>
@@ -4872,7 +4873,7 @@
           <a:p>
             <a:fld id="{B61F3786-CE44-4BCC-AFE0-DA4E5B49D7AC}" type="datetimeFigureOut">
               <a:rPr lang="en-AU" smtClean="0"/>
-              <a:t>8/07/2016</a:t>
+              <a:t>10/07/2016</a:t>
             </a:fld>
             <a:endParaRPr lang="en-AU"/>
           </a:p>
@@ -5147,7 +5148,7 @@
           <a:p>
             <a:fld id="{B61F3786-CE44-4BCC-AFE0-DA4E5B49D7AC}" type="datetimeFigureOut">
               <a:rPr lang="en-AU" smtClean="0"/>
-              <a:t>8/07/2016</a:t>
+              <a:t>10/07/2016</a:t>
             </a:fld>
             <a:endParaRPr lang="en-AU"/>
           </a:p>
@@ -5576,7 +5577,7 @@
           <a:p>
             <a:fld id="{B61F3786-CE44-4BCC-AFE0-DA4E5B49D7AC}" type="datetimeFigureOut">
               <a:rPr lang="en-AU" smtClean="0"/>
-              <a:t>8/07/2016</a:t>
+              <a:t>10/07/2016</a:t>
             </a:fld>
             <a:endParaRPr lang="en-AU"/>
           </a:p>
@@ -6195,7 +6196,7 @@
           <a:p>
             <a:r>
               <a:rPr lang="en-US" dirty="0" smtClean="0"/>
-              <a:t>Shared motifs found Differentially exported Mir</a:t>
+              <a:t>RNA-binding proteins and Motifs. </a:t>
             </a:r>
             <a:endParaRPr lang="en-AU" dirty="0"/>
           </a:p>
@@ -6218,13 +6219,15 @@
           <a:p>
             <a:r>
               <a:rPr lang="en-US" dirty="0" smtClean="0"/>
-              <a:t>Sequence logos and networks. </a:t>
-            </a:r>
-          </a:p>
-          <a:p>
+              <a:t>TAMO softwar</a:t>
+            </a:r>
             <a:r>
               <a:rPr lang="en-US" dirty="0" smtClean="0"/>
-              <a:t>Info about proteins that appear to correlate to these proteins. </a:t>
+              <a:t>e suite: combines several different algorithms to identify motifs, evaluate enrichment and map motifs </a:t>
+            </a:r>
+            <a:r>
+              <a:rPr lang="en-US" smtClean="0"/>
+              <a:t>to sequences. </a:t>
             </a:r>
             <a:endParaRPr lang="en-AU" dirty="0"/>
           </a:p>
@@ -6233,7 +6236,7 @@
     </p:spTree>
     <p:extLst>
       <p:ext uri="{BB962C8B-B14F-4D97-AF65-F5344CB8AC3E}">
-        <p14:creationId xmlns:p14="http://schemas.microsoft.com/office/powerpoint/2010/main" val="1441048566"/>
+        <p14:creationId xmlns:p14="http://schemas.microsoft.com/office/powerpoint/2010/main" val="3674183296"/>
       </p:ext>
     </p:extLst>
   </p:cSld>
@@ -6277,7 +6280,7 @@
           <a:p>
             <a:r>
               <a:rPr lang="en-US" dirty="0" smtClean="0"/>
-              <a:t>Proteins correlate to differential export. </a:t>
+              <a:t>Shared motifs found Differentially exported Mir</a:t>
             </a:r>
             <a:endParaRPr lang="en-AU" dirty="0"/>
           </a:p>
@@ -6298,6 +6301,16 @@
           <a:bodyPr/>
           <a:lstStyle/>
           <a:p>
+            <a:r>
+              <a:rPr lang="en-US" dirty="0" smtClean="0"/>
+              <a:t>Sequence logos and networks. </a:t>
+            </a:r>
+          </a:p>
+          <a:p>
+            <a:r>
+              <a:rPr lang="en-US" dirty="0" smtClean="0"/>
+              <a:t>Info about proteins that appear to correlate to these proteins. </a:t>
+            </a:r>
             <a:endParaRPr lang="en-AU" dirty="0"/>
           </a:p>
         </p:txBody>
@@ -6305,7 +6318,7 @@
     </p:spTree>
     <p:extLst>
       <p:ext uri="{BB962C8B-B14F-4D97-AF65-F5344CB8AC3E}">
-        <p14:creationId xmlns:p14="http://schemas.microsoft.com/office/powerpoint/2010/main" val="596597261"/>
+        <p14:creationId xmlns:p14="http://schemas.microsoft.com/office/powerpoint/2010/main" val="1441048566"/>
       </p:ext>
     </p:extLst>
   </p:cSld>
@@ -6349,7 +6362,7 @@
           <a:p>
             <a:r>
               <a:rPr lang="en-US" dirty="0" smtClean="0"/>
-              <a:t>Aims:</a:t>
+              <a:t>Proteins correlate to differential export. </a:t>
             </a:r>
             <a:endParaRPr lang="en-AU" dirty="0"/>
           </a:p>
@@ -6369,40 +6382,6 @@
         <p:txBody>
           <a:bodyPr/>
           <a:lstStyle/>
-          <a:p>
-            <a:pPr marL="781050" indent="-514350">
-              <a:buFont typeface="+mj-lt"/>
-              <a:buAutoNum type="arabicPeriod"/>
-            </a:pPr>
-            <a:r>
-              <a:rPr lang="en-AU" dirty="0" smtClean="0"/>
-              <a:t>Identify the selectively exported miRNAs </a:t>
-            </a:r>
-          </a:p>
-          <a:p>
-            <a:pPr marL="781050" indent="-514350">
-              <a:buFont typeface="+mj-lt"/>
-              <a:buAutoNum type="arabicPeriod"/>
-            </a:pPr>
-            <a:r>
-              <a:rPr lang="en-AU" dirty="0" smtClean="0"/>
-              <a:t>Identify RNA-binding proteins correlated to the miRNA export</a:t>
-            </a:r>
-          </a:p>
-          <a:p>
-            <a:pPr marL="781050" indent="-514350">
-              <a:buFont typeface="+mj-lt"/>
-              <a:buAutoNum type="arabicPeriod"/>
-            </a:pPr>
-            <a:r>
-              <a:rPr lang="en-AU" dirty="0" smtClean="0">
-                <a:solidFill>
-                  <a:srgbClr val="FF0000"/>
-                </a:solidFill>
-              </a:rPr>
-              <a:t>Verify candidate miRNA escort proteins ability to bind to miRNAs and transport to extracellular vesicles.</a:t>
-            </a:r>
-          </a:p>
           <a:p>
             <a:endParaRPr lang="en-AU" dirty="0"/>
           </a:p>
@@ -6411,7 +6390,7 @@
     </p:spTree>
     <p:extLst>
       <p:ext uri="{BB962C8B-B14F-4D97-AF65-F5344CB8AC3E}">
-        <p14:creationId xmlns:p14="http://schemas.microsoft.com/office/powerpoint/2010/main" val="471711754"/>
+        <p14:creationId xmlns:p14="http://schemas.microsoft.com/office/powerpoint/2010/main" val="596597261"/>
       </p:ext>
     </p:extLst>
   </p:cSld>
@@ -6448,6 +6427,112 @@
             <p:ph type="title"/>
           </p:nvPr>
         </p:nvSpPr>
+        <p:spPr/>
+        <p:txBody>
+          <a:bodyPr/>
+          <a:lstStyle/>
+          <a:p>
+            <a:r>
+              <a:rPr lang="en-US" dirty="0" smtClean="0"/>
+              <a:t>Aims:</a:t>
+            </a:r>
+            <a:endParaRPr lang="en-AU" dirty="0"/>
+          </a:p>
+        </p:txBody>
+      </p:sp>
+      <p:sp>
+        <p:nvSpPr>
+          <p:cNvPr id="3" name="Content Placeholder 2"/>
+          <p:cNvSpPr>
+            <a:spLocks noGrp="1"/>
+          </p:cNvSpPr>
+          <p:nvPr>
+            <p:ph idx="1"/>
+          </p:nvPr>
+        </p:nvSpPr>
+        <p:spPr/>
+        <p:txBody>
+          <a:bodyPr/>
+          <a:lstStyle/>
+          <a:p>
+            <a:pPr marL="781050" indent="-514350">
+              <a:buFont typeface="+mj-lt"/>
+              <a:buAutoNum type="arabicPeriod"/>
+            </a:pPr>
+            <a:r>
+              <a:rPr lang="en-AU" dirty="0" smtClean="0"/>
+              <a:t>Identify the selectively exported miRNAs </a:t>
+            </a:r>
+          </a:p>
+          <a:p>
+            <a:pPr marL="781050" indent="-514350">
+              <a:buFont typeface="+mj-lt"/>
+              <a:buAutoNum type="arabicPeriod"/>
+            </a:pPr>
+            <a:r>
+              <a:rPr lang="en-AU" dirty="0" smtClean="0"/>
+              <a:t>Identify RNA-binding proteins correlated to the miRNA export</a:t>
+            </a:r>
+          </a:p>
+          <a:p>
+            <a:pPr marL="781050" indent="-514350">
+              <a:buFont typeface="+mj-lt"/>
+              <a:buAutoNum type="arabicPeriod"/>
+            </a:pPr>
+            <a:r>
+              <a:rPr lang="en-AU" dirty="0" smtClean="0">
+                <a:solidFill>
+                  <a:srgbClr val="FF0000"/>
+                </a:solidFill>
+              </a:rPr>
+              <a:t>Verify candidate miRNA escort proteins ability to bind to miRNAs and transport to extracellular vesicles.</a:t>
+            </a:r>
+          </a:p>
+          <a:p>
+            <a:endParaRPr lang="en-AU" dirty="0"/>
+          </a:p>
+        </p:txBody>
+      </p:sp>
+    </p:spTree>
+    <p:extLst>
+      <p:ext uri="{BB962C8B-B14F-4D97-AF65-F5344CB8AC3E}">
+        <p14:creationId xmlns:p14="http://schemas.microsoft.com/office/powerpoint/2010/main" val="471711754"/>
+      </p:ext>
+    </p:extLst>
+  </p:cSld>
+  <p:clrMapOvr>
+    <a:masterClrMapping/>
+  </p:clrMapOvr>
+</p:sld>
+</file>
+
+<file path=ppt/slides/slide14.xml><?xml version="1.0" encoding="utf-8"?>
+<p:sld xmlns:a="http://schemas.openxmlformats.org/drawingml/2006/main" xmlns:r="http://schemas.openxmlformats.org/officeDocument/2006/relationships" xmlns:p="http://schemas.openxmlformats.org/presentationml/2006/main">
+  <p:cSld>
+    <p:spTree>
+      <p:nvGrpSpPr>
+        <p:cNvPr id="1" name=""/>
+        <p:cNvGrpSpPr/>
+        <p:nvPr/>
+      </p:nvGrpSpPr>
+      <p:grpSpPr>
+        <a:xfrm>
+          <a:off x="0" y="0"/>
+          <a:ext cx="0" cy="0"/>
+          <a:chOff x="0" y="0"/>
+          <a:chExt cx="0" cy="0"/>
+        </a:xfrm>
+      </p:grpSpPr>
+      <p:sp>
+        <p:nvSpPr>
+          <p:cNvPr id="2" name="Title 1"/>
+          <p:cNvSpPr>
+            <a:spLocks noGrp="1"/>
+          </p:cNvSpPr>
+          <p:nvPr>
+            <p:ph type="title"/>
+          </p:nvPr>
+        </p:nvSpPr>
         <p:spPr>
           <a:xfrm>
             <a:off x="646111" y="452718"/>
@@ -6498,7 +6583,7 @@
 </p:sld>
 </file>
 
-<file path=ppt/slides/slide14.xml><?xml version="1.0" encoding="utf-8"?>
+<file path=ppt/slides/slide15.xml><?xml version="1.0" encoding="utf-8"?>
 <p:sld xmlns:a="http://schemas.openxmlformats.org/drawingml/2006/main" xmlns:r="http://schemas.openxmlformats.org/officeDocument/2006/relationships" xmlns:p="http://schemas.openxmlformats.org/presentationml/2006/main">
   <p:cSld>
     <p:spTree>
@@ -6678,7 +6763,7 @@
         </p:blipFill>
         <p:spPr>
           <a:xfrm>
-            <a:off x="4778498" y="1503152"/>
+            <a:off x="5083298" y="1398800"/>
             <a:ext cx="6545995" cy="4711548"/>
           </a:xfrm>
           <a:prstGeom prst="rect">
@@ -6686,6 +6771,74 @@
           </a:prstGeom>
         </p:spPr>
       </p:pic>
+      <p:sp>
+        <p:nvSpPr>
+          <p:cNvPr id="3" name="TextBox 2"/>
+          <p:cNvSpPr txBox="1"/>
+          <p:nvPr/>
+        </p:nvSpPr>
+        <p:spPr>
+          <a:xfrm>
+            <a:off x="646111" y="2275014"/>
+            <a:ext cx="4437187" cy="3416320"/>
+          </a:xfrm>
+          <a:prstGeom prst="rect">
+            <a:avLst/>
+          </a:prstGeom>
+          <a:noFill/>
+        </p:spPr>
+        <p:txBody>
+          <a:bodyPr wrap="square" rtlCol="0">
+            <a:spAutoFit/>
+          </a:bodyPr>
+          <a:lstStyle/>
+          <a:p>
+            <a:pPr marL="285750" indent="-285750">
+              <a:buFont typeface="Arial" panose="020B0604020202020204" pitchFamily="34" charset="0"/>
+              <a:buChar char="•"/>
+            </a:pPr>
+            <a:r>
+              <a:rPr lang="en-AU" sz="2400" dirty="0" smtClean="0"/>
+              <a:t>EVs transfer cellular material between cells</a:t>
+            </a:r>
+          </a:p>
+          <a:p>
+            <a:pPr marL="285750" indent="-285750">
+              <a:buFont typeface="Arial" panose="020B0604020202020204" pitchFamily="34" charset="0"/>
+              <a:buChar char="•"/>
+            </a:pPr>
+            <a:endParaRPr lang="en-AU" sz="2400" dirty="0" smtClean="0"/>
+          </a:p>
+          <a:p>
+            <a:pPr marL="285750" indent="-285750">
+              <a:buFont typeface="Arial" panose="020B0604020202020204" pitchFamily="34" charset="0"/>
+              <a:buChar char="•"/>
+            </a:pPr>
+            <a:r>
+              <a:rPr lang="en-AU" sz="2400" dirty="0" smtClean="0"/>
+              <a:t>MicroRNAs regulate RNA degradation</a:t>
+            </a:r>
+          </a:p>
+          <a:p>
+            <a:pPr marL="285750" indent="-285750">
+              <a:buFont typeface="Arial" panose="020B0604020202020204" pitchFamily="34" charset="0"/>
+              <a:buChar char="•"/>
+            </a:pPr>
+            <a:endParaRPr lang="en-AU" sz="2400" dirty="0"/>
+          </a:p>
+          <a:p>
+            <a:pPr marL="285750" indent="-285750">
+              <a:buFont typeface="Arial" panose="020B0604020202020204" pitchFamily="34" charset="0"/>
+              <a:buChar char="•"/>
+            </a:pPr>
+            <a:r>
+              <a:rPr lang="en-AU" sz="2400" dirty="0" smtClean="0"/>
+              <a:t>Sorting of microRNAs to EVs likely but mechanism not known </a:t>
+            </a:r>
+            <a:endParaRPr lang="en-AU" sz="2400" dirty="0"/>
+          </a:p>
+        </p:txBody>
+      </p:sp>
     </p:spTree>
     <p:extLst>
       <p:ext uri="{BB962C8B-B14F-4D97-AF65-F5344CB8AC3E}">
@@ -6726,7 +6879,12 @@
             <p:ph type="title"/>
           </p:nvPr>
         </p:nvSpPr>
-        <p:spPr/>
+        <p:spPr>
+          <a:xfrm>
+            <a:off x="647093" y="528918"/>
+            <a:ext cx="9404723" cy="1400530"/>
+          </a:xfrm>
+        </p:spPr>
         <p:txBody>
           <a:bodyPr/>
           <a:lstStyle/>
@@ -6749,12 +6907,73 @@
             <p:ph idx="1"/>
           </p:nvPr>
         </p:nvSpPr>
-        <p:spPr/>
-        <p:txBody>
-          <a:bodyPr/>
-          <a:lstStyle/>
-          <a:p>
-            <a:endParaRPr lang="en-AU" dirty="0"/>
+        <p:spPr>
+          <a:xfrm>
+            <a:off x="647093" y="1726248"/>
+            <a:ext cx="7150707" cy="4195481"/>
+          </a:xfrm>
+        </p:spPr>
+        <p:txBody>
+          <a:bodyPr>
+            <a:normAutofit/>
+          </a:bodyPr>
+          <a:lstStyle/>
+          <a:p>
+            <a:pPr>
+              <a:buFont typeface="Arial" panose="020B0604020202020204" pitchFamily="34" charset="0"/>
+              <a:buChar char="•"/>
+            </a:pPr>
+            <a:r>
+              <a:rPr lang="en-AU" sz="2400" dirty="0" smtClean="0"/>
+              <a:t>Caveolin-1 expression: No Cavin-1 expression. </a:t>
+            </a:r>
+          </a:p>
+          <a:p>
+            <a:pPr>
+              <a:buFont typeface="Arial" panose="020B0604020202020204" pitchFamily="34" charset="0"/>
+              <a:buChar char="•"/>
+            </a:pPr>
+            <a:endParaRPr lang="en-AU" sz="2400" dirty="0"/>
+          </a:p>
+          <a:p>
+            <a:pPr>
+              <a:buFont typeface="Arial" panose="020B0604020202020204" pitchFamily="34" charset="0"/>
+              <a:buChar char="•"/>
+            </a:pPr>
+            <a:r>
+              <a:rPr lang="en-AU" sz="2400" dirty="0" smtClean="0"/>
+              <a:t>Addition of cavin-1 to these cells attenuates: </a:t>
+            </a:r>
+          </a:p>
+          <a:p>
+            <a:pPr lvl="1">
+              <a:buFont typeface="Arial" panose="020B0604020202020204" pitchFamily="34" charset="0"/>
+              <a:buChar char="•"/>
+            </a:pPr>
+            <a:r>
+              <a:rPr lang="en-AU" sz="2200" dirty="0" smtClean="0"/>
+              <a:t>Oncogenic behaviour</a:t>
+            </a:r>
+          </a:p>
+          <a:p>
+            <a:pPr lvl="1">
+              <a:buFont typeface="Arial" panose="020B0604020202020204" pitchFamily="34" charset="0"/>
+              <a:buChar char="•"/>
+            </a:pPr>
+            <a:r>
+              <a:rPr lang="en-AU" sz="2200" dirty="0" smtClean="0"/>
+              <a:t>Cholesterol distribution </a:t>
+            </a:r>
+          </a:p>
+          <a:p>
+            <a:pPr lvl="1">
+              <a:buFont typeface="Arial" panose="020B0604020202020204" pitchFamily="34" charset="0"/>
+              <a:buChar char="•"/>
+            </a:pPr>
+            <a:r>
+              <a:rPr lang="en-AU" sz="2200" dirty="0" smtClean="0"/>
+              <a:t>MicroRNA EV content. </a:t>
+            </a:r>
           </a:p>
         </p:txBody>
       </p:sp>
@@ -6804,8 +7023,8 @@
           <a:lstStyle/>
           <a:p>
             <a:r>
-              <a:rPr lang="en-US" dirty="0" smtClean="0"/>
-              <a:t>Aims:</a:t>
+              <a:rPr lang="en-AU" dirty="0" smtClean="0"/>
+              <a:t>Lipid rafts and EVs</a:t>
             </a:r>
             <a:endParaRPr lang="en-AU" dirty="0"/>
           </a:p>
@@ -6826,44 +7045,14 @@
           <a:bodyPr/>
           <a:lstStyle/>
           <a:p>
-            <a:pPr marL="781050" indent="-514350">
-              <a:buFont typeface="+mj-lt"/>
-              <a:buAutoNum type="arabicPeriod"/>
-            </a:pPr>
-            <a:r>
-              <a:rPr lang="en-AU" dirty="0" smtClean="0"/>
-              <a:t>Identify the selectively exported miRNAs </a:t>
-            </a:r>
-          </a:p>
-          <a:p>
-            <a:pPr marL="781050" indent="-514350">
-              <a:buFont typeface="+mj-lt"/>
-              <a:buAutoNum type="arabicPeriod"/>
-            </a:pPr>
-            <a:r>
-              <a:rPr lang="en-AU" dirty="0" smtClean="0"/>
-              <a:t>Identify RNA-binding proteins correlated to the miRNA export</a:t>
-            </a:r>
-          </a:p>
-          <a:p>
-            <a:pPr marL="781050" indent="-514350">
-              <a:buFont typeface="+mj-lt"/>
-              <a:buAutoNum type="arabicPeriod"/>
-            </a:pPr>
-            <a:r>
-              <a:rPr lang="en-AU" dirty="0" smtClean="0"/>
-              <a:t>Verify candidate miRNA escort proteins ability to bind to miRNAs and transport to extracellular vesicles.</a:t>
-            </a:r>
-          </a:p>
-          <a:p>
-            <a:endParaRPr lang="en-AU" dirty="0"/>
+            <a:endParaRPr lang="en-AU"/>
           </a:p>
         </p:txBody>
       </p:sp>
     </p:spTree>
     <p:extLst>
       <p:ext uri="{BB962C8B-B14F-4D97-AF65-F5344CB8AC3E}">
-        <p14:creationId xmlns:p14="http://schemas.microsoft.com/office/powerpoint/2010/main" val="4254097048"/>
+        <p14:creationId xmlns:p14="http://schemas.microsoft.com/office/powerpoint/2010/main" val="748100172"/>
       </p:ext>
     </p:extLst>
   </p:cSld>
@@ -6900,22 +7089,19 @@
             <p:ph type="title"/>
           </p:nvPr>
         </p:nvSpPr>
-        <p:spPr/>
+        <p:spPr>
+          <a:xfrm>
+            <a:off x="645130" y="575236"/>
+            <a:ext cx="9404723" cy="1400530"/>
+          </a:xfrm>
+        </p:spPr>
         <p:txBody>
           <a:bodyPr/>
           <a:lstStyle/>
           <a:p>
             <a:r>
               <a:rPr lang="en-US" dirty="0" smtClean="0"/>
-              <a:t>Selective Exported </a:t>
-            </a:r>
-            <a:r>
-              <a:rPr lang="en-US" dirty="0" err="1" smtClean="0"/>
-              <a:t>miRs</a:t>
-            </a:r>
-            <a:r>
-              <a:rPr lang="en-US" dirty="0" smtClean="0"/>
-              <a:t>. </a:t>
+              <a:t>Aims and Hypotheses:</a:t>
             </a:r>
             <a:endParaRPr lang="en-AU" dirty="0"/>
           </a:p>
@@ -6931,18 +7117,62 @@
             <p:ph idx="1"/>
           </p:nvPr>
         </p:nvSpPr>
-        <p:spPr/>
-        <p:txBody>
-          <a:bodyPr/>
-          <a:lstStyle/>
+        <p:spPr>
+          <a:xfrm>
+            <a:off x="1103312" y="2205318"/>
+            <a:ext cx="8946541" cy="4195481"/>
+          </a:xfrm>
+        </p:spPr>
+        <p:txBody>
+          <a:bodyPr/>
+          <a:lstStyle/>
+          <a:p>
+            <a:pPr marL="781050" indent="-514350">
+              <a:buFont typeface="+mj-lt"/>
+              <a:buAutoNum type="arabicPeriod"/>
+            </a:pPr>
+            <a:r>
+              <a:rPr lang="en-AU" sz="2400" dirty="0" smtClean="0"/>
+              <a:t>Identify the selectively exported </a:t>
+            </a:r>
+            <a:r>
+              <a:rPr lang="en-AU" sz="2400" dirty="0" smtClean="0"/>
+              <a:t>miRNAs.  </a:t>
+            </a:r>
+            <a:endParaRPr lang="en-AU" sz="2400" dirty="0" smtClean="0"/>
+          </a:p>
+          <a:p>
+            <a:pPr marL="781050" indent="-514350">
+              <a:buFont typeface="+mj-lt"/>
+              <a:buAutoNum type="arabicPeriod"/>
+            </a:pPr>
+            <a:r>
+              <a:rPr lang="en-AU" sz="2400" dirty="0" smtClean="0"/>
+              <a:t>Identify </a:t>
+            </a:r>
+            <a:r>
+              <a:rPr lang="en-AU" sz="2400" dirty="0" smtClean="0"/>
+              <a:t>candidate miRNA escort proteins.  </a:t>
+            </a:r>
+            <a:endParaRPr lang="en-AU" sz="2400" dirty="0" smtClean="0"/>
+          </a:p>
+          <a:p>
+            <a:pPr marL="781050" indent="-514350">
+              <a:buFont typeface="+mj-lt"/>
+              <a:buAutoNum type="arabicPeriod"/>
+            </a:pPr>
+            <a:r>
+              <a:rPr lang="en-AU" sz="2400" dirty="0" smtClean="0"/>
+              <a:t>Verify candidate miRNA escort proteins ability to bind to miRNAs and transport to extracellular vesicles.</a:t>
+            </a:r>
+          </a:p>
+          <a:p>
+            <a:endParaRPr lang="en-AU" dirty="0" smtClean="0"/>
+          </a:p>
           <a:p>
             <a:pPr marL="0" indent="0">
               <a:buNone/>
             </a:pPr>
-            <a:r>
-              <a:rPr lang="en-US" dirty="0" smtClean="0"/>
-              <a:t>Methods and data. </a:t>
-            </a:r>
             <a:endParaRPr lang="en-AU" dirty="0"/>
           </a:p>
         </p:txBody>
@@ -6950,7 +7180,7 @@
     </p:spTree>
     <p:extLst>
       <p:ext uri="{BB962C8B-B14F-4D97-AF65-F5344CB8AC3E}">
-        <p14:creationId xmlns:p14="http://schemas.microsoft.com/office/powerpoint/2010/main" val="739210195"/>
+        <p14:creationId xmlns:p14="http://schemas.microsoft.com/office/powerpoint/2010/main" val="4254097048"/>
       </p:ext>
     </p:extLst>
   </p:cSld>
@@ -6994,11 +7224,11 @@
           <a:p>
             <a:r>
               <a:rPr lang="en-US" dirty="0" smtClean="0"/>
-              <a:t>Selectively Exported </a:t>
+              <a:t>Selective Exported </a:t>
             </a:r>
             <a:r>
               <a:rPr lang="en-US" dirty="0" err="1" smtClean="0"/>
-              <a:t>MiRs</a:t>
+              <a:t>miRs</a:t>
             </a:r>
             <a:r>
               <a:rPr lang="en-US" dirty="0" smtClean="0"/>
@@ -7018,29 +7248,98 @@
             <p:ph idx="1"/>
           </p:nvPr>
         </p:nvSpPr>
-        <p:spPr/>
-        <p:txBody>
-          <a:bodyPr/>
-          <a:lstStyle/>
-          <a:p>
-            <a:r>
-              <a:rPr lang="en-US" dirty="0" smtClean="0"/>
-              <a:t>Correlation graph and table. </a:t>
-            </a:r>
-            <a:endParaRPr lang="en-AU" dirty="0"/>
+        <p:spPr>
+          <a:xfrm>
+            <a:off x="1104293" y="1853248"/>
+            <a:ext cx="8946541" cy="4195481"/>
+          </a:xfrm>
+        </p:spPr>
+        <p:txBody>
+          <a:bodyPr>
+            <a:normAutofit/>
+          </a:bodyPr>
+          <a:lstStyle/>
+          <a:p>
+            <a:r>
+              <a:rPr lang="en-AU" sz="2400" dirty="0" smtClean="0"/>
+              <a:t>RNA-</a:t>
+            </a:r>
+            <a:r>
+              <a:rPr lang="en-AU" sz="2400" dirty="0" err="1" smtClean="0"/>
+              <a:t>seq</a:t>
+            </a:r>
+            <a:r>
+              <a:rPr lang="en-AU" sz="2400" dirty="0" smtClean="0"/>
+              <a:t> for small RNAs by Illumina in triplicate for GFP and cavin-1 cell lines.</a:t>
+            </a:r>
+          </a:p>
+          <a:p>
+            <a:pPr marL="0" indent="0">
+              <a:buNone/>
+            </a:pPr>
+            <a:r>
+              <a:rPr lang="en-AU" sz="2400" dirty="0" smtClean="0"/>
+              <a:t> </a:t>
+            </a:r>
+          </a:p>
+          <a:p>
+            <a:r>
+              <a:rPr lang="en-AU" sz="2400" dirty="0" smtClean="0"/>
+              <a:t>R package: DEseq2</a:t>
+            </a:r>
+          </a:p>
+          <a:p>
+            <a:endParaRPr lang="en-AU" sz="2400" dirty="0" smtClean="0"/>
+          </a:p>
+          <a:p>
+            <a:r>
+              <a:rPr lang="en-AU" sz="2400" dirty="0" smtClean="0"/>
+              <a:t>Filter, normalise, compare between cell lines then between cellular localisation. </a:t>
+            </a:r>
+          </a:p>
+          <a:p>
+            <a:pPr marL="0" indent="0">
+              <a:buNone/>
+            </a:pPr>
+            <a:endParaRPr lang="en-AU" sz="2400" dirty="0" smtClean="0"/>
+          </a:p>
+          <a:p>
+            <a:pPr marL="0" indent="0" algn="ctr">
+              <a:buNone/>
+            </a:pPr>
+            <a:r>
+              <a:rPr lang="en-AU" sz="2400" dirty="0" err="1" smtClean="0"/>
+              <a:t>FCcell</a:t>
+            </a:r>
+            <a:r>
+              <a:rPr lang="en-AU" sz="2400" dirty="0" smtClean="0"/>
+              <a:t> - </a:t>
+            </a:r>
+            <a:r>
+              <a:rPr lang="en-AU" sz="2400" dirty="0" err="1" smtClean="0"/>
+              <a:t>FCev</a:t>
+            </a:r>
+            <a:endParaRPr lang="en-AU" sz="2400" dirty="0" smtClean="0"/>
           </a:p>
         </p:txBody>
       </p:sp>
     </p:spTree>
     <p:extLst>
       <p:ext uri="{BB962C8B-B14F-4D97-AF65-F5344CB8AC3E}">
-        <p14:creationId xmlns:p14="http://schemas.microsoft.com/office/powerpoint/2010/main" val="308165703"/>
+        <p14:creationId xmlns:p14="http://schemas.microsoft.com/office/powerpoint/2010/main" val="739210195"/>
       </p:ext>
     </p:extLst>
   </p:cSld>
   <p:clrMapOvr>
     <a:masterClrMapping/>
   </p:clrMapOvr>
+  <p:timing>
+    <p:tnLst>
+      <p:par>
+        <p:cTn id="1" dur="indefinite" restart="never" nodeType="tmRoot"/>
+      </p:par>
+    </p:tnLst>
+  </p:timing>
 </p:sld>
 </file>
 
@@ -7092,39 +7391,55 @@
           </a:p>
         </p:txBody>
       </p:sp>
-      <p:sp>
-        <p:nvSpPr>
-          <p:cNvPr id="3" name="Content Placeholder 2"/>
-          <p:cNvSpPr>
-            <a:spLocks noGrp="1"/>
-          </p:cNvSpPr>
+      <p:pic>
+        <p:nvPicPr>
+          <p:cNvPr id="4" name="Content Placeholder 3"/>
+          <p:cNvPicPr>
+            <a:picLocks noGrp="1"/>
+          </p:cNvPicPr>
           <p:nvPr>
             <p:ph idx="1"/>
           </p:nvPr>
-        </p:nvSpPr>
-        <p:spPr/>
-        <p:txBody>
-          <a:bodyPr/>
-          <a:lstStyle/>
-          <a:p>
-            <a:r>
-              <a:rPr lang="en-US" dirty="0" smtClean="0"/>
-              <a:t>qPCR results.</a:t>
-            </a:r>
-            <a:endParaRPr lang="en-AU" dirty="0"/>
-          </a:p>
-        </p:txBody>
-      </p:sp>
+        </p:nvPicPr>
+        <p:blipFill>
+          <a:blip r:embed="rId2" cstate="print">
+            <a:extLst>
+              <a:ext uri="{28A0092B-C50C-407E-A947-70E740481C1C}">
+                <a14:useLocalDpi xmlns:a14="http://schemas.microsoft.com/office/drawing/2010/main" val="0"/>
+              </a:ext>
+            </a:extLst>
+          </a:blip>
+          <a:stretch>
+            <a:fillRect/>
+          </a:stretch>
+        </p:blipFill>
+        <p:spPr>
+          <a:xfrm>
+            <a:off x="863600" y="1447800"/>
+            <a:ext cx="6451600" cy="5003799"/>
+          </a:xfrm>
+          <a:prstGeom prst="rect">
+            <a:avLst/>
+          </a:prstGeom>
+        </p:spPr>
+      </p:pic>
     </p:spTree>
     <p:extLst>
       <p:ext uri="{BB962C8B-B14F-4D97-AF65-F5344CB8AC3E}">
-        <p14:creationId xmlns:p14="http://schemas.microsoft.com/office/powerpoint/2010/main" val="2814670058"/>
+        <p14:creationId xmlns:p14="http://schemas.microsoft.com/office/powerpoint/2010/main" val="308165703"/>
       </p:ext>
     </p:extLst>
   </p:cSld>
   <p:clrMapOvr>
     <a:masterClrMapping/>
   </p:clrMapOvr>
+  <p:timing>
+    <p:tnLst>
+      <p:par>
+        <p:cTn id="1" dur="indefinite" restart="never" nodeType="tmRoot"/>
+      </p:par>
+    </p:tnLst>
+  </p:timing>
 </p:sld>
 </file>
 
@@ -7162,7 +7477,15 @@
           <a:p>
             <a:r>
               <a:rPr lang="en-US" dirty="0" smtClean="0"/>
-              <a:t>Aims:</a:t>
+              <a:t>Selectively Exported </a:t>
+            </a:r>
+            <a:r>
+              <a:rPr lang="en-US" dirty="0" err="1" smtClean="0"/>
+              <a:t>MiRs</a:t>
+            </a:r>
+            <a:r>
+              <a:rPr lang="en-US" dirty="0" smtClean="0"/>
+              <a:t>. </a:t>
             </a:r>
             <a:endParaRPr lang="en-AU" dirty="0"/>
           </a:p>
@@ -7178,55 +7501,97 @@
             <p:ph idx="1"/>
           </p:nvPr>
         </p:nvSpPr>
-        <p:spPr/>
-        <p:txBody>
-          <a:bodyPr/>
-          <a:lstStyle/>
-          <a:p>
-            <a:pPr marL="781050" indent="-514350">
-              <a:buFont typeface="+mj-lt"/>
-              <a:buAutoNum type="arabicPeriod"/>
+        <p:spPr>
+          <a:xfrm>
+            <a:off x="7391400" y="2052918"/>
+            <a:ext cx="2658453" cy="4195481"/>
+          </a:xfrm>
+        </p:spPr>
+        <p:txBody>
+          <a:bodyPr/>
+          <a:lstStyle/>
+          <a:p>
+            <a:pPr marL="0" indent="0">
+              <a:buNone/>
             </a:pPr>
-            <a:r>
-              <a:rPr lang="en-AU" dirty="0" smtClean="0"/>
-              <a:t>Identify the selectively exported miRNAs </a:t>
-            </a:r>
-          </a:p>
-          <a:p>
-            <a:pPr marL="781050" indent="-514350">
-              <a:buFont typeface="+mj-lt"/>
-              <a:buAutoNum type="arabicPeriod"/>
-            </a:pPr>
-            <a:r>
-              <a:rPr lang="en-AU" dirty="0" smtClean="0"/>
-              <a:t>Identify RNA-binding proteins correlated to the miRNA export</a:t>
-            </a:r>
-          </a:p>
-          <a:p>
-            <a:pPr marL="781050" indent="-514350">
-              <a:buFont typeface="+mj-lt"/>
-              <a:buAutoNum type="arabicPeriod"/>
-            </a:pPr>
-            <a:r>
-              <a:rPr lang="en-AU" dirty="0" smtClean="0"/>
-              <a:t>Verify candidate miRNA escort proteins ability to bind to miRNAs and transport to extracellular vesicles.</a:t>
-            </a:r>
-          </a:p>
-          <a:p>
             <a:endParaRPr lang="en-AU" dirty="0"/>
           </a:p>
         </p:txBody>
       </p:sp>
+      <p:pic>
+        <p:nvPicPr>
+          <p:cNvPr id="4" name="Picture 3"/>
+          <p:cNvPicPr/>
+          <p:nvPr/>
+        </p:nvPicPr>
+        <p:blipFill rotWithShape="1">
+          <a:blip r:embed="rId2">
+            <a:extLst>
+              <a:ext uri="{28A0092B-C50C-407E-A947-70E740481C1C}">
+                <a14:useLocalDpi xmlns:a14="http://schemas.microsoft.com/office/drawing/2010/main" val="0"/>
+              </a:ext>
+            </a:extLst>
+          </a:blip>
+          <a:srcRect t="12797" r="19666"/>
+          <a:stretch/>
+        </p:blipFill>
+        <p:spPr bwMode="auto">
+          <a:xfrm>
+            <a:off x="1014200" y="2052918"/>
+            <a:ext cx="4953306" cy="3407168"/>
+          </a:xfrm>
+          <a:prstGeom prst="rect">
+            <a:avLst/>
+          </a:prstGeom>
+          <a:solidFill>
+            <a:srgbClr val="FFFFFF">
+              <a:shade val="85000"/>
+            </a:srgbClr>
+          </a:solidFill>
+          <a:ln w="88900" cap="sq">
+            <a:solidFill>
+              <a:srgbClr val="FFFFFF"/>
+            </a:solidFill>
+            <a:miter lim="800000"/>
+          </a:ln>
+          <a:effectLst>
+            <a:outerShdw blurRad="55000" dist="18000" dir="5400000" algn="tl" rotWithShape="0">
+              <a:srgbClr val="000000">
+                <a:alpha val="40000"/>
+              </a:srgbClr>
+            </a:outerShdw>
+          </a:effectLst>
+          <a:scene3d>
+            <a:camera prst="orthographicFront"/>
+            <a:lightRig rig="twoPt" dir="t">
+              <a:rot lat="0" lon="0" rev="7200000"/>
+            </a:lightRig>
+          </a:scene3d>
+          <a:sp3d>
+            <a:bevelT w="25400" h="19050"/>
+            <a:contourClr>
+              <a:srgbClr val="FFFFFF"/>
+            </a:contourClr>
+          </a:sp3d>
+        </p:spPr>
+      </p:pic>
     </p:spTree>
     <p:extLst>
       <p:ext uri="{BB962C8B-B14F-4D97-AF65-F5344CB8AC3E}">
-        <p14:creationId xmlns:p14="http://schemas.microsoft.com/office/powerpoint/2010/main" val="2248053184"/>
+        <p14:creationId xmlns:p14="http://schemas.microsoft.com/office/powerpoint/2010/main" val="2814670058"/>
       </p:ext>
     </p:extLst>
   </p:cSld>
   <p:clrMapOvr>
     <a:masterClrMapping/>
   </p:clrMapOvr>
+  <p:timing>
+    <p:tnLst>
+      <p:par>
+        <p:cTn id="1" dur="indefinite" restart="never" nodeType="tmRoot"/>
+      </p:par>
+    </p:tnLst>
+  </p:timing>
 </p:sld>
 </file>
 
@@ -7264,7 +7629,7 @@
           <a:p>
             <a:r>
               <a:rPr lang="en-US" dirty="0" smtClean="0"/>
-              <a:t>RNA-binding proteins and Motifs. </a:t>
+              <a:t>Aims:</a:t>
             </a:r>
             <a:endParaRPr lang="en-AU" dirty="0"/>
           </a:p>
@@ -7285,10 +7650,36 @@
           <a:bodyPr/>
           <a:lstStyle/>
           <a:p>
-            <a:r>
-              <a:rPr lang="en-US" dirty="0" smtClean="0"/>
-              <a:t>Methods </a:t>
-            </a:r>
+            <a:pPr marL="781050" indent="-514350">
+              <a:buFont typeface="+mj-lt"/>
+              <a:buAutoNum type="arabicPeriod"/>
+            </a:pPr>
+            <a:r>
+              <a:rPr lang="en-AU" dirty="0" smtClean="0"/>
+              <a:t>Identify the selectively exported miRNAs </a:t>
+            </a:r>
+          </a:p>
+          <a:p>
+            <a:pPr marL="781050" indent="-514350">
+              <a:buFont typeface="+mj-lt"/>
+              <a:buAutoNum type="arabicPeriod"/>
+            </a:pPr>
+            <a:r>
+              <a:rPr lang="en-AU" dirty="0" smtClean="0"/>
+              <a:t>Identify RNA-binding proteins correlated to the miRNA export</a:t>
+            </a:r>
+          </a:p>
+          <a:p>
+            <a:pPr marL="781050" indent="-514350">
+              <a:buFont typeface="+mj-lt"/>
+              <a:buAutoNum type="arabicPeriod"/>
+            </a:pPr>
+            <a:r>
+              <a:rPr lang="en-AU" dirty="0" smtClean="0"/>
+              <a:t>Verify candidate miRNA escort proteins ability to bind to miRNAs and transport to extracellular vesicles.</a:t>
+            </a:r>
+          </a:p>
+          <a:p>
             <a:endParaRPr lang="en-AU" dirty="0"/>
           </a:p>
         </p:txBody>
@@ -7296,7 +7687,7 @@
     </p:spTree>
     <p:extLst>
       <p:ext uri="{BB962C8B-B14F-4D97-AF65-F5344CB8AC3E}">
-        <p14:creationId xmlns:p14="http://schemas.microsoft.com/office/powerpoint/2010/main" val="3674183296"/>
+        <p14:creationId xmlns:p14="http://schemas.microsoft.com/office/powerpoint/2010/main" val="2248053184"/>
       </p:ext>
     </p:extLst>
   </p:cSld>

--- a/BackgroundInfo/MeetingSlides.pptx
+++ b/BackgroundInfo/MeetingSlides.pptx
@@ -312,7 +312,7 @@
           <a:p>
             <a:fld id="{B61F3786-CE44-4BCC-AFE0-DA4E5B49D7AC}" type="datetimeFigureOut">
               <a:rPr lang="en-AU" smtClean="0"/>
-              <a:t>10/07/2016</a:t>
+              <a:t>11/07/2016</a:t>
             </a:fld>
             <a:endParaRPr lang="en-AU"/>
           </a:p>
@@ -587,7 +587,7 @@
           <a:p>
             <a:fld id="{B61F3786-CE44-4BCC-AFE0-DA4E5B49D7AC}" type="datetimeFigureOut">
               <a:rPr lang="en-AU" smtClean="0"/>
-              <a:t>10/07/2016</a:t>
+              <a:t>11/07/2016</a:t>
             </a:fld>
             <a:endParaRPr lang="en-AU"/>
           </a:p>
@@ -781,7 +781,7 @@
           <a:p>
             <a:fld id="{B61F3786-CE44-4BCC-AFE0-DA4E5B49D7AC}" type="datetimeFigureOut">
               <a:rPr lang="en-AU" smtClean="0"/>
-              <a:t>10/07/2016</a:t>
+              <a:t>11/07/2016</a:t>
             </a:fld>
             <a:endParaRPr lang="en-AU"/>
           </a:p>
@@ -1054,7 +1054,7 @@
           <a:p>
             <a:fld id="{B61F3786-CE44-4BCC-AFE0-DA4E5B49D7AC}" type="datetimeFigureOut">
               <a:rPr lang="en-AU" smtClean="0"/>
-              <a:t>10/07/2016</a:t>
+              <a:t>11/07/2016</a:t>
             </a:fld>
             <a:endParaRPr lang="en-AU"/>
           </a:p>
@@ -1395,7 +1395,7 @@
           <a:p>
             <a:fld id="{B61F3786-CE44-4BCC-AFE0-DA4E5B49D7AC}" type="datetimeFigureOut">
               <a:rPr lang="en-AU" smtClean="0"/>
-              <a:t>10/07/2016</a:t>
+              <a:t>11/07/2016</a:t>
             </a:fld>
             <a:endParaRPr lang="en-AU"/>
           </a:p>
@@ -2018,7 +2018,7 @@
           <a:p>
             <a:fld id="{B61F3786-CE44-4BCC-AFE0-DA4E5B49D7AC}" type="datetimeFigureOut">
               <a:rPr lang="en-AU" smtClean="0"/>
-              <a:t>10/07/2016</a:t>
+              <a:t>11/07/2016</a:t>
             </a:fld>
             <a:endParaRPr lang="en-AU"/>
           </a:p>
@@ -2878,7 +2878,7 @@
           <a:p>
             <a:fld id="{B61F3786-CE44-4BCC-AFE0-DA4E5B49D7AC}" type="datetimeFigureOut">
               <a:rPr lang="en-AU" smtClean="0"/>
-              <a:t>10/07/2016</a:t>
+              <a:t>11/07/2016</a:t>
             </a:fld>
             <a:endParaRPr lang="en-AU"/>
           </a:p>
@@ -3048,7 +3048,7 @@
           <a:p>
             <a:fld id="{B61F3786-CE44-4BCC-AFE0-DA4E5B49D7AC}" type="datetimeFigureOut">
               <a:rPr lang="en-AU" smtClean="0"/>
-              <a:t>10/07/2016</a:t>
+              <a:t>11/07/2016</a:t>
             </a:fld>
             <a:endParaRPr lang="en-AU"/>
           </a:p>
@@ -3228,7 +3228,7 @@
           <a:p>
             <a:fld id="{B61F3786-CE44-4BCC-AFE0-DA4E5B49D7AC}" type="datetimeFigureOut">
               <a:rPr lang="en-AU" smtClean="0"/>
-              <a:t>10/07/2016</a:t>
+              <a:t>11/07/2016</a:t>
             </a:fld>
             <a:endParaRPr lang="en-AU"/>
           </a:p>
@@ -3398,7 +3398,7 @@
           <a:p>
             <a:fld id="{B61F3786-CE44-4BCC-AFE0-DA4E5B49D7AC}" type="datetimeFigureOut">
               <a:rPr lang="en-AU" smtClean="0"/>
-              <a:t>10/07/2016</a:t>
+              <a:t>11/07/2016</a:t>
             </a:fld>
             <a:endParaRPr lang="en-AU"/>
           </a:p>
@@ -3645,7 +3645,7 @@
           <a:p>
             <a:fld id="{B61F3786-CE44-4BCC-AFE0-DA4E5B49D7AC}" type="datetimeFigureOut">
               <a:rPr lang="en-AU" smtClean="0"/>
-              <a:t>10/07/2016</a:t>
+              <a:t>11/07/2016</a:t>
             </a:fld>
             <a:endParaRPr lang="en-AU"/>
           </a:p>
@@ -3937,7 +3937,7 @@
           <a:p>
             <a:fld id="{B61F3786-CE44-4BCC-AFE0-DA4E5B49D7AC}" type="datetimeFigureOut">
               <a:rPr lang="en-AU" smtClean="0"/>
-              <a:t>10/07/2016</a:t>
+              <a:t>11/07/2016</a:t>
             </a:fld>
             <a:endParaRPr lang="en-AU"/>
           </a:p>
@@ -4381,7 +4381,7 @@
           <a:p>
             <a:fld id="{B61F3786-CE44-4BCC-AFE0-DA4E5B49D7AC}" type="datetimeFigureOut">
               <a:rPr lang="en-AU" smtClean="0"/>
-              <a:t>10/07/2016</a:t>
+              <a:t>11/07/2016</a:t>
             </a:fld>
             <a:endParaRPr lang="en-AU"/>
           </a:p>
@@ -4499,7 +4499,7 @@
           <a:p>
             <a:fld id="{B61F3786-CE44-4BCC-AFE0-DA4E5B49D7AC}" type="datetimeFigureOut">
               <a:rPr lang="en-AU" smtClean="0"/>
-              <a:t>10/07/2016</a:t>
+              <a:t>11/07/2016</a:t>
             </a:fld>
             <a:endParaRPr lang="en-AU"/>
           </a:p>
@@ -4594,7 +4594,7 @@
           <a:p>
             <a:fld id="{B61F3786-CE44-4BCC-AFE0-DA4E5B49D7AC}" type="datetimeFigureOut">
               <a:rPr lang="en-AU" smtClean="0"/>
-              <a:t>10/07/2016</a:t>
+              <a:t>11/07/2016</a:t>
             </a:fld>
             <a:endParaRPr lang="en-AU"/>
           </a:p>
@@ -4873,7 +4873,7 @@
           <a:p>
             <a:fld id="{B61F3786-CE44-4BCC-AFE0-DA4E5B49D7AC}" type="datetimeFigureOut">
               <a:rPr lang="en-AU" smtClean="0"/>
-              <a:t>10/07/2016</a:t>
+              <a:t>11/07/2016</a:t>
             </a:fld>
             <a:endParaRPr lang="en-AU"/>
           </a:p>
@@ -5148,7 +5148,7 @@
           <a:p>
             <a:fld id="{B61F3786-CE44-4BCC-AFE0-DA4E5B49D7AC}" type="datetimeFigureOut">
               <a:rPr lang="en-AU" smtClean="0"/>
-              <a:t>10/07/2016</a:t>
+              <a:t>11/07/2016</a:t>
             </a:fld>
             <a:endParaRPr lang="en-AU"/>
           </a:p>
@@ -5577,7 +5577,7 @@
           <a:p>
             <a:fld id="{B61F3786-CE44-4BCC-AFE0-DA4E5B49D7AC}" type="datetimeFigureOut">
               <a:rPr lang="en-AU" smtClean="0"/>
-              <a:t>10/07/2016</a:t>
+              <a:t>11/07/2016</a:t>
             </a:fld>
             <a:endParaRPr lang="en-AU"/>
           </a:p>
@@ -6219,11 +6219,7 @@
           <a:p>
             <a:r>
               <a:rPr lang="en-US" dirty="0" smtClean="0"/>
-              <a:t>TAMO softwar</a:t>
-            </a:r>
-            <a:r>
-              <a:rPr lang="en-US" dirty="0" smtClean="0"/>
-              <a:t>e suite: combines several different algorithms to identify motifs, evaluate enrichment and map motifs </a:t>
+              <a:t>TAMO software suite: combines several different algorithms to identify motifs, evaluate enrichment and map motifs </a:t>
             </a:r>
             <a:r>
               <a:rPr lang="en-US" smtClean="0"/>
@@ -6909,8 +6905,8 @@
         </p:nvSpPr>
         <p:spPr>
           <a:xfrm>
-            <a:off x="647093" y="1726248"/>
-            <a:ext cx="7150707" cy="4195481"/>
+            <a:off x="647094" y="1726248"/>
+            <a:ext cx="6070230" cy="4195481"/>
           </a:xfrm>
         </p:spPr>
         <p:txBody>
@@ -6977,6 +6973,96 @@
           </a:p>
         </p:txBody>
       </p:sp>
+      <p:pic>
+        <p:nvPicPr>
+          <p:cNvPr id="4" name="Picture 3"/>
+          <p:cNvPicPr>
+            <a:picLocks noChangeAspect="1"/>
+          </p:cNvPicPr>
+          <p:nvPr/>
+        </p:nvPicPr>
+        <p:blipFill>
+          <a:blip r:embed="rId2">
+            <a:extLst>
+              <a:ext uri="{28A0092B-C50C-407E-A947-70E740481C1C}">
+                <a14:useLocalDpi xmlns:a14="http://schemas.microsoft.com/office/drawing/2010/main" val="0"/>
+              </a:ext>
+            </a:extLst>
+          </a:blip>
+          <a:stretch>
+            <a:fillRect/>
+          </a:stretch>
+        </p:blipFill>
+        <p:spPr>
+          <a:xfrm>
+            <a:off x="6502126" y="448286"/>
+            <a:ext cx="3549690" cy="2434438"/>
+          </a:xfrm>
+          <a:prstGeom prst="rect">
+            <a:avLst/>
+          </a:prstGeom>
+        </p:spPr>
+      </p:pic>
+      <p:pic>
+        <p:nvPicPr>
+          <p:cNvPr id="5" name="Picture 4"/>
+          <p:cNvPicPr>
+            <a:picLocks noChangeAspect="1"/>
+          </p:cNvPicPr>
+          <p:nvPr/>
+        </p:nvPicPr>
+        <p:blipFill>
+          <a:blip r:embed="rId3">
+            <a:extLst>
+              <a:ext uri="{28A0092B-C50C-407E-A947-70E740481C1C}">
+                <a14:useLocalDpi xmlns:a14="http://schemas.microsoft.com/office/drawing/2010/main" val="0"/>
+              </a:ext>
+            </a:extLst>
+          </a:blip>
+          <a:stretch>
+            <a:fillRect/>
+          </a:stretch>
+        </p:blipFill>
+        <p:spPr>
+          <a:xfrm>
+            <a:off x="7591171" y="3598367"/>
+            <a:ext cx="3430602" cy="3037512"/>
+          </a:xfrm>
+          <a:prstGeom prst="rect">
+            <a:avLst/>
+          </a:prstGeom>
+        </p:spPr>
+      </p:pic>
+      <p:pic>
+        <p:nvPicPr>
+          <p:cNvPr id="6" name="Picture 5"/>
+          <p:cNvPicPr>
+            <a:picLocks noChangeAspect="1"/>
+          </p:cNvPicPr>
+          <p:nvPr/>
+        </p:nvPicPr>
+        <p:blipFill>
+          <a:blip r:embed="rId4">
+            <a:extLst>
+              <a:ext uri="{28A0092B-C50C-407E-A947-70E740481C1C}">
+                <a14:useLocalDpi xmlns:a14="http://schemas.microsoft.com/office/drawing/2010/main" val="0"/>
+              </a:ext>
+            </a:extLst>
+          </a:blip>
+          <a:stretch>
+            <a:fillRect/>
+          </a:stretch>
+        </p:blipFill>
+        <p:spPr>
+          <a:xfrm>
+            <a:off x="7059247" y="2233956"/>
+            <a:ext cx="3825113" cy="2121579"/>
+          </a:xfrm>
+          <a:prstGeom prst="rect">
+            <a:avLst/>
+          </a:prstGeom>
+        </p:spPr>
+      </p:pic>
     </p:spTree>
     <p:extLst>
       <p:ext uri="{BB962C8B-B14F-4D97-AF65-F5344CB8AC3E}">
@@ -6987,6 +7073,195 @@
   <p:clrMapOvr>
     <a:masterClrMapping/>
   </p:clrMapOvr>
+  <p:timing>
+    <p:tnLst>
+      <p:par>
+        <p:cTn id="1" dur="indefinite" restart="never" nodeType="tmRoot">
+          <p:childTnLst>
+            <p:seq concurrent="1" nextAc="seek">
+              <p:cTn id="2" dur="indefinite" nodeType="mainSeq">
+                <p:childTnLst>
+                  <p:par>
+                    <p:cTn id="3" fill="hold">
+                      <p:stCondLst>
+                        <p:cond delay="indefinite"/>
+                      </p:stCondLst>
+                      <p:childTnLst>
+                        <p:par>
+                          <p:cTn id="4" fill="hold">
+                            <p:stCondLst>
+                              <p:cond delay="0"/>
+                            </p:stCondLst>
+                            <p:childTnLst>
+                              <p:par>
+                                <p:cTn id="5" presetID="10" presetClass="entr" presetSubtype="0" fill="hold" nodeType="clickEffect">
+                                  <p:stCondLst>
+                                    <p:cond delay="0"/>
+                                  </p:stCondLst>
+                                  <p:childTnLst>
+                                    <p:set>
+                                      <p:cBhvr>
+                                        <p:cTn id="6" dur="1" fill="hold">
+                                          <p:stCondLst>
+                                            <p:cond delay="0"/>
+                                          </p:stCondLst>
+                                        </p:cTn>
+                                        <p:tgtEl>
+                                          <p:spTgt spid="4"/>
+                                        </p:tgtEl>
+                                        <p:attrNameLst>
+                                          <p:attrName>style.visibility</p:attrName>
+                                        </p:attrNameLst>
+                                      </p:cBhvr>
+                                      <p:to>
+                                        <p:strVal val="visible"/>
+                                      </p:to>
+                                    </p:set>
+                                    <p:animEffect transition="in" filter="fade">
+                                      <p:cBhvr>
+                                        <p:cTn id="7" dur="500"/>
+                                        <p:tgtEl>
+                                          <p:spTgt spid="4"/>
+                                        </p:tgtEl>
+                                      </p:cBhvr>
+                                    </p:animEffect>
+                                  </p:childTnLst>
+                                </p:cTn>
+                              </p:par>
+                            </p:childTnLst>
+                          </p:cTn>
+                        </p:par>
+                      </p:childTnLst>
+                    </p:cTn>
+                  </p:par>
+                  <p:par>
+                    <p:cTn id="8" fill="hold">
+                      <p:stCondLst>
+                        <p:cond delay="indefinite"/>
+                      </p:stCondLst>
+                      <p:childTnLst>
+                        <p:par>
+                          <p:cTn id="9" fill="hold">
+                            <p:stCondLst>
+                              <p:cond delay="0"/>
+                            </p:stCondLst>
+                            <p:childTnLst>
+                              <p:par>
+                                <p:cTn id="10" presetID="10" presetClass="entr" presetSubtype="0" fill="hold" nodeType="clickEffect">
+                                  <p:stCondLst>
+                                    <p:cond delay="0"/>
+                                  </p:stCondLst>
+                                  <p:childTnLst>
+                                    <p:set>
+                                      <p:cBhvr>
+                                        <p:cTn id="11" dur="1" fill="hold">
+                                          <p:stCondLst>
+                                            <p:cond delay="0"/>
+                                          </p:stCondLst>
+                                        </p:cTn>
+                                        <p:tgtEl>
+                                          <p:spTgt spid="6"/>
+                                        </p:tgtEl>
+                                        <p:attrNameLst>
+                                          <p:attrName>style.visibility</p:attrName>
+                                        </p:attrNameLst>
+                                      </p:cBhvr>
+                                      <p:to>
+                                        <p:strVal val="visible"/>
+                                      </p:to>
+                                    </p:set>
+                                    <p:animEffect transition="in" filter="fade">
+                                      <p:cBhvr>
+                                        <p:cTn id="12" dur="500"/>
+                                        <p:tgtEl>
+                                          <p:spTgt spid="6"/>
+                                        </p:tgtEl>
+                                      </p:cBhvr>
+                                    </p:animEffect>
+                                  </p:childTnLst>
+                                </p:cTn>
+                              </p:par>
+                            </p:childTnLst>
+                          </p:cTn>
+                        </p:par>
+                      </p:childTnLst>
+                    </p:cTn>
+                  </p:par>
+                  <p:par>
+                    <p:cTn id="13" fill="hold">
+                      <p:stCondLst>
+                        <p:cond delay="indefinite"/>
+                      </p:stCondLst>
+                      <p:childTnLst>
+                        <p:par>
+                          <p:cTn id="14" fill="hold">
+                            <p:stCondLst>
+                              <p:cond delay="0"/>
+                            </p:stCondLst>
+                            <p:childTnLst>
+                              <p:par>
+                                <p:cTn id="15" presetID="10" presetClass="entr" presetSubtype="0" fill="hold" nodeType="clickEffect">
+                                  <p:stCondLst>
+                                    <p:cond delay="0"/>
+                                  </p:stCondLst>
+                                  <p:childTnLst>
+                                    <p:set>
+                                      <p:cBhvr>
+                                        <p:cTn id="16" dur="1" fill="hold">
+                                          <p:stCondLst>
+                                            <p:cond delay="0"/>
+                                          </p:stCondLst>
+                                        </p:cTn>
+                                        <p:tgtEl>
+                                          <p:spTgt spid="5"/>
+                                        </p:tgtEl>
+                                        <p:attrNameLst>
+                                          <p:attrName>style.visibility</p:attrName>
+                                        </p:attrNameLst>
+                                      </p:cBhvr>
+                                      <p:to>
+                                        <p:strVal val="visible"/>
+                                      </p:to>
+                                    </p:set>
+                                    <p:animEffect transition="in" filter="fade">
+                                      <p:cBhvr>
+                                        <p:cTn id="17" dur="500"/>
+                                        <p:tgtEl>
+                                          <p:spTgt spid="5"/>
+                                        </p:tgtEl>
+                                      </p:cBhvr>
+                                    </p:animEffect>
+                                  </p:childTnLst>
+                                </p:cTn>
+                              </p:par>
+                            </p:childTnLst>
+                          </p:cTn>
+                        </p:par>
+                      </p:childTnLst>
+                    </p:cTn>
+                  </p:par>
+                </p:childTnLst>
+              </p:cTn>
+              <p:prevCondLst>
+                <p:cond evt="onPrev" delay="0">
+                  <p:tgtEl>
+                    <p:sldTgt/>
+                  </p:tgtEl>
+                </p:cond>
+              </p:prevCondLst>
+              <p:nextCondLst>
+                <p:cond evt="onNext" delay="0">
+                  <p:tgtEl>
+                    <p:sldTgt/>
+                  </p:tgtEl>
+                </p:cond>
+              </p:nextCondLst>
+            </p:seq>
+          </p:childTnLst>
+        </p:cTn>
+      </p:par>
+    </p:tnLst>
+  </p:timing>
 </p:sld>
 </file>
 
@@ -7030,22 +7305,303 @@
           </a:p>
         </p:txBody>
       </p:sp>
-      <p:sp>
-        <p:nvSpPr>
-          <p:cNvPr id="3" name="Content Placeholder 2"/>
-          <p:cNvSpPr>
-            <a:spLocks noGrp="1"/>
-          </p:cNvSpPr>
+      <p:pic>
+        <p:nvPicPr>
+          <p:cNvPr id="4" name="Content Placeholder 3"/>
+          <p:cNvPicPr>
+            <a:picLocks noGrp="1" noChangeAspect="1"/>
+          </p:cNvPicPr>
           <p:nvPr>
             <p:ph idx="1"/>
           </p:nvPr>
-        </p:nvSpPr>
-        <p:spPr/>
-        <p:txBody>
-          <a:bodyPr/>
-          <a:lstStyle/>
-          <a:p>
-            <a:endParaRPr lang="en-AU"/>
+        </p:nvPicPr>
+        <p:blipFill rotWithShape="1">
+          <a:blip r:embed="rId2"/>
+          <a:srcRect t="6617"/>
+          <a:stretch/>
+        </p:blipFill>
+        <p:spPr>
+          <a:xfrm>
+            <a:off x="6717323" y="1694986"/>
+            <a:ext cx="4624753" cy="4095110"/>
+          </a:xfrm>
+          <a:prstGeom prst="rect">
+            <a:avLst/>
+          </a:prstGeom>
+        </p:spPr>
+      </p:pic>
+      <p:sp>
+        <p:nvSpPr>
+          <p:cNvPr id="8" name="Content Placeholder 2"/>
+          <p:cNvSpPr txBox="1">
+            <a:spLocks/>
+          </p:cNvSpPr>
+          <p:nvPr/>
+        </p:nvSpPr>
+        <p:spPr>
+          <a:xfrm>
+            <a:off x="646111" y="1860111"/>
+            <a:ext cx="5490919" cy="4195481"/>
+          </a:xfrm>
+          <a:prstGeom prst="rect">
+            <a:avLst/>
+          </a:prstGeom>
+        </p:spPr>
+        <p:txBody>
+          <a:bodyPr vert="horz" lIns="91440" tIns="45720" rIns="91440" bIns="45720" rtlCol="0">
+            <a:normAutofit/>
+          </a:bodyPr>
+          <a:lstStyle>
+            <a:lvl1pPr marL="342900" indent="-342900" algn="l" defTabSz="457200" rtl="0" eaLnBrk="1" latinLnBrk="0" hangingPunct="1">
+              <a:spcBef>
+                <a:spcPts val="1000"/>
+              </a:spcBef>
+              <a:spcAft>
+                <a:spcPts val="0"/>
+              </a:spcAft>
+              <a:buClr>
+                <a:schemeClr val="bg2">
+                  <a:lumMod val="40000"/>
+                  <a:lumOff val="60000"/>
+                </a:schemeClr>
+              </a:buClr>
+              <a:buSzPct val="80000"/>
+              <a:buFont typeface="Wingdings 3" charset="2"/>
+              <a:buChar char=""/>
+              <a:defRPr sz="2000" b="0" i="0" kern="1200">
+                <a:solidFill>
+                  <a:schemeClr val="tx1"/>
+                </a:solidFill>
+                <a:latin typeface="+mj-lt"/>
+                <a:ea typeface="+mj-ea"/>
+                <a:cs typeface="+mj-cs"/>
+              </a:defRPr>
+            </a:lvl1pPr>
+            <a:lvl2pPr marL="742950" indent="-285750" algn="l" defTabSz="457200" rtl="0" eaLnBrk="1" latinLnBrk="0" hangingPunct="1">
+              <a:spcBef>
+                <a:spcPts val="1000"/>
+              </a:spcBef>
+              <a:spcAft>
+                <a:spcPts val="0"/>
+              </a:spcAft>
+              <a:buClr>
+                <a:schemeClr val="bg2">
+                  <a:lumMod val="40000"/>
+                  <a:lumOff val="60000"/>
+                </a:schemeClr>
+              </a:buClr>
+              <a:buSzPct val="80000"/>
+              <a:buFont typeface="Wingdings 3" charset="2"/>
+              <a:buChar char=""/>
+              <a:defRPr sz="1800" b="0" i="0" kern="1200">
+                <a:solidFill>
+                  <a:schemeClr val="tx1"/>
+                </a:solidFill>
+                <a:latin typeface="+mj-lt"/>
+                <a:ea typeface="+mj-ea"/>
+                <a:cs typeface="+mj-cs"/>
+              </a:defRPr>
+            </a:lvl2pPr>
+            <a:lvl3pPr marL="1143000" indent="-228600" algn="l" defTabSz="457200" rtl="0" eaLnBrk="1" latinLnBrk="0" hangingPunct="1">
+              <a:spcBef>
+                <a:spcPts val="1000"/>
+              </a:spcBef>
+              <a:spcAft>
+                <a:spcPts val="0"/>
+              </a:spcAft>
+              <a:buClr>
+                <a:schemeClr val="bg2">
+                  <a:lumMod val="40000"/>
+                  <a:lumOff val="60000"/>
+                </a:schemeClr>
+              </a:buClr>
+              <a:buSzPct val="80000"/>
+              <a:buFont typeface="Wingdings 3" charset="2"/>
+              <a:buChar char=""/>
+              <a:defRPr sz="1600" b="0" i="0" kern="1200">
+                <a:solidFill>
+                  <a:schemeClr val="tx1"/>
+                </a:solidFill>
+                <a:latin typeface="+mj-lt"/>
+                <a:ea typeface="+mj-ea"/>
+                <a:cs typeface="+mj-cs"/>
+              </a:defRPr>
+            </a:lvl3pPr>
+            <a:lvl4pPr marL="1600200" indent="-228600" algn="l" defTabSz="457200" rtl="0" eaLnBrk="1" latinLnBrk="0" hangingPunct="1">
+              <a:spcBef>
+                <a:spcPts val="1000"/>
+              </a:spcBef>
+              <a:spcAft>
+                <a:spcPts val="0"/>
+              </a:spcAft>
+              <a:buClr>
+                <a:schemeClr val="bg2">
+                  <a:lumMod val="40000"/>
+                  <a:lumOff val="60000"/>
+                </a:schemeClr>
+              </a:buClr>
+              <a:buSzPct val="80000"/>
+              <a:buFont typeface="Wingdings 3" charset="2"/>
+              <a:buChar char=""/>
+              <a:defRPr sz="1400" b="0" i="0" kern="1200">
+                <a:solidFill>
+                  <a:schemeClr val="tx1"/>
+                </a:solidFill>
+                <a:latin typeface="+mj-lt"/>
+                <a:ea typeface="+mj-ea"/>
+                <a:cs typeface="+mj-cs"/>
+              </a:defRPr>
+            </a:lvl4pPr>
+            <a:lvl5pPr marL="2057400" indent="-228600" algn="l" defTabSz="457200" rtl="0" eaLnBrk="1" latinLnBrk="0" hangingPunct="1">
+              <a:spcBef>
+                <a:spcPts val="1000"/>
+              </a:spcBef>
+              <a:spcAft>
+                <a:spcPts val="0"/>
+              </a:spcAft>
+              <a:buClr>
+                <a:schemeClr val="bg2">
+                  <a:lumMod val="40000"/>
+                  <a:lumOff val="60000"/>
+                </a:schemeClr>
+              </a:buClr>
+              <a:buSzPct val="80000"/>
+              <a:buFont typeface="Wingdings 3" charset="2"/>
+              <a:buChar char=""/>
+              <a:defRPr sz="1400" b="0" i="0" kern="1200">
+                <a:solidFill>
+                  <a:schemeClr val="tx1"/>
+                </a:solidFill>
+                <a:latin typeface="+mj-lt"/>
+                <a:ea typeface="+mj-ea"/>
+                <a:cs typeface="+mj-cs"/>
+              </a:defRPr>
+            </a:lvl5pPr>
+            <a:lvl6pPr marL="2506000" indent="-228600" algn="l" defTabSz="457200" rtl="0" eaLnBrk="1" latinLnBrk="0" hangingPunct="1">
+              <a:spcBef>
+                <a:spcPts val="1000"/>
+              </a:spcBef>
+              <a:spcAft>
+                <a:spcPts val="0"/>
+              </a:spcAft>
+              <a:buClr>
+                <a:schemeClr val="bg2">
+                  <a:lumMod val="40000"/>
+                  <a:lumOff val="60000"/>
+                </a:schemeClr>
+              </a:buClr>
+              <a:buSzPct val="80000"/>
+              <a:buFont typeface="Wingdings 3" charset="2"/>
+              <a:buChar char=""/>
+              <a:defRPr sz="1400" b="0" i="0" kern="1200">
+                <a:solidFill>
+                  <a:schemeClr val="tx1"/>
+                </a:solidFill>
+                <a:latin typeface="+mj-lt"/>
+                <a:ea typeface="+mj-ea"/>
+                <a:cs typeface="+mj-cs"/>
+              </a:defRPr>
+            </a:lvl6pPr>
+            <a:lvl7pPr marL="2971800" indent="-228600" algn="l" defTabSz="457200" rtl="0" eaLnBrk="1" latinLnBrk="0" hangingPunct="1">
+              <a:spcBef>
+                <a:spcPts val="1000"/>
+              </a:spcBef>
+              <a:spcAft>
+                <a:spcPts val="0"/>
+              </a:spcAft>
+              <a:buClr>
+                <a:schemeClr val="bg2">
+                  <a:lumMod val="40000"/>
+                  <a:lumOff val="60000"/>
+                </a:schemeClr>
+              </a:buClr>
+              <a:buSzPct val="80000"/>
+              <a:buFont typeface="Wingdings 3" charset="2"/>
+              <a:buChar char=""/>
+              <a:defRPr sz="1400" b="0" i="0" kern="1200">
+                <a:solidFill>
+                  <a:schemeClr val="tx1"/>
+                </a:solidFill>
+                <a:latin typeface="+mj-lt"/>
+                <a:ea typeface="+mj-ea"/>
+                <a:cs typeface="+mj-cs"/>
+              </a:defRPr>
+            </a:lvl7pPr>
+            <a:lvl8pPr marL="3429000" indent="-228600" algn="l" defTabSz="457200" rtl="0" eaLnBrk="1" latinLnBrk="0" hangingPunct="1">
+              <a:spcBef>
+                <a:spcPts val="1000"/>
+              </a:spcBef>
+              <a:spcAft>
+                <a:spcPts val="0"/>
+              </a:spcAft>
+              <a:buClr>
+                <a:schemeClr val="bg2">
+                  <a:lumMod val="40000"/>
+                  <a:lumOff val="60000"/>
+                </a:schemeClr>
+              </a:buClr>
+              <a:buSzPct val="80000"/>
+              <a:buFont typeface="Wingdings 3" charset="2"/>
+              <a:buChar char=""/>
+              <a:defRPr sz="1400" b="0" i="0" kern="1200">
+                <a:solidFill>
+                  <a:schemeClr val="tx1"/>
+                </a:solidFill>
+                <a:latin typeface="+mj-lt"/>
+                <a:ea typeface="+mj-ea"/>
+                <a:cs typeface="+mj-cs"/>
+              </a:defRPr>
+            </a:lvl8pPr>
+            <a:lvl9pPr marL="3886200" indent="-228600" algn="l" defTabSz="457200" rtl="0" eaLnBrk="1" latinLnBrk="0" hangingPunct="1">
+              <a:spcBef>
+                <a:spcPts val="1000"/>
+              </a:spcBef>
+              <a:spcAft>
+                <a:spcPts val="0"/>
+              </a:spcAft>
+              <a:buClr>
+                <a:schemeClr val="bg2">
+                  <a:lumMod val="40000"/>
+                  <a:lumOff val="60000"/>
+                </a:schemeClr>
+              </a:buClr>
+              <a:buSzPct val="80000"/>
+              <a:buFont typeface="Wingdings 3" charset="2"/>
+              <a:buChar char=""/>
+              <a:defRPr sz="1400" b="0" i="0" kern="1200">
+                <a:solidFill>
+                  <a:schemeClr val="tx1"/>
+                </a:solidFill>
+                <a:latin typeface="+mj-lt"/>
+                <a:ea typeface="+mj-ea"/>
+                <a:cs typeface="+mj-cs"/>
+              </a:defRPr>
+            </a:lvl9pPr>
+          </a:lstStyle>
+          <a:p>
+            <a:r>
+              <a:rPr lang="en-US" dirty="0" smtClean="0"/>
+              <a:t>Lipid rafts consisting of cholesterol, sphingolipid and ceramide enriched in EVs. </a:t>
+            </a:r>
+          </a:p>
+          <a:p>
+            <a:endParaRPr lang="en-US" dirty="0" smtClean="0"/>
+          </a:p>
+          <a:p>
+            <a:r>
+              <a:rPr lang="en-US" dirty="0" smtClean="0"/>
+              <a:t>Depletion of these lipids modifies EV protein content. </a:t>
+            </a:r>
+          </a:p>
+          <a:p>
+            <a:endParaRPr lang="en-US" dirty="0"/>
+          </a:p>
+          <a:p>
+            <a:r>
+              <a:rPr lang="en-US" dirty="0" smtClean="0"/>
+              <a:t>RNA-binding proteins associate with lipid rafts frequently. </a:t>
+            </a:r>
+            <a:endParaRPr lang="en-AU" dirty="0"/>
           </a:p>
         </p:txBody>
       </p:sp>
@@ -7059,6 +7615,13 @@
   <p:clrMapOvr>
     <a:masterClrMapping/>
   </p:clrMapOvr>
+  <p:timing>
+    <p:tnLst>
+      <p:par>
+        <p:cTn id="1" dur="indefinite" restart="never" nodeType="tmRoot"/>
+      </p:par>
+    </p:tnLst>
+  </p:timing>
 </p:sld>
 </file>
 
@@ -7133,13 +7696,8 @@
             </a:pPr>
             <a:r>
               <a:rPr lang="en-AU" sz="2400" dirty="0" smtClean="0"/>
-              <a:t>Identify the selectively exported </a:t>
-            </a:r>
-            <a:r>
-              <a:rPr lang="en-AU" sz="2400" dirty="0" smtClean="0"/>
-              <a:t>miRNAs.  </a:t>
-            </a:r>
-            <a:endParaRPr lang="en-AU" sz="2400" dirty="0" smtClean="0"/>
+              <a:t>Identify the selectively exported miRNAs.  </a:t>
+            </a:r>
           </a:p>
           <a:p>
             <a:pPr marL="781050" indent="-514350">
@@ -7148,13 +7706,8 @@
             </a:pPr>
             <a:r>
               <a:rPr lang="en-AU" sz="2400" dirty="0" smtClean="0"/>
-              <a:t>Identify </a:t>
-            </a:r>
-            <a:r>
-              <a:rPr lang="en-AU" sz="2400" dirty="0" smtClean="0"/>
-              <a:t>candidate miRNA escort proteins.  </a:t>
-            </a:r>
-            <a:endParaRPr lang="en-AU" sz="2400" dirty="0" smtClean="0"/>
+              <a:t>Identify candidate miRNA escort proteins.  </a:t>
+            </a:r>
           </a:p>
           <a:p>
             <a:pPr marL="781050" indent="-514350">

--- a/BackgroundInfo/MeetingSlides.pptx
+++ b/BackgroundInfo/MeetingSlides.pptx
@@ -307,7 +307,7 @@
           <a:p>
             <a:fld id="{B61F3786-CE44-4BCC-AFE0-DA4E5B49D7AC}" type="datetimeFigureOut">
               <a:rPr lang="en-AU" smtClean="0"/>
-              <a:t>20/07/2016</a:t>
+              <a:t>22/07/2016</a:t>
             </a:fld>
             <a:endParaRPr lang="en-AU"/>
           </a:p>
@@ -582,7 +582,7 @@
           <a:p>
             <a:fld id="{B61F3786-CE44-4BCC-AFE0-DA4E5B49D7AC}" type="datetimeFigureOut">
               <a:rPr lang="en-AU" smtClean="0"/>
-              <a:t>20/07/2016</a:t>
+              <a:t>22/07/2016</a:t>
             </a:fld>
             <a:endParaRPr lang="en-AU"/>
           </a:p>
@@ -776,7 +776,7 @@
           <a:p>
             <a:fld id="{B61F3786-CE44-4BCC-AFE0-DA4E5B49D7AC}" type="datetimeFigureOut">
               <a:rPr lang="en-AU" smtClean="0"/>
-              <a:t>20/07/2016</a:t>
+              <a:t>22/07/2016</a:t>
             </a:fld>
             <a:endParaRPr lang="en-AU"/>
           </a:p>
@@ -1049,7 +1049,7 @@
           <a:p>
             <a:fld id="{B61F3786-CE44-4BCC-AFE0-DA4E5B49D7AC}" type="datetimeFigureOut">
               <a:rPr lang="en-AU" smtClean="0"/>
-              <a:t>20/07/2016</a:t>
+              <a:t>22/07/2016</a:t>
             </a:fld>
             <a:endParaRPr lang="en-AU"/>
           </a:p>
@@ -1390,7 +1390,7 @@
           <a:p>
             <a:fld id="{B61F3786-CE44-4BCC-AFE0-DA4E5B49D7AC}" type="datetimeFigureOut">
               <a:rPr lang="en-AU" smtClean="0"/>
-              <a:t>20/07/2016</a:t>
+              <a:t>22/07/2016</a:t>
             </a:fld>
             <a:endParaRPr lang="en-AU"/>
           </a:p>
@@ -2013,7 +2013,7 @@
           <a:p>
             <a:fld id="{B61F3786-CE44-4BCC-AFE0-DA4E5B49D7AC}" type="datetimeFigureOut">
               <a:rPr lang="en-AU" smtClean="0"/>
-              <a:t>20/07/2016</a:t>
+              <a:t>22/07/2016</a:t>
             </a:fld>
             <a:endParaRPr lang="en-AU"/>
           </a:p>
@@ -2873,7 +2873,7 @@
           <a:p>
             <a:fld id="{B61F3786-CE44-4BCC-AFE0-DA4E5B49D7AC}" type="datetimeFigureOut">
               <a:rPr lang="en-AU" smtClean="0"/>
-              <a:t>20/07/2016</a:t>
+              <a:t>22/07/2016</a:t>
             </a:fld>
             <a:endParaRPr lang="en-AU"/>
           </a:p>
@@ -3043,7 +3043,7 @@
           <a:p>
             <a:fld id="{B61F3786-CE44-4BCC-AFE0-DA4E5B49D7AC}" type="datetimeFigureOut">
               <a:rPr lang="en-AU" smtClean="0"/>
-              <a:t>20/07/2016</a:t>
+              <a:t>22/07/2016</a:t>
             </a:fld>
             <a:endParaRPr lang="en-AU"/>
           </a:p>
@@ -3223,7 +3223,7 @@
           <a:p>
             <a:fld id="{B61F3786-CE44-4BCC-AFE0-DA4E5B49D7AC}" type="datetimeFigureOut">
               <a:rPr lang="en-AU" smtClean="0"/>
-              <a:t>20/07/2016</a:t>
+              <a:t>22/07/2016</a:t>
             </a:fld>
             <a:endParaRPr lang="en-AU"/>
           </a:p>
@@ -3393,7 +3393,7 @@
           <a:p>
             <a:fld id="{B61F3786-CE44-4BCC-AFE0-DA4E5B49D7AC}" type="datetimeFigureOut">
               <a:rPr lang="en-AU" smtClean="0"/>
-              <a:t>20/07/2016</a:t>
+              <a:t>22/07/2016</a:t>
             </a:fld>
             <a:endParaRPr lang="en-AU"/>
           </a:p>
@@ -3640,7 +3640,7 @@
           <a:p>
             <a:fld id="{B61F3786-CE44-4BCC-AFE0-DA4E5B49D7AC}" type="datetimeFigureOut">
               <a:rPr lang="en-AU" smtClean="0"/>
-              <a:t>20/07/2016</a:t>
+              <a:t>22/07/2016</a:t>
             </a:fld>
             <a:endParaRPr lang="en-AU"/>
           </a:p>
@@ -3932,7 +3932,7 @@
           <a:p>
             <a:fld id="{B61F3786-CE44-4BCC-AFE0-DA4E5B49D7AC}" type="datetimeFigureOut">
               <a:rPr lang="en-AU" smtClean="0"/>
-              <a:t>20/07/2016</a:t>
+              <a:t>22/07/2016</a:t>
             </a:fld>
             <a:endParaRPr lang="en-AU"/>
           </a:p>
@@ -4376,7 +4376,7 @@
           <a:p>
             <a:fld id="{B61F3786-CE44-4BCC-AFE0-DA4E5B49D7AC}" type="datetimeFigureOut">
               <a:rPr lang="en-AU" smtClean="0"/>
-              <a:t>20/07/2016</a:t>
+              <a:t>22/07/2016</a:t>
             </a:fld>
             <a:endParaRPr lang="en-AU"/>
           </a:p>
@@ -4494,7 +4494,7 @@
           <a:p>
             <a:fld id="{B61F3786-CE44-4BCC-AFE0-DA4E5B49D7AC}" type="datetimeFigureOut">
               <a:rPr lang="en-AU" smtClean="0"/>
-              <a:t>20/07/2016</a:t>
+              <a:t>22/07/2016</a:t>
             </a:fld>
             <a:endParaRPr lang="en-AU"/>
           </a:p>
@@ -4589,7 +4589,7 @@
           <a:p>
             <a:fld id="{B61F3786-CE44-4BCC-AFE0-DA4E5B49D7AC}" type="datetimeFigureOut">
               <a:rPr lang="en-AU" smtClean="0"/>
-              <a:t>20/07/2016</a:t>
+              <a:t>22/07/2016</a:t>
             </a:fld>
             <a:endParaRPr lang="en-AU"/>
           </a:p>
@@ -4868,7 +4868,7 @@
           <a:p>
             <a:fld id="{B61F3786-CE44-4BCC-AFE0-DA4E5B49D7AC}" type="datetimeFigureOut">
               <a:rPr lang="en-AU" smtClean="0"/>
-              <a:t>20/07/2016</a:t>
+              <a:t>22/07/2016</a:t>
             </a:fld>
             <a:endParaRPr lang="en-AU"/>
           </a:p>
@@ -5143,7 +5143,7 @@
           <a:p>
             <a:fld id="{B61F3786-CE44-4BCC-AFE0-DA4E5B49D7AC}" type="datetimeFigureOut">
               <a:rPr lang="en-AU" smtClean="0"/>
-              <a:t>20/07/2016</a:t>
+              <a:t>22/07/2016</a:t>
             </a:fld>
             <a:endParaRPr lang="en-AU"/>
           </a:p>
@@ -5572,7 +5572,7 @@
           <a:p>
             <a:fld id="{B61F3786-CE44-4BCC-AFE0-DA4E5B49D7AC}" type="datetimeFigureOut">
               <a:rPr lang="en-AU" smtClean="0"/>
-              <a:t>20/07/2016</a:t>
+              <a:t>22/07/2016</a:t>
             </a:fld>
             <a:endParaRPr lang="en-AU"/>
           </a:p>
@@ -6888,8 +6888,8 @@
         </p:nvSpPr>
         <p:spPr>
           <a:xfrm>
-            <a:off x="1103312" y="2205318"/>
-            <a:ext cx="8946541" cy="4195481"/>
+            <a:off x="1262703" y="4102217"/>
+            <a:ext cx="8946541" cy="1979800"/>
           </a:xfrm>
         </p:spPr>
         <p:txBody>
@@ -6946,6 +6946,53 @@
               <a:buNone/>
             </a:pPr>
             <a:endParaRPr lang="en-AU" dirty="0"/>
+          </a:p>
+        </p:txBody>
+      </p:sp>
+      <p:sp>
+        <p:nvSpPr>
+          <p:cNvPr id="4" name="TextBox 3"/>
+          <p:cNvSpPr txBox="1"/>
+          <p:nvPr/>
+        </p:nvSpPr>
+        <p:spPr>
+          <a:xfrm>
+            <a:off x="1126222" y="1975766"/>
+            <a:ext cx="9219501" cy="1200329"/>
+          </a:xfrm>
+          <a:prstGeom prst="rect">
+            <a:avLst/>
+          </a:prstGeom>
+          <a:noFill/>
+        </p:spPr>
+        <p:txBody>
+          <a:bodyPr wrap="square" rtlCol="0">
+            <a:spAutoFit/>
+          </a:bodyPr>
+          <a:lstStyle/>
+          <a:p>
+            <a:pPr algn="ctr"/>
+            <a:r>
+              <a:rPr lang="en-AU" sz="2400" dirty="0" smtClean="0"/>
+              <a:t>Hypothesis: miRNAs </a:t>
+            </a:r>
+            <a:r>
+              <a:rPr lang="en-AU" sz="2400" dirty="0"/>
+              <a:t>are selectively exported via extracellular vesicles </a:t>
+            </a:r>
+            <a:r>
+              <a:rPr lang="en-AU" sz="2400" dirty="0" smtClean="0"/>
+              <a:t>indirectly moderated by cavin-1 in the PC3 model</a:t>
+            </a:r>
+            <a:r>
+              <a:rPr lang="en-AU" sz="2400" dirty="0"/>
+              <a:t> </a:t>
+            </a:r>
+            <a:r>
+              <a:rPr lang="en-AU" sz="2400" dirty="0" smtClean="0"/>
+              <a:t>by mediating miRNA escort proteins in the EVs. </a:t>
+            </a:r>
+            <a:endParaRPr lang="en-AU" sz="2400" dirty="0"/>
           </a:p>
         </p:txBody>
       </p:sp>
@@ -7350,7 +7397,7 @@
       </p:sp>
       <p:pic>
         <p:nvPicPr>
-          <p:cNvPr id="7" name="Picture 6"/>
+          <p:cNvPr id="3" name="Picture 2"/>
           <p:cNvPicPr>
             <a:picLocks noChangeAspect="1"/>
           </p:cNvPicPr>
@@ -7370,8 +7417,8 @@
         </p:blipFill>
         <p:spPr>
           <a:xfrm>
-            <a:off x="646111" y="1339930"/>
-            <a:ext cx="5004003" cy="5004003"/>
+            <a:off x="646111" y="1412971"/>
+            <a:ext cx="4841146" cy="4841146"/>
           </a:xfrm>
           <a:prstGeom prst="rect">
             <a:avLst/>
@@ -7484,8 +7531,15 @@
             </a:r>
             <a:r>
               <a:rPr lang="en-US" dirty="0" smtClean="0"/>
-              <a:t> Kits)</a:t>
-            </a:r>
+              <a:t> Kits</a:t>
+            </a:r>
+            <a:r>
+              <a:rPr lang="en-US" dirty="0" smtClean="0"/>
+              <a:t>)</a:t>
+            </a:r>
+          </a:p>
+          <a:p>
+            <a:endParaRPr lang="en-US" dirty="0" smtClean="0"/>
           </a:p>
           <a:p>
             <a:r>
@@ -7535,7 +7589,7 @@
         </p:blipFill>
         <p:spPr bwMode="auto">
           <a:xfrm>
-            <a:off x="878637" y="2468711"/>
+            <a:off x="878637" y="2100005"/>
             <a:ext cx="4812164" cy="3533612"/>
           </a:xfrm>
           <a:prstGeom prst="rect">
@@ -7779,6 +7833,25 @@
           <a:bodyPr/>
           <a:lstStyle/>
           <a:p>
+            <a:r>
+              <a:rPr lang="en-US" dirty="0" smtClean="0"/>
+              <a:t>Venn diagram of criteria and data that </a:t>
+            </a:r>
+            <a:r>
+              <a:rPr lang="en-US" dirty="0" err="1" smtClean="0"/>
+              <a:t>fulls</a:t>
+            </a:r>
+            <a:r>
+              <a:rPr lang="en-US" dirty="0" smtClean="0"/>
+              <a:t> under the criteria. Correlation to paper for </a:t>
+            </a:r>
+            <a:r>
+              <a:rPr lang="en-US" dirty="0" err="1" smtClean="0"/>
+              <a:t>hnRNPK</a:t>
+            </a:r>
+            <a:endParaRPr lang="en-US" dirty="0" smtClean="0"/>
+          </a:p>
+          <a:p>
             <a:endParaRPr lang="en-AU" dirty="0"/>
           </a:p>
         </p:txBody>
@@ -7841,64 +7914,25 @@
           </a:p>
         </p:txBody>
       </p:sp>
-      <p:pic>
-        <p:nvPicPr>
-          <p:cNvPr id="4" name="Content Placeholder 3"/>
-          <p:cNvPicPr>
-            <a:picLocks noGrp="1" noChangeAspect="1"/>
-          </p:cNvPicPr>
+      <p:sp>
+        <p:nvSpPr>
+          <p:cNvPr id="3" name="Content Placeholder 2"/>
+          <p:cNvSpPr>
+            <a:spLocks noGrp="1"/>
+          </p:cNvSpPr>
           <p:nvPr>
             <p:ph idx="1"/>
           </p:nvPr>
-        </p:nvPicPr>
-        <p:blipFill rotWithShape="1">
-          <a:blip r:embed="rId2">
-            <a:extLst>
-              <a:ext uri="{28A0092B-C50C-407E-A947-70E740481C1C}">
-                <a14:useLocalDpi xmlns:a14="http://schemas.microsoft.com/office/drawing/2010/main" val="0"/>
-              </a:ext>
-            </a:extLst>
-          </a:blip>
-          <a:srcRect l="-8152" t="-1338" r="-15075" b="-8626"/>
-          <a:stretch/>
-        </p:blipFill>
-        <p:spPr>
-          <a:xfrm>
-            <a:off x="773149" y="1472089"/>
-            <a:ext cx="6084277" cy="4610654"/>
-          </a:xfrm>
-        </p:spPr>
-      </p:pic>
-      <p:pic>
-        <p:nvPicPr>
-          <p:cNvPr id="5" name="Picture 4"/>
-          <p:cNvPicPr>
-            <a:picLocks noChangeAspect="1"/>
-          </p:cNvPicPr>
-          <p:nvPr/>
-        </p:nvPicPr>
-        <p:blipFill>
-          <a:blip r:embed="rId3">
-            <a:extLst>
-              <a:ext uri="{28A0092B-C50C-407E-A947-70E740481C1C}">
-                <a14:useLocalDpi xmlns:a14="http://schemas.microsoft.com/office/drawing/2010/main" val="0"/>
-              </a:ext>
-            </a:extLst>
-          </a:blip>
-          <a:stretch>
-            <a:fillRect/>
-          </a:stretch>
-        </p:blipFill>
-        <p:spPr>
-          <a:xfrm>
-            <a:off x="4652523" y="1507344"/>
-            <a:ext cx="4947529" cy="4194240"/>
-          </a:xfrm>
-          <a:prstGeom prst="rect">
-            <a:avLst/>
-          </a:prstGeom>
-        </p:spPr>
-      </p:pic>
+        </p:nvSpPr>
+        <p:spPr/>
+        <p:txBody>
+          <a:bodyPr/>
+          <a:lstStyle/>
+          <a:p>
+            <a:endParaRPr lang="en-AU"/>
+          </a:p>
+        </p:txBody>
+      </p:sp>
     </p:spTree>
     <p:extLst>
       <p:ext uri="{BB962C8B-B14F-4D97-AF65-F5344CB8AC3E}">
